--- a/m101j.pptx
+++ b/m101j.pptx
@@ -30,7 +30,15 @@
     <p:sldId id="279" r:id="rId24"/>
     <p:sldId id="280" r:id="rId25"/>
     <p:sldId id="282" r:id="rId26"/>
-    <p:sldId id="260" r:id="rId27"/>
+    <p:sldId id="283" r:id="rId27"/>
+    <p:sldId id="284" r:id="rId28"/>
+    <p:sldId id="285" r:id="rId29"/>
+    <p:sldId id="286" r:id="rId30"/>
+    <p:sldId id="288" r:id="rId31"/>
+    <p:sldId id="289" r:id="rId32"/>
+    <p:sldId id="287" r:id="rId33"/>
+    <p:sldId id="290" r:id="rId34"/>
+    <p:sldId id="260" r:id="rId35"/>
   </p:sldIdLst>
   <p:sldSz cx="12192000" cy="6858000"/>
   <p:notesSz cx="6858000" cy="9144000"/>
@@ -3035,7 +3043,7 @@
           <a:p>
             <a:fld id="{3F774295-5635-430C-AB9C-01301D29E634}" type="datetimeFigureOut">
               <a:rPr lang="de-CH" smtClean="0"/>
-              <a:t>01.04.2016</a:t>
+              <a:t>10.04.2016</a:t>
             </a:fld>
             <a:endParaRPr lang="de-CH"/>
           </a:p>
@@ -3205,7 +3213,7 @@
           <a:p>
             <a:fld id="{3F774295-5635-430C-AB9C-01301D29E634}" type="datetimeFigureOut">
               <a:rPr lang="de-CH" smtClean="0"/>
-              <a:t>01.04.2016</a:t>
+              <a:t>10.04.2016</a:t>
             </a:fld>
             <a:endParaRPr lang="de-CH"/>
           </a:p>
@@ -3385,7 +3393,7 @@
           <a:p>
             <a:fld id="{3F774295-5635-430C-AB9C-01301D29E634}" type="datetimeFigureOut">
               <a:rPr lang="de-CH" smtClean="0"/>
-              <a:t>01.04.2016</a:t>
+              <a:t>10.04.2016</a:t>
             </a:fld>
             <a:endParaRPr lang="de-CH"/>
           </a:p>
@@ -3555,7 +3563,7 @@
           <a:p>
             <a:fld id="{3F774295-5635-430C-AB9C-01301D29E634}" type="datetimeFigureOut">
               <a:rPr lang="de-CH" smtClean="0"/>
-              <a:t>01.04.2016</a:t>
+              <a:t>10.04.2016</a:t>
             </a:fld>
             <a:endParaRPr lang="de-CH"/>
           </a:p>
@@ -3801,7 +3809,7 @@
           <a:p>
             <a:fld id="{3F774295-5635-430C-AB9C-01301D29E634}" type="datetimeFigureOut">
               <a:rPr lang="de-CH" smtClean="0"/>
-              <a:t>01.04.2016</a:t>
+              <a:t>10.04.2016</a:t>
             </a:fld>
             <a:endParaRPr lang="de-CH"/>
           </a:p>
@@ -4033,7 +4041,7 @@
           <a:p>
             <a:fld id="{3F774295-5635-430C-AB9C-01301D29E634}" type="datetimeFigureOut">
               <a:rPr lang="de-CH" smtClean="0"/>
-              <a:t>01.04.2016</a:t>
+              <a:t>10.04.2016</a:t>
             </a:fld>
             <a:endParaRPr lang="de-CH"/>
           </a:p>
@@ -4400,7 +4408,7 @@
           <a:p>
             <a:fld id="{3F774295-5635-430C-AB9C-01301D29E634}" type="datetimeFigureOut">
               <a:rPr lang="de-CH" smtClean="0"/>
-              <a:t>01.04.2016</a:t>
+              <a:t>10.04.2016</a:t>
             </a:fld>
             <a:endParaRPr lang="de-CH"/>
           </a:p>
@@ -4518,7 +4526,7 @@
           <a:p>
             <a:fld id="{3F774295-5635-430C-AB9C-01301D29E634}" type="datetimeFigureOut">
               <a:rPr lang="de-CH" smtClean="0"/>
-              <a:t>01.04.2016</a:t>
+              <a:t>10.04.2016</a:t>
             </a:fld>
             <a:endParaRPr lang="de-CH"/>
           </a:p>
@@ -4613,7 +4621,7 @@
           <a:p>
             <a:fld id="{3F774295-5635-430C-AB9C-01301D29E634}" type="datetimeFigureOut">
               <a:rPr lang="de-CH" smtClean="0"/>
-              <a:t>01.04.2016</a:t>
+              <a:t>10.04.2016</a:t>
             </a:fld>
             <a:endParaRPr lang="de-CH"/>
           </a:p>
@@ -4890,7 +4898,7 @@
           <a:p>
             <a:fld id="{3F774295-5635-430C-AB9C-01301D29E634}" type="datetimeFigureOut">
               <a:rPr lang="de-CH" smtClean="0"/>
-              <a:t>01.04.2016</a:t>
+              <a:t>10.04.2016</a:t>
             </a:fld>
             <a:endParaRPr lang="de-CH"/>
           </a:p>
@@ -5143,7 +5151,7 @@
           <a:p>
             <a:fld id="{3F774295-5635-430C-AB9C-01301D29E634}" type="datetimeFigureOut">
               <a:rPr lang="de-CH" smtClean="0"/>
-              <a:t>01.04.2016</a:t>
+              <a:t>10.04.2016</a:t>
             </a:fld>
             <a:endParaRPr lang="de-CH"/>
           </a:p>
@@ -5356,7 +5364,7 @@
           <a:p>
             <a:fld id="{3F774295-5635-430C-AB9C-01301D29E634}" type="datetimeFigureOut">
               <a:rPr lang="de-CH" smtClean="0"/>
-              <a:t>01.04.2016</a:t>
+              <a:t>10.04.2016</a:t>
             </a:fld>
             <a:endParaRPr lang="de-CH"/>
           </a:p>
@@ -21319,8 +21327,8 @@
           <a:lstStyle/>
           <a:p>
             <a:r>
-              <a:rPr lang="de-CH" dirty="0" err="1" smtClean="0"/>
-              <a:t>Literature</a:t>
+              <a:rPr lang="de-CH" dirty="0" smtClean="0"/>
+              <a:t>Performance</a:t>
             </a:r>
             <a:endParaRPr lang="de-CH" dirty="0"/>
           </a:p>
@@ -21342,74 +21350,247 @@
           <a:lstStyle/>
           <a:p>
             <a:r>
-              <a:rPr lang="de-CH" b="1" dirty="0" smtClean="0"/>
-              <a:t>Seven Databases in Seven </a:t>
-            </a:r>
-            <a:r>
-              <a:rPr lang="de-CH" b="1" dirty="0" err="1" smtClean="0"/>
-              <a:t>Weeks</a:t>
-            </a:r>
-            <a:r>
-              <a:rPr lang="de-CH" b="1" dirty="0" smtClean="0"/>
-              <a:t>. </a:t>
-            </a:r>
-            <a:r>
-              <a:rPr lang="de-CH" i="1" dirty="0" smtClean="0"/>
-              <a:t>A Guide </a:t>
-            </a:r>
-            <a:r>
-              <a:rPr lang="de-CH" i="1" dirty="0" err="1" smtClean="0"/>
+              <a:rPr lang="de-CH" dirty="0" smtClean="0"/>
+              <a:t>Storage </a:t>
+            </a:r>
+            <a:r>
+              <a:rPr lang="de-CH" dirty="0" err="1" smtClean="0"/>
+              <a:t>Engines</a:t>
+            </a:r>
+            <a:endParaRPr lang="de-CH" dirty="0" smtClean="0"/>
+          </a:p>
+          <a:p>
+            <a:pPr lvl="1"/>
+            <a:r>
+              <a:rPr lang="de-CH" dirty="0" smtClean="0"/>
+              <a:t>Server </a:t>
+            </a:r>
+            <a:r>
+              <a:rPr lang="de-CH" dirty="0" err="1" smtClean="0"/>
+              <a:t>talks</a:t>
+            </a:r>
+            <a:r>
+              <a:rPr lang="de-CH" dirty="0" smtClean="0"/>
+              <a:t> </a:t>
+            </a:r>
+            <a:r>
+              <a:rPr lang="de-CH" dirty="0" err="1" smtClean="0"/>
               <a:t>to</a:t>
             </a:r>
             <a:r>
-              <a:rPr lang="de-CH" i="1" dirty="0" smtClean="0"/>
-              <a:t> Modern Databases </a:t>
-            </a:r>
-            <a:r>
-              <a:rPr lang="de-CH" i="1" dirty="0" err="1" smtClean="0"/>
+              <a:rPr lang="de-CH" dirty="0" smtClean="0"/>
+              <a:t> </a:t>
+            </a:r>
+            <a:r>
+              <a:rPr lang="de-CH" dirty="0" err="1" smtClean="0"/>
+              <a:t>storage</a:t>
+            </a:r>
+            <a:r>
+              <a:rPr lang="de-CH" dirty="0" smtClean="0"/>
+              <a:t> </a:t>
+            </a:r>
+            <a:r>
+              <a:rPr lang="de-CH" dirty="0" err="1" smtClean="0"/>
+              <a:t>engine</a:t>
+            </a:r>
+            <a:endParaRPr lang="de-CH" dirty="0" smtClean="0"/>
+          </a:p>
+          <a:p>
+            <a:pPr lvl="1"/>
+            <a:r>
+              <a:rPr lang="de-CH" dirty="0" err="1" smtClean="0"/>
+              <a:t>Strategy</a:t>
+            </a:r>
+            <a:r>
+              <a:rPr lang="de-CH" dirty="0" smtClean="0"/>
+              <a:t> </a:t>
+            </a:r>
+            <a:r>
+              <a:rPr lang="de-CH" dirty="0" err="1" smtClean="0"/>
+              <a:t>of</a:t>
+            </a:r>
+            <a:r>
+              <a:rPr lang="de-CH" dirty="0" smtClean="0"/>
+              <a:t> </a:t>
+            </a:r>
+            <a:r>
+              <a:rPr lang="de-CH" dirty="0" err="1" smtClean="0"/>
+              <a:t>when</a:t>
+            </a:r>
+            <a:r>
+              <a:rPr lang="de-CH" dirty="0" smtClean="0"/>
+              <a:t> </a:t>
+            </a:r>
+            <a:r>
+              <a:rPr lang="de-CH" dirty="0" err="1" smtClean="0"/>
               <a:t>and</a:t>
             </a:r>
             <a:r>
-              <a:rPr lang="de-CH" i="1" dirty="0" smtClean="0"/>
+              <a:rPr lang="de-CH" dirty="0" smtClean="0"/>
               <a:t> </a:t>
             </a:r>
             <a:r>
-              <a:rPr lang="de-CH" i="1" dirty="0" err="1" smtClean="0"/>
-              <a:t>the</a:t>
-            </a:r>
-            <a:r>
-              <a:rPr lang="de-CH" i="1" dirty="0" smtClean="0"/>
+              <a:rPr lang="de-CH" dirty="0" err="1" smtClean="0"/>
+              <a:t>how</a:t>
+            </a:r>
+            <a:r>
+              <a:rPr lang="de-CH" dirty="0" smtClean="0"/>
               <a:t> </a:t>
             </a:r>
             <a:r>
-              <a:rPr lang="de-CH" i="1" dirty="0" err="1" smtClean="0"/>
-              <a:t>NoSQL</a:t>
-            </a:r>
-            <a:r>
-              <a:rPr lang="de-CH" i="1" dirty="0" smtClean="0"/>
-              <a:t> Movement</a:t>
-            </a:r>
-            <a:r>
-              <a:rPr lang="de-CH" dirty="0" smtClean="0"/>
-              <a:t>. REDMOND, Eric. WILSON, Jim R. The </a:t>
-            </a:r>
-            <a:r>
-              <a:rPr lang="de-CH" dirty="0" err="1" smtClean="0"/>
-              <a:t>Pragmatic</a:t>
-            </a:r>
-            <a:r>
-              <a:rPr lang="de-CH" dirty="0" smtClean="0"/>
-              <a:t> Bookshelf. Dallas/Raleigh. 2012.</a:t>
-            </a:r>
-            <a:br>
-              <a:rPr lang="de-CH" dirty="0" smtClean="0"/>
-            </a:br>
-            <a:r>
-              <a:rPr lang="de-CH" dirty="0" smtClean="0"/>
-              <a:t>ISBN-13: 978-1-93435-692-0</a:t>
-            </a:r>
-          </a:p>
-          <a:p>
+              <a:rPr lang="de-CH" dirty="0" err="1" smtClean="0"/>
+              <a:t>to</a:t>
+            </a:r>
+            <a:r>
+              <a:rPr lang="de-CH" dirty="0" smtClean="0"/>
+              <a:t> </a:t>
+            </a:r>
+            <a:r>
+              <a:rPr lang="de-CH" dirty="0" err="1" smtClean="0"/>
+              <a:t>write</a:t>
+            </a:r>
+            <a:r>
+              <a:rPr lang="de-CH" dirty="0" smtClean="0"/>
+              <a:t> </a:t>
+            </a:r>
+            <a:r>
+              <a:rPr lang="de-CH" dirty="0" err="1" smtClean="0"/>
+              <a:t>to</a:t>
+            </a:r>
+            <a:r>
+              <a:rPr lang="de-CH" dirty="0" smtClean="0"/>
+              <a:t> </a:t>
+            </a:r>
+            <a:r>
+              <a:rPr lang="de-CH" dirty="0" err="1" smtClean="0"/>
+              <a:t>memory</a:t>
+            </a:r>
+            <a:r>
+              <a:rPr lang="de-CH" dirty="0" smtClean="0"/>
+              <a:t>/</a:t>
+            </a:r>
+            <a:r>
+              <a:rPr lang="de-CH" dirty="0" err="1" smtClean="0"/>
+              <a:t>disk</a:t>
+            </a:r>
+            <a:endParaRPr lang="de-CH" dirty="0" smtClean="0"/>
+          </a:p>
+          <a:p>
+            <a:pPr lvl="1"/>
+            <a:r>
+              <a:rPr lang="de-CH" dirty="0" smtClean="0"/>
+              <a:t>Controls</a:t>
+            </a:r>
+          </a:p>
+          <a:p>
+            <a:pPr lvl="2"/>
+            <a:r>
+              <a:rPr lang="de-CH" dirty="0" smtClean="0"/>
+              <a:t>Data </a:t>
+            </a:r>
+            <a:r>
+              <a:rPr lang="de-CH" dirty="0" err="1" smtClean="0"/>
+              <a:t>file</a:t>
+            </a:r>
+            <a:r>
+              <a:rPr lang="de-CH" dirty="0" smtClean="0"/>
+              <a:t> </a:t>
+            </a:r>
+            <a:r>
+              <a:rPr lang="de-CH" dirty="0" err="1" smtClean="0"/>
+              <a:t>format</a:t>
+            </a:r>
+            <a:endParaRPr lang="de-CH" dirty="0" smtClean="0"/>
+          </a:p>
+          <a:p>
+            <a:pPr lvl="2"/>
+            <a:r>
+              <a:rPr lang="de-CH" dirty="0" smtClean="0"/>
+              <a:t>Format </a:t>
+            </a:r>
+            <a:r>
+              <a:rPr lang="de-CH" dirty="0" err="1" smtClean="0"/>
+              <a:t>of</a:t>
+            </a:r>
+            <a:r>
+              <a:rPr lang="de-CH" dirty="0" smtClean="0"/>
+              <a:t> </a:t>
+            </a:r>
+            <a:r>
+              <a:rPr lang="de-CH" dirty="0" err="1" smtClean="0"/>
+              <a:t>indexes</a:t>
+            </a:r>
+            <a:endParaRPr lang="de-CH" dirty="0" smtClean="0"/>
+          </a:p>
+          <a:p>
+            <a:pPr lvl="1"/>
+            <a:r>
+              <a:rPr lang="de-CH" dirty="0" smtClean="0"/>
+              <a:t>Not </a:t>
+            </a:r>
+            <a:r>
+              <a:rPr lang="de-CH" dirty="0" err="1" smtClean="0"/>
+              <a:t>related</a:t>
+            </a:r>
+            <a:r>
+              <a:rPr lang="de-CH" dirty="0" smtClean="0"/>
+              <a:t> </a:t>
+            </a:r>
+          </a:p>
+          <a:p>
+            <a:pPr lvl="2"/>
+            <a:r>
+              <a:rPr lang="de-CH" dirty="0" err="1" smtClean="0"/>
+              <a:t>clustering</a:t>
+            </a:r>
+            <a:endParaRPr lang="de-CH" dirty="0" smtClean="0"/>
+          </a:p>
+          <a:p>
+            <a:pPr lvl="1"/>
+            <a:r>
+              <a:rPr lang="de-CH" dirty="0" err="1" smtClean="0"/>
+              <a:t>Pluggable</a:t>
+            </a:r>
+            <a:r>
+              <a:rPr lang="de-CH" dirty="0" smtClean="0"/>
+              <a:t> </a:t>
+            </a:r>
+            <a:r>
+              <a:rPr lang="de-CH" dirty="0" err="1" smtClean="0"/>
+              <a:t>options</a:t>
+            </a:r>
+            <a:endParaRPr lang="de-CH" dirty="0" smtClean="0"/>
+          </a:p>
+          <a:p>
+            <a:pPr lvl="2"/>
+            <a:r>
+              <a:rPr lang="de-CH" dirty="0" smtClean="0"/>
+              <a:t>MMAP: </a:t>
+            </a:r>
+            <a:r>
+              <a:rPr lang="de-CH" dirty="0" err="1" smtClean="0"/>
+              <a:t>default</a:t>
+            </a:r>
+            <a:endParaRPr lang="de-CH" dirty="0" smtClean="0"/>
+          </a:p>
+          <a:p>
+            <a:pPr lvl="2"/>
+            <a:r>
+              <a:rPr lang="de-CH" dirty="0" err="1" smtClean="0"/>
+              <a:t>WiredTiger</a:t>
+            </a:r>
+            <a:r>
+              <a:rPr lang="de-CH" dirty="0" smtClean="0"/>
+              <a:t>: </a:t>
+            </a:r>
+            <a:r>
+              <a:rPr lang="de-CH" dirty="0" err="1" smtClean="0"/>
+              <a:t>since</a:t>
+            </a:r>
+            <a:r>
+              <a:rPr lang="de-CH" dirty="0" smtClean="0"/>
+              <a:t> 2014</a:t>
+            </a:r>
             <a:endParaRPr lang="de-CH" dirty="0"/>
           </a:p>
         </p:txBody>
@@ -21417,7 +21598,948 @@
     </p:spTree>
     <p:extLst>
       <p:ext uri="{BB962C8B-B14F-4D97-AF65-F5344CB8AC3E}">
-        <p14:creationId xmlns:p14="http://schemas.microsoft.com/office/powerpoint/2010/main" val="4143876623"/>
+        <p14:creationId xmlns:p14="http://schemas.microsoft.com/office/powerpoint/2010/main" val="3103883079"/>
+      </p:ext>
+    </p:extLst>
+  </p:cSld>
+  <p:clrMapOvr>
+    <a:masterClrMapping/>
+  </p:clrMapOvr>
+</p:sld>
+</file>
+
+<file path=ppt/slides/slide27.xml><?xml version="1.0" encoding="utf-8"?>
+<p:sld xmlns:a="http://schemas.openxmlformats.org/drawingml/2006/main" xmlns:r="http://schemas.openxmlformats.org/officeDocument/2006/relationships" xmlns:p="http://schemas.openxmlformats.org/presentationml/2006/main">
+  <p:cSld>
+    <p:spTree>
+      <p:nvGrpSpPr>
+        <p:cNvPr id="1" name=""/>
+        <p:cNvGrpSpPr/>
+        <p:nvPr/>
+      </p:nvGrpSpPr>
+      <p:grpSpPr>
+        <a:xfrm>
+          <a:off x="0" y="0"/>
+          <a:ext cx="0" cy="0"/>
+          <a:chOff x="0" y="0"/>
+          <a:chExt cx="0" cy="0"/>
+        </a:xfrm>
+      </p:grpSpPr>
+      <p:sp>
+        <p:nvSpPr>
+          <p:cNvPr id="2" name="Titel 1"/>
+          <p:cNvSpPr>
+            <a:spLocks noGrp="1"/>
+          </p:cNvSpPr>
+          <p:nvPr>
+            <p:ph type="title"/>
+          </p:nvPr>
+        </p:nvSpPr>
+        <p:spPr/>
+        <p:txBody>
+          <a:bodyPr/>
+          <a:lstStyle/>
+          <a:p>
+            <a:r>
+              <a:rPr lang="de-CH" dirty="0" smtClean="0"/>
+              <a:t>MMAPv1 </a:t>
+            </a:r>
+            <a:r>
+              <a:rPr lang="de-CH" dirty="0" err="1" smtClean="0"/>
+              <a:t>vs</a:t>
+            </a:r>
+            <a:r>
+              <a:rPr lang="de-CH" dirty="0" smtClean="0"/>
+              <a:t> </a:t>
+            </a:r>
+            <a:r>
+              <a:rPr lang="de-CH" dirty="0" err="1" smtClean="0"/>
+              <a:t>WiredTiger</a:t>
+            </a:r>
+            <a:endParaRPr lang="de-CH" dirty="0"/>
+          </a:p>
+        </p:txBody>
+      </p:sp>
+      <p:sp>
+        <p:nvSpPr>
+          <p:cNvPr id="3" name="Inhaltsplatzhalter 2"/>
+          <p:cNvSpPr>
+            <a:spLocks noGrp="1"/>
+          </p:cNvSpPr>
+          <p:nvPr>
+            <p:ph idx="1"/>
+          </p:nvPr>
+        </p:nvSpPr>
+        <p:spPr/>
+        <p:txBody>
+          <a:bodyPr/>
+          <a:lstStyle/>
+          <a:p>
+            <a:r>
+              <a:rPr lang="de-CH" dirty="0" smtClean="0"/>
+              <a:t>MMAP</a:t>
+            </a:r>
+          </a:p>
+          <a:p>
+            <a:pPr lvl="1"/>
+            <a:r>
+              <a:rPr lang="de-CH" dirty="0" smtClean="0"/>
+              <a:t>Collection Level </a:t>
+            </a:r>
+            <a:r>
+              <a:rPr lang="de-CH" dirty="0" err="1" smtClean="0"/>
+              <a:t>Locking</a:t>
+            </a:r>
+            <a:endParaRPr lang="de-CH" dirty="0" smtClean="0"/>
+          </a:p>
+          <a:p>
+            <a:pPr lvl="1"/>
+            <a:r>
+              <a:rPr lang="de-CH" dirty="0" err="1" smtClean="0"/>
+              <a:t>Allocates</a:t>
+            </a:r>
+            <a:r>
+              <a:rPr lang="de-CH" dirty="0" smtClean="0"/>
+              <a:t> Power </a:t>
+            </a:r>
+            <a:r>
+              <a:rPr lang="de-CH" dirty="0" err="1" smtClean="0"/>
+              <a:t>of</a:t>
+            </a:r>
+            <a:r>
+              <a:rPr lang="de-CH" dirty="0" smtClean="0"/>
+              <a:t> </a:t>
+            </a:r>
+            <a:r>
+              <a:rPr lang="de-CH" dirty="0" err="1" smtClean="0"/>
+              <a:t>Two</a:t>
+            </a:r>
+            <a:r>
+              <a:rPr lang="de-CH" dirty="0" smtClean="0"/>
+              <a:t> </a:t>
+            </a:r>
+            <a:r>
+              <a:rPr lang="de-CH" dirty="0" err="1" smtClean="0"/>
+              <a:t>sized</a:t>
+            </a:r>
+            <a:r>
+              <a:rPr lang="de-CH" dirty="0" smtClean="0"/>
+              <a:t> </a:t>
+            </a:r>
+            <a:r>
+              <a:rPr lang="de-CH" dirty="0" err="1" smtClean="0"/>
+              <a:t>documents</a:t>
+            </a:r>
+            <a:r>
+              <a:rPr lang="de-CH" dirty="0" smtClean="0"/>
+              <a:t> </a:t>
+            </a:r>
+            <a:r>
+              <a:rPr lang="de-CH" dirty="0" err="1" smtClean="0"/>
+              <a:t>when</a:t>
+            </a:r>
+            <a:r>
+              <a:rPr lang="de-CH" dirty="0" smtClean="0"/>
+              <a:t> </a:t>
+            </a:r>
+            <a:r>
+              <a:rPr lang="de-CH" dirty="0" err="1" smtClean="0"/>
+              <a:t>new</a:t>
+            </a:r>
+            <a:r>
+              <a:rPr lang="de-CH" dirty="0" smtClean="0"/>
+              <a:t> </a:t>
+            </a:r>
+            <a:r>
+              <a:rPr lang="de-CH" dirty="0" err="1" smtClean="0"/>
+              <a:t>documents</a:t>
+            </a:r>
+            <a:r>
+              <a:rPr lang="de-CH" dirty="0" smtClean="0"/>
+              <a:t> </a:t>
+            </a:r>
+            <a:r>
+              <a:rPr lang="de-CH" dirty="0" err="1" smtClean="0"/>
+              <a:t>are</a:t>
+            </a:r>
+            <a:r>
+              <a:rPr lang="de-CH" dirty="0" smtClean="0"/>
+              <a:t> </a:t>
+            </a:r>
+            <a:r>
+              <a:rPr lang="de-CH" dirty="0" err="1" smtClean="0"/>
+              <a:t>inserted</a:t>
+            </a:r>
+            <a:endParaRPr lang="de-CH" dirty="0" smtClean="0"/>
+          </a:p>
+          <a:p>
+            <a:pPr lvl="1"/>
+            <a:r>
+              <a:rPr lang="de-CH" dirty="0" err="1" smtClean="0"/>
+              <a:t>Inplace</a:t>
+            </a:r>
+            <a:r>
+              <a:rPr lang="de-CH" dirty="0" smtClean="0"/>
+              <a:t> </a:t>
+            </a:r>
+            <a:r>
+              <a:rPr lang="de-CH" dirty="0" err="1" smtClean="0"/>
+              <a:t>updates</a:t>
+            </a:r>
+            <a:endParaRPr lang="de-CH" dirty="0" smtClean="0"/>
+          </a:p>
+          <a:p>
+            <a:pPr lvl="1"/>
+            <a:r>
+              <a:rPr lang="de-CH" dirty="0" smtClean="0"/>
+              <a:t>Default Storage Engine</a:t>
+            </a:r>
+          </a:p>
+          <a:p>
+            <a:r>
+              <a:rPr lang="de-CH" dirty="0" smtClean="0"/>
+              <a:t>Wired Tiger</a:t>
+            </a:r>
+          </a:p>
+          <a:p>
+            <a:pPr lvl="1"/>
+            <a:r>
+              <a:rPr lang="de-CH" dirty="0" err="1" smtClean="0"/>
+              <a:t>Document</a:t>
+            </a:r>
+            <a:r>
+              <a:rPr lang="de-CH" dirty="0" smtClean="0"/>
+              <a:t> Level </a:t>
+            </a:r>
+            <a:r>
+              <a:rPr lang="de-CH" dirty="0" err="1" smtClean="0"/>
+              <a:t>Concurrency</a:t>
+            </a:r>
+            <a:r>
+              <a:rPr lang="de-CH" dirty="0" smtClean="0"/>
+              <a:t> (</a:t>
+            </a:r>
+            <a:r>
+              <a:rPr lang="de-CH" dirty="0" err="1" smtClean="0"/>
+              <a:t>optimistic</a:t>
+            </a:r>
+            <a:r>
+              <a:rPr lang="de-CH" dirty="0" smtClean="0"/>
+              <a:t> </a:t>
+            </a:r>
+            <a:r>
+              <a:rPr lang="de-CH" dirty="0" err="1" smtClean="0"/>
+              <a:t>concurrency</a:t>
+            </a:r>
+            <a:r>
+              <a:rPr lang="de-CH" dirty="0" smtClean="0"/>
+              <a:t> </a:t>
+            </a:r>
+            <a:r>
+              <a:rPr lang="de-CH" dirty="0" err="1" smtClean="0"/>
+              <a:t>model</a:t>
+            </a:r>
+            <a:r>
+              <a:rPr lang="de-CH" dirty="0" smtClean="0"/>
+              <a:t>)</a:t>
+            </a:r>
+          </a:p>
+          <a:p>
+            <a:pPr lvl="1"/>
+            <a:r>
+              <a:rPr lang="de-CH" dirty="0" err="1" smtClean="0"/>
+              <a:t>Compression</a:t>
+            </a:r>
+            <a:r>
+              <a:rPr lang="de-CH" dirty="0" smtClean="0"/>
+              <a:t> </a:t>
+            </a:r>
+            <a:r>
+              <a:rPr lang="de-CH" dirty="0" err="1" smtClean="0"/>
+              <a:t>of</a:t>
+            </a:r>
+            <a:r>
+              <a:rPr lang="de-CH" dirty="0" smtClean="0"/>
+              <a:t> </a:t>
+            </a:r>
+            <a:r>
+              <a:rPr lang="de-CH" dirty="0" err="1" smtClean="0"/>
+              <a:t>documents</a:t>
+            </a:r>
+            <a:r>
+              <a:rPr lang="de-CH" dirty="0" smtClean="0"/>
+              <a:t> &amp; </a:t>
+            </a:r>
+            <a:r>
+              <a:rPr lang="de-CH" dirty="0" err="1" smtClean="0"/>
+              <a:t>indexes</a:t>
+            </a:r>
+            <a:endParaRPr lang="de-CH" dirty="0" smtClean="0"/>
+          </a:p>
+          <a:p>
+            <a:pPr lvl="1"/>
+            <a:r>
+              <a:rPr lang="de-CH" dirty="0" err="1" smtClean="0"/>
+              <a:t>No</a:t>
+            </a:r>
+            <a:r>
+              <a:rPr lang="de-CH" dirty="0" smtClean="0"/>
+              <a:t> </a:t>
+            </a:r>
+            <a:r>
+              <a:rPr lang="de-CH" dirty="0" err="1" smtClean="0"/>
+              <a:t>inplace</a:t>
+            </a:r>
+            <a:r>
+              <a:rPr lang="de-CH" dirty="0" smtClean="0"/>
+              <a:t> </a:t>
+            </a:r>
+            <a:r>
+              <a:rPr lang="de-CH" dirty="0" err="1" smtClean="0"/>
+              <a:t>updates</a:t>
+            </a:r>
+            <a:endParaRPr lang="de-CH" dirty="0" smtClean="0"/>
+          </a:p>
+          <a:p>
+            <a:pPr lvl="1"/>
+            <a:r>
+              <a:rPr lang="de-CH" dirty="0" err="1"/>
+              <a:t>mongod</a:t>
+            </a:r>
+            <a:r>
+              <a:rPr lang="de-CH" dirty="0"/>
+              <a:t> --</a:t>
+            </a:r>
+            <a:r>
+              <a:rPr lang="de-CH" dirty="0" err="1"/>
+              <a:t>storageEngine</a:t>
+            </a:r>
+            <a:r>
+              <a:rPr lang="de-CH" dirty="0"/>
+              <a:t> </a:t>
+            </a:r>
+            <a:r>
+              <a:rPr lang="de-CH" dirty="0" err="1"/>
+              <a:t>wiredTiger</a:t>
+            </a:r>
+            <a:endParaRPr lang="de-CH" dirty="0"/>
+          </a:p>
+        </p:txBody>
+      </p:sp>
+    </p:spTree>
+    <p:extLst>
+      <p:ext uri="{BB962C8B-B14F-4D97-AF65-F5344CB8AC3E}">
+        <p14:creationId xmlns:p14="http://schemas.microsoft.com/office/powerpoint/2010/main" val="2286930705"/>
+      </p:ext>
+    </p:extLst>
+  </p:cSld>
+  <p:clrMapOvr>
+    <a:masterClrMapping/>
+  </p:clrMapOvr>
+</p:sld>
+</file>
+
+<file path=ppt/slides/slide28.xml><?xml version="1.0" encoding="utf-8"?>
+<p:sld xmlns:a="http://schemas.openxmlformats.org/drawingml/2006/main" xmlns:r="http://schemas.openxmlformats.org/officeDocument/2006/relationships" xmlns:p="http://schemas.openxmlformats.org/presentationml/2006/main">
+  <p:cSld>
+    <p:spTree>
+      <p:nvGrpSpPr>
+        <p:cNvPr id="1" name=""/>
+        <p:cNvGrpSpPr/>
+        <p:nvPr/>
+      </p:nvGrpSpPr>
+      <p:grpSpPr>
+        <a:xfrm>
+          <a:off x="0" y="0"/>
+          <a:ext cx="0" cy="0"/>
+          <a:chOff x="0" y="0"/>
+          <a:chExt cx="0" cy="0"/>
+        </a:xfrm>
+      </p:grpSpPr>
+      <p:sp>
+        <p:nvSpPr>
+          <p:cNvPr id="2" name="Titel 1"/>
+          <p:cNvSpPr>
+            <a:spLocks noGrp="1"/>
+          </p:cNvSpPr>
+          <p:nvPr>
+            <p:ph type="title"/>
+          </p:nvPr>
+        </p:nvSpPr>
+        <p:spPr/>
+        <p:txBody>
+          <a:bodyPr/>
+          <a:lstStyle/>
+          <a:p>
+            <a:r>
+              <a:rPr lang="de-CH" dirty="0" smtClean="0"/>
+              <a:t>Indexes</a:t>
+            </a:r>
+            <a:endParaRPr lang="de-CH" dirty="0"/>
+          </a:p>
+        </p:txBody>
+      </p:sp>
+      <p:sp>
+        <p:nvSpPr>
+          <p:cNvPr id="3" name="Inhaltsplatzhalter 2"/>
+          <p:cNvSpPr>
+            <a:spLocks noGrp="1"/>
+          </p:cNvSpPr>
+          <p:nvPr>
+            <p:ph idx="1"/>
+          </p:nvPr>
+        </p:nvSpPr>
+        <p:spPr/>
+        <p:txBody>
+          <a:bodyPr/>
+          <a:lstStyle/>
+          <a:p>
+            <a:r>
+              <a:rPr lang="de-CH" dirty="0" smtClean="0"/>
+              <a:t>Create Index: </a:t>
+            </a:r>
+          </a:p>
+          <a:p>
+            <a:pPr lvl="1"/>
+            <a:r>
+              <a:rPr lang="de-CH" dirty="0" err="1" smtClean="0"/>
+              <a:t>db.myCollection.createIndex</a:t>
+            </a:r>
+            <a:r>
+              <a:rPr lang="de-CH" dirty="0" smtClean="0"/>
+              <a:t>({"property1": 1, "property2": -1})</a:t>
+            </a:r>
+          </a:p>
+          <a:p>
+            <a:pPr lvl="1"/>
+            <a:r>
+              <a:rPr lang="de-CH" dirty="0" err="1" smtClean="0"/>
+              <a:t>Db.myCollection.createIndex</a:t>
+            </a:r>
+            <a:r>
+              <a:rPr lang="de-CH" dirty="0" smtClean="0"/>
+              <a:t>({"</a:t>
+            </a:r>
+            <a:r>
+              <a:rPr lang="de-CH" dirty="0" err="1" smtClean="0"/>
+              <a:t>myArray.myElement</a:t>
+            </a:r>
+            <a:r>
+              <a:rPr lang="de-CH" dirty="0" smtClean="0"/>
+              <a:t>": 1})</a:t>
+            </a:r>
+          </a:p>
+          <a:p>
+            <a:r>
+              <a:rPr lang="de-CH" dirty="0" smtClean="0"/>
+              <a:t>List </a:t>
+            </a:r>
+            <a:r>
+              <a:rPr lang="de-CH" dirty="0" err="1" smtClean="0"/>
+              <a:t>indexes</a:t>
+            </a:r>
+            <a:r>
+              <a:rPr lang="de-CH" dirty="0" smtClean="0"/>
+              <a:t>:</a:t>
+            </a:r>
+          </a:p>
+          <a:p>
+            <a:pPr lvl="1"/>
+            <a:r>
+              <a:rPr lang="de-CH" dirty="0" err="1" smtClean="0"/>
+              <a:t>Db.myCollection.getIndexes</a:t>
+            </a:r>
+            <a:r>
+              <a:rPr lang="de-CH" dirty="0" smtClean="0"/>
+              <a:t>()</a:t>
+            </a:r>
+          </a:p>
+          <a:p>
+            <a:r>
+              <a:rPr lang="de-CH" dirty="0" smtClean="0"/>
+              <a:t>Delete </a:t>
+            </a:r>
+            <a:r>
+              <a:rPr lang="de-CH" dirty="0" err="1" smtClean="0"/>
+              <a:t>index</a:t>
+            </a:r>
+            <a:r>
+              <a:rPr lang="de-CH" dirty="0" smtClean="0"/>
+              <a:t>:</a:t>
+            </a:r>
+          </a:p>
+          <a:p>
+            <a:pPr lvl="1"/>
+            <a:r>
+              <a:rPr lang="de-CH" dirty="0" err="1" smtClean="0"/>
+              <a:t>Db.myCollection.dropIndex</a:t>
+            </a:r>
+            <a:r>
+              <a:rPr lang="de-CH" dirty="0" smtClean="0"/>
+              <a:t>(</a:t>
+            </a:r>
+            <a:r>
+              <a:rPr lang="de-CH" dirty="0"/>
+              <a:t>{"property1": 1, "property2": -1}</a:t>
+            </a:r>
+            <a:r>
+              <a:rPr lang="de-CH" dirty="0" smtClean="0"/>
+              <a:t>)</a:t>
+            </a:r>
+          </a:p>
+          <a:p>
+            <a:r>
+              <a:rPr lang="de-CH" dirty="0" err="1" smtClean="0"/>
+              <a:t>Multikey</a:t>
+            </a:r>
+            <a:r>
+              <a:rPr lang="de-CH" dirty="0" smtClean="0"/>
+              <a:t> </a:t>
+            </a:r>
+            <a:r>
+              <a:rPr lang="de-CH" dirty="0" err="1" smtClean="0"/>
+              <a:t>indexes</a:t>
+            </a:r>
+            <a:r>
+              <a:rPr lang="de-CH" dirty="0" smtClean="0"/>
+              <a:t> (on </a:t>
+            </a:r>
+            <a:r>
+              <a:rPr lang="de-CH" dirty="0" err="1" smtClean="0"/>
+              <a:t>arrays</a:t>
+            </a:r>
+            <a:r>
+              <a:rPr lang="de-CH" dirty="0" smtClean="0"/>
+              <a:t>):</a:t>
+            </a:r>
+          </a:p>
+          <a:p>
+            <a:pPr lvl="1"/>
+            <a:r>
+              <a:rPr lang="de-CH" dirty="0" err="1" smtClean="0"/>
+              <a:t>Only</a:t>
+            </a:r>
+            <a:r>
+              <a:rPr lang="de-CH" dirty="0" smtClean="0"/>
+              <a:t> </a:t>
+            </a:r>
+            <a:r>
+              <a:rPr lang="de-CH" dirty="0" err="1" smtClean="0"/>
+              <a:t>one</a:t>
+            </a:r>
+            <a:r>
+              <a:rPr lang="de-CH" dirty="0" smtClean="0"/>
+              <a:t> tag </a:t>
+            </a:r>
+            <a:r>
+              <a:rPr lang="de-CH" dirty="0" err="1" smtClean="0"/>
+              <a:t>can</a:t>
+            </a:r>
+            <a:r>
+              <a:rPr lang="de-CH" dirty="0" smtClean="0"/>
+              <a:t> </a:t>
+            </a:r>
+            <a:r>
+              <a:rPr lang="de-CH" dirty="0" err="1" smtClean="0"/>
+              <a:t>be</a:t>
+            </a:r>
+            <a:r>
+              <a:rPr lang="de-CH" dirty="0" smtClean="0"/>
+              <a:t> a </a:t>
+            </a:r>
+            <a:r>
+              <a:rPr lang="de-CH" dirty="0" err="1" smtClean="0"/>
+              <a:t>compound</a:t>
+            </a:r>
+            <a:r>
+              <a:rPr lang="de-CH" dirty="0" smtClean="0"/>
+              <a:t> (</a:t>
+            </a:r>
+            <a:r>
+              <a:rPr lang="de-CH" dirty="0" err="1" smtClean="0"/>
+              <a:t>affects</a:t>
+            </a:r>
+            <a:r>
+              <a:rPr lang="de-CH" dirty="0" smtClean="0"/>
+              <a:t> </a:t>
+            </a:r>
+            <a:r>
+              <a:rPr lang="de-CH" dirty="0" err="1" smtClean="0"/>
+              <a:t>inserting</a:t>
+            </a:r>
+            <a:r>
+              <a:rPr lang="de-CH" dirty="0" smtClean="0"/>
+              <a:t>!)</a:t>
+            </a:r>
+            <a:endParaRPr lang="de-CH" dirty="0"/>
+          </a:p>
+        </p:txBody>
+      </p:sp>
+    </p:spTree>
+    <p:extLst>
+      <p:ext uri="{BB962C8B-B14F-4D97-AF65-F5344CB8AC3E}">
+        <p14:creationId xmlns:p14="http://schemas.microsoft.com/office/powerpoint/2010/main" val="835918380"/>
+      </p:ext>
+    </p:extLst>
+  </p:cSld>
+  <p:clrMapOvr>
+    <a:masterClrMapping/>
+  </p:clrMapOvr>
+</p:sld>
+</file>
+
+<file path=ppt/slides/slide29.xml><?xml version="1.0" encoding="utf-8"?>
+<p:sld xmlns:a="http://schemas.openxmlformats.org/drawingml/2006/main" xmlns:r="http://schemas.openxmlformats.org/officeDocument/2006/relationships" xmlns:p="http://schemas.openxmlformats.org/presentationml/2006/main">
+  <p:cSld>
+    <p:spTree>
+      <p:nvGrpSpPr>
+        <p:cNvPr id="1" name=""/>
+        <p:cNvGrpSpPr/>
+        <p:nvPr/>
+      </p:nvGrpSpPr>
+      <p:grpSpPr>
+        <a:xfrm>
+          <a:off x="0" y="0"/>
+          <a:ext cx="0" cy="0"/>
+          <a:chOff x="0" y="0"/>
+          <a:chExt cx="0" cy="0"/>
+        </a:xfrm>
+      </p:grpSpPr>
+      <p:sp>
+        <p:nvSpPr>
+          <p:cNvPr id="2" name="Titel 1"/>
+          <p:cNvSpPr>
+            <a:spLocks noGrp="1"/>
+          </p:cNvSpPr>
+          <p:nvPr>
+            <p:ph type="title"/>
+          </p:nvPr>
+        </p:nvSpPr>
+        <p:spPr/>
+        <p:txBody>
+          <a:bodyPr/>
+          <a:lstStyle/>
+          <a:p>
+            <a:r>
+              <a:rPr lang="de-CH" dirty="0" smtClean="0"/>
+              <a:t>Indexes (</a:t>
+            </a:r>
+            <a:r>
+              <a:rPr lang="de-CH" dirty="0" err="1" smtClean="0"/>
+              <a:t>contd</a:t>
+            </a:r>
+            <a:r>
+              <a:rPr lang="de-CH" dirty="0" smtClean="0"/>
+              <a:t>)</a:t>
+            </a:r>
+            <a:endParaRPr lang="de-CH" dirty="0"/>
+          </a:p>
+        </p:txBody>
+      </p:sp>
+      <p:sp>
+        <p:nvSpPr>
+          <p:cNvPr id="3" name="Inhaltsplatzhalter 2"/>
+          <p:cNvSpPr>
+            <a:spLocks noGrp="1"/>
+          </p:cNvSpPr>
+          <p:nvPr>
+            <p:ph idx="1"/>
+          </p:nvPr>
+        </p:nvSpPr>
+        <p:spPr/>
+        <p:txBody>
+          <a:bodyPr/>
+          <a:lstStyle/>
+          <a:p>
+            <a:r>
+              <a:rPr lang="de-CH" dirty="0" smtClean="0"/>
+              <a:t>Unique Index</a:t>
+            </a:r>
+          </a:p>
+          <a:p>
+            <a:pPr lvl="1"/>
+            <a:r>
+              <a:rPr lang="de-CH" dirty="0" err="1" smtClean="0"/>
+              <a:t>Db.myCollection.createIndex</a:t>
+            </a:r>
+            <a:r>
+              <a:rPr lang="de-CH" dirty="0" smtClean="0"/>
+              <a:t>({</a:t>
+            </a:r>
+            <a:r>
+              <a:rPr lang="de-CH" dirty="0" err="1" smtClean="0"/>
+              <a:t>thing</a:t>
+            </a:r>
+            <a:r>
+              <a:rPr lang="de-CH" dirty="0" smtClean="0"/>
+              <a:t>: 1}, {</a:t>
+            </a:r>
+            <a:r>
+              <a:rPr lang="de-CH" dirty="0" err="1" smtClean="0"/>
+              <a:t>unique</a:t>
+            </a:r>
+            <a:r>
+              <a:rPr lang="de-CH" dirty="0" smtClean="0"/>
+              <a:t>: </a:t>
+            </a:r>
+            <a:r>
+              <a:rPr lang="de-CH" dirty="0" err="1" smtClean="0"/>
+              <a:t>true</a:t>
+            </a:r>
+            <a:r>
+              <a:rPr lang="de-CH" dirty="0" smtClean="0"/>
+              <a:t>})</a:t>
+            </a:r>
+          </a:p>
+          <a:p>
+            <a:r>
+              <a:rPr lang="de-CH" dirty="0" err="1" smtClean="0"/>
+              <a:t>Sparse</a:t>
+            </a:r>
+            <a:r>
+              <a:rPr lang="de-CH" dirty="0" smtClean="0"/>
+              <a:t> Indexes (optional-</a:t>
+            </a:r>
+            <a:r>
+              <a:rPr lang="de-CH" dirty="0" err="1" smtClean="0"/>
+              <a:t>unique</a:t>
+            </a:r>
+            <a:r>
+              <a:rPr lang="de-CH" dirty="0" smtClean="0"/>
+              <a:t>: </a:t>
+            </a:r>
+            <a:r>
+              <a:rPr lang="de-CH" dirty="0" err="1" smtClean="0"/>
+              <a:t>index</a:t>
+            </a:r>
+            <a:r>
+              <a:rPr lang="de-CH" dirty="0" smtClean="0"/>
+              <a:t> </a:t>
+            </a:r>
+            <a:r>
+              <a:rPr lang="de-CH" dirty="0" err="1" smtClean="0"/>
+              <a:t>key</a:t>
+            </a:r>
+            <a:r>
+              <a:rPr lang="de-CH" dirty="0" smtClean="0"/>
+              <a:t> </a:t>
+            </a:r>
+            <a:r>
+              <a:rPr lang="de-CH" dirty="0" err="1" smtClean="0"/>
+              <a:t>is</a:t>
+            </a:r>
+            <a:r>
+              <a:rPr lang="de-CH" dirty="0" smtClean="0"/>
+              <a:t> </a:t>
+            </a:r>
+            <a:r>
+              <a:rPr lang="de-CH" dirty="0" err="1" smtClean="0"/>
+              <a:t>missing</a:t>
+            </a:r>
+            <a:r>
+              <a:rPr lang="de-CH" dirty="0" smtClean="0"/>
+              <a:t> on </a:t>
+            </a:r>
+            <a:r>
+              <a:rPr lang="de-CH" dirty="0" err="1" smtClean="0"/>
+              <a:t>some</a:t>
+            </a:r>
+            <a:r>
+              <a:rPr lang="de-CH" dirty="0" smtClean="0"/>
+              <a:t> </a:t>
+            </a:r>
+            <a:r>
+              <a:rPr lang="de-CH" dirty="0" err="1" smtClean="0"/>
+              <a:t>documents</a:t>
+            </a:r>
+            <a:r>
+              <a:rPr lang="de-CH" dirty="0" smtClean="0"/>
+              <a:t> </a:t>
+            </a:r>
+            <a:r>
+              <a:rPr lang="de-CH" dirty="0" smtClean="0">
+                <a:sym typeface="Wingdings" panose="05000000000000000000" pitchFamily="2" charset="2"/>
+              </a:rPr>
+              <a:t> </a:t>
+            </a:r>
+            <a:r>
+              <a:rPr lang="de-CH" dirty="0" err="1" smtClean="0">
+                <a:sym typeface="Wingdings" panose="05000000000000000000" pitchFamily="2" charset="2"/>
+              </a:rPr>
+              <a:t>documents</a:t>
+            </a:r>
+            <a:r>
+              <a:rPr lang="de-CH" dirty="0" smtClean="0">
+                <a:sym typeface="Wingdings" panose="05000000000000000000" pitchFamily="2" charset="2"/>
+              </a:rPr>
+              <a:t> </a:t>
+            </a:r>
+            <a:r>
+              <a:rPr lang="de-CH" dirty="0" err="1" smtClean="0">
+                <a:sym typeface="Wingdings" panose="05000000000000000000" pitchFamily="2" charset="2"/>
+              </a:rPr>
+              <a:t>are</a:t>
+            </a:r>
+            <a:r>
+              <a:rPr lang="de-CH" dirty="0" smtClean="0">
+                <a:sym typeface="Wingdings" panose="05000000000000000000" pitchFamily="2" charset="2"/>
+              </a:rPr>
+              <a:t> not </a:t>
+            </a:r>
+            <a:r>
+              <a:rPr lang="de-CH" dirty="0" err="1" smtClean="0">
+                <a:sym typeface="Wingdings" panose="05000000000000000000" pitchFamily="2" charset="2"/>
+              </a:rPr>
+              <a:t>indexed</a:t>
+            </a:r>
+            <a:r>
+              <a:rPr lang="de-CH" dirty="0" smtClean="0"/>
+              <a:t>)</a:t>
+            </a:r>
+          </a:p>
+          <a:p>
+            <a:pPr lvl="1"/>
+            <a:r>
+              <a:rPr lang="de-CH" dirty="0" err="1" smtClean="0"/>
+              <a:t>Db.myCollection.createIndex</a:t>
+            </a:r>
+            <a:r>
+              <a:rPr lang="de-CH" dirty="0" smtClean="0"/>
+              <a:t>({</a:t>
+            </a:r>
+            <a:r>
+              <a:rPr lang="de-CH" dirty="0" err="1" smtClean="0"/>
+              <a:t>thing</a:t>
+            </a:r>
+            <a:r>
+              <a:rPr lang="de-CH" dirty="0" smtClean="0"/>
+              <a:t>: 1}, {</a:t>
+            </a:r>
+            <a:r>
+              <a:rPr lang="de-CH" dirty="0" err="1" smtClean="0"/>
+              <a:t>unique:true</a:t>
+            </a:r>
+            <a:r>
+              <a:rPr lang="de-CH" dirty="0" smtClean="0"/>
+              <a:t>, </a:t>
+            </a:r>
+            <a:r>
+              <a:rPr lang="de-CH" dirty="0" err="1" smtClean="0"/>
+              <a:t>sparse</a:t>
+            </a:r>
+            <a:r>
+              <a:rPr lang="de-CH" dirty="0" smtClean="0"/>
+              <a:t>: </a:t>
+            </a:r>
+            <a:r>
+              <a:rPr lang="de-CH" dirty="0" err="1" smtClean="0"/>
+              <a:t>true</a:t>
+            </a:r>
+            <a:r>
+              <a:rPr lang="de-CH" dirty="0" smtClean="0"/>
+              <a:t>})</a:t>
+            </a:r>
+          </a:p>
+          <a:p>
+            <a:r>
+              <a:rPr lang="de-CH" dirty="0" smtClean="0"/>
+              <a:t>Index </a:t>
+            </a:r>
+            <a:r>
+              <a:rPr lang="de-CH" dirty="0" err="1" smtClean="0"/>
+              <a:t>creation</a:t>
+            </a:r>
+            <a:endParaRPr lang="de-CH" dirty="0" smtClean="0"/>
+          </a:p>
+          <a:p>
+            <a:pPr lvl="1"/>
+            <a:r>
+              <a:rPr lang="de-CH" dirty="0" err="1" smtClean="0"/>
+              <a:t>Foreground</a:t>
+            </a:r>
+            <a:r>
+              <a:rPr lang="de-CH" dirty="0" smtClean="0"/>
+              <a:t> (</a:t>
+            </a:r>
+            <a:r>
+              <a:rPr lang="de-CH" dirty="0" err="1" smtClean="0"/>
+              <a:t>default</a:t>
+            </a:r>
+            <a:r>
+              <a:rPr lang="de-CH" dirty="0" smtClean="0"/>
+              <a:t>): fast, R/W-</a:t>
+            </a:r>
+            <a:r>
+              <a:rPr lang="de-CH" dirty="0" err="1" smtClean="0"/>
+              <a:t>Blocking</a:t>
+            </a:r>
+            <a:endParaRPr lang="de-CH" dirty="0" smtClean="0"/>
+          </a:p>
+          <a:p>
+            <a:pPr lvl="1"/>
+            <a:r>
+              <a:rPr lang="de-CH" dirty="0" smtClean="0"/>
+              <a:t>Background: </a:t>
+            </a:r>
+            <a:r>
+              <a:rPr lang="de-CH" dirty="0" err="1" smtClean="0"/>
+              <a:t>slow</a:t>
+            </a:r>
+            <a:r>
+              <a:rPr lang="de-CH" dirty="0" smtClean="0"/>
+              <a:t>, non-</a:t>
+            </a:r>
+            <a:r>
+              <a:rPr lang="de-CH" dirty="0" err="1" smtClean="0"/>
+              <a:t>blocking</a:t>
+            </a:r>
+            <a:endParaRPr lang="de-CH" dirty="0" smtClean="0"/>
+          </a:p>
+          <a:p>
+            <a:pPr lvl="2"/>
+            <a:r>
+              <a:rPr lang="de-CH" dirty="0" err="1"/>
+              <a:t>Db.myCollection.createIndex</a:t>
+            </a:r>
+            <a:r>
+              <a:rPr lang="de-CH" dirty="0"/>
+              <a:t>({</a:t>
+            </a:r>
+            <a:r>
+              <a:rPr lang="de-CH" dirty="0" err="1"/>
+              <a:t>thing</a:t>
+            </a:r>
+            <a:r>
+              <a:rPr lang="de-CH" dirty="0"/>
+              <a:t>: 1}, {</a:t>
+            </a:r>
+            <a:r>
+              <a:rPr lang="de-CH" dirty="0" err="1"/>
+              <a:t>background</a:t>
+            </a:r>
+            <a:r>
+              <a:rPr lang="de-CH" dirty="0"/>
+              <a:t>: </a:t>
+            </a:r>
+            <a:r>
+              <a:rPr lang="de-CH" dirty="0" err="1"/>
+              <a:t>true</a:t>
+            </a:r>
+            <a:r>
+              <a:rPr lang="de-CH" dirty="0"/>
+              <a:t>})</a:t>
+            </a:r>
+          </a:p>
+          <a:p>
+            <a:pPr lvl="2"/>
+            <a:endParaRPr lang="de-CH" dirty="0"/>
+          </a:p>
+        </p:txBody>
+      </p:sp>
+    </p:spTree>
+    <p:extLst>
+      <p:ext uri="{BB962C8B-B14F-4D97-AF65-F5344CB8AC3E}">
+        <p14:creationId xmlns:p14="http://schemas.microsoft.com/office/powerpoint/2010/main" val="3306029146"/>
       </p:ext>
     </p:extLst>
   </p:cSld>
@@ -21962,6 +23084,1573 @@
 </p:sld>
 </file>
 
+<file path=ppt/slides/slide30.xml><?xml version="1.0" encoding="utf-8"?>
+<p:sld xmlns:a="http://schemas.openxmlformats.org/drawingml/2006/main" xmlns:r="http://schemas.openxmlformats.org/officeDocument/2006/relationships" xmlns:p="http://schemas.openxmlformats.org/presentationml/2006/main">
+  <p:cSld>
+    <p:spTree>
+      <p:nvGrpSpPr>
+        <p:cNvPr id="1" name=""/>
+        <p:cNvGrpSpPr/>
+        <p:nvPr/>
+      </p:nvGrpSpPr>
+      <p:grpSpPr>
+        <a:xfrm>
+          <a:off x="0" y="0"/>
+          <a:ext cx="0" cy="0"/>
+          <a:chOff x="0" y="0"/>
+          <a:chExt cx="0" cy="0"/>
+        </a:xfrm>
+      </p:grpSpPr>
+      <p:sp>
+        <p:nvSpPr>
+          <p:cNvPr id="2" name="Titel 1"/>
+          <p:cNvSpPr>
+            <a:spLocks noGrp="1"/>
+          </p:cNvSpPr>
+          <p:nvPr>
+            <p:ph type="title"/>
+          </p:nvPr>
+        </p:nvSpPr>
+        <p:spPr/>
+        <p:txBody>
+          <a:bodyPr/>
+          <a:lstStyle/>
+          <a:p>
+            <a:r>
+              <a:rPr lang="de-CH" dirty="0" smtClean="0"/>
+              <a:t>Indexes (</a:t>
+            </a:r>
+            <a:r>
+              <a:rPr lang="de-CH" dirty="0" err="1" smtClean="0"/>
+              <a:t>contd</a:t>
+            </a:r>
+            <a:r>
+              <a:rPr lang="de-CH" dirty="0" smtClean="0"/>
+              <a:t>)</a:t>
+            </a:r>
+            <a:endParaRPr lang="de-CH" dirty="0"/>
+          </a:p>
+        </p:txBody>
+      </p:sp>
+      <p:sp>
+        <p:nvSpPr>
+          <p:cNvPr id="3" name="Inhaltsplatzhalter 2"/>
+          <p:cNvSpPr>
+            <a:spLocks noGrp="1"/>
+          </p:cNvSpPr>
+          <p:nvPr>
+            <p:ph idx="1"/>
+          </p:nvPr>
+        </p:nvSpPr>
+        <p:spPr/>
+        <p:txBody>
+          <a:bodyPr/>
+          <a:lstStyle/>
+          <a:p>
+            <a:r>
+              <a:rPr lang="de-CH" dirty="0" err="1" smtClean="0"/>
+              <a:t>Geospatial</a:t>
+            </a:r>
+            <a:r>
+              <a:rPr lang="de-CH" dirty="0" smtClean="0"/>
+              <a:t> Indexes (</a:t>
+            </a:r>
+            <a:r>
+              <a:rPr lang="de-CH" dirty="0" err="1" smtClean="0"/>
+              <a:t>cartesian</a:t>
+            </a:r>
+            <a:r>
+              <a:rPr lang="de-CH" dirty="0" smtClean="0"/>
+              <a:t> </a:t>
+            </a:r>
+            <a:r>
+              <a:rPr lang="de-CH" dirty="0" err="1" smtClean="0"/>
+              <a:t>coordinate</a:t>
+            </a:r>
+            <a:r>
+              <a:rPr lang="de-CH" dirty="0" smtClean="0"/>
+              <a:t> </a:t>
+            </a:r>
+            <a:r>
+              <a:rPr lang="de-CH" dirty="0" err="1" smtClean="0"/>
+              <a:t>system</a:t>
+            </a:r>
+            <a:r>
+              <a:rPr lang="de-CH" dirty="0" smtClean="0"/>
+              <a:t>)</a:t>
+            </a:r>
+          </a:p>
+          <a:p>
+            <a:pPr lvl="1"/>
+            <a:r>
+              <a:rPr lang="de-CH" dirty="0" smtClean="0"/>
+              <a:t>Find </a:t>
+            </a:r>
+            <a:r>
+              <a:rPr lang="de-CH" dirty="0" err="1" smtClean="0"/>
+              <a:t>closest</a:t>
+            </a:r>
+            <a:r>
+              <a:rPr lang="de-CH" dirty="0" smtClean="0"/>
+              <a:t> </a:t>
+            </a:r>
+            <a:r>
+              <a:rPr lang="de-CH" dirty="0" err="1" smtClean="0"/>
+              <a:t>location</a:t>
+            </a:r>
+            <a:endParaRPr lang="de-CH" dirty="0" smtClean="0"/>
+          </a:p>
+          <a:p>
+            <a:pPr lvl="1"/>
+            <a:r>
+              <a:rPr lang="de-CH" dirty="0" err="1" smtClean="0"/>
+              <a:t>Db.places.insert</a:t>
+            </a:r>
+            <a:r>
+              <a:rPr lang="de-CH" dirty="0" smtClean="0"/>
+              <a:t>({</a:t>
+            </a:r>
+            <a:r>
+              <a:rPr lang="de-CH" dirty="0" err="1" smtClean="0"/>
+              <a:t>location</a:t>
+            </a:r>
+            <a:r>
+              <a:rPr lang="de-CH" dirty="0" smtClean="0"/>
+              <a:t>: [</a:t>
+            </a:r>
+            <a:r>
+              <a:rPr lang="de-CH" dirty="0" err="1" smtClean="0"/>
+              <a:t>x,y</a:t>
+            </a:r>
+            <a:r>
+              <a:rPr lang="de-CH" dirty="0" smtClean="0"/>
+              <a:t>]})</a:t>
+            </a:r>
+          </a:p>
+          <a:p>
+            <a:pPr lvl="1"/>
+            <a:r>
+              <a:rPr lang="de-CH" dirty="0" err="1" smtClean="0"/>
+              <a:t>Db.places.createIndex</a:t>
+            </a:r>
+            <a:r>
+              <a:rPr lang="de-CH" dirty="0" smtClean="0"/>
+              <a:t>({</a:t>
+            </a:r>
+            <a:r>
+              <a:rPr lang="de-CH" dirty="0" err="1" smtClean="0"/>
+              <a:t>location</a:t>
+            </a:r>
+            <a:r>
+              <a:rPr lang="de-CH" dirty="0" smtClean="0"/>
+              <a:t>: '2d'})</a:t>
+            </a:r>
+          </a:p>
+          <a:p>
+            <a:pPr lvl="1"/>
+            <a:r>
+              <a:rPr lang="de-CH" dirty="0" err="1" smtClean="0"/>
+              <a:t>Db.places.find</a:t>
+            </a:r>
+            <a:r>
+              <a:rPr lang="de-CH" dirty="0" smtClean="0"/>
+              <a:t>({</a:t>
+            </a:r>
+            <a:r>
+              <a:rPr lang="de-CH" dirty="0" err="1" smtClean="0"/>
+              <a:t>location</a:t>
+            </a:r>
+            <a:r>
+              <a:rPr lang="de-CH" dirty="0" smtClean="0"/>
+              <a:t>: {$</a:t>
+            </a:r>
+            <a:r>
+              <a:rPr lang="de-CH" dirty="0" err="1" smtClean="0"/>
+              <a:t>near</a:t>
+            </a:r>
+            <a:r>
+              <a:rPr lang="de-CH" dirty="0" smtClean="0"/>
+              <a:t>: [</a:t>
+            </a:r>
+            <a:r>
+              <a:rPr lang="de-CH" dirty="0" err="1" smtClean="0"/>
+              <a:t>x,y</a:t>
+            </a:r>
+            <a:r>
+              <a:rPr lang="de-CH" dirty="0" smtClean="0"/>
+              <a:t>]}}).</a:t>
+            </a:r>
+            <a:r>
+              <a:rPr lang="de-CH" dirty="0" err="1" smtClean="0"/>
+              <a:t>limit</a:t>
+            </a:r>
+            <a:r>
+              <a:rPr lang="de-CH" dirty="0" smtClean="0"/>
+              <a:t>(20)</a:t>
+            </a:r>
+          </a:p>
+          <a:p>
+            <a:r>
+              <a:rPr lang="de-CH" dirty="0" err="1" smtClean="0"/>
+              <a:t>Geospacial</a:t>
+            </a:r>
+            <a:r>
+              <a:rPr lang="de-CH" dirty="0" smtClean="0"/>
+              <a:t> </a:t>
+            </a:r>
+            <a:r>
+              <a:rPr lang="de-CH" dirty="0" err="1" smtClean="0"/>
+              <a:t>Spherical</a:t>
+            </a:r>
+            <a:r>
+              <a:rPr lang="de-CH" dirty="0" smtClean="0"/>
+              <a:t> Indexes</a:t>
+            </a:r>
+          </a:p>
+          <a:p>
+            <a:pPr lvl="1"/>
+            <a:r>
+              <a:rPr lang="de-CH" dirty="0" smtClean="0"/>
+              <a:t>Mark </a:t>
+            </a:r>
+            <a:r>
+              <a:rPr lang="de-CH" dirty="0" err="1" smtClean="0"/>
+              <a:t>locations</a:t>
+            </a:r>
+            <a:r>
+              <a:rPr lang="de-CH" dirty="0" smtClean="0"/>
+              <a:t> </a:t>
+            </a:r>
+            <a:r>
+              <a:rPr lang="de-CH" dirty="0" err="1" smtClean="0"/>
+              <a:t>using</a:t>
+            </a:r>
+            <a:r>
+              <a:rPr lang="de-CH" dirty="0" smtClean="0"/>
+              <a:t> </a:t>
+            </a:r>
+            <a:r>
+              <a:rPr lang="de-CH" dirty="0" err="1" smtClean="0"/>
+              <a:t>the</a:t>
+            </a:r>
+            <a:r>
+              <a:rPr lang="de-CH" dirty="0" smtClean="0"/>
+              <a:t> </a:t>
+            </a:r>
+            <a:r>
+              <a:rPr lang="de-CH" dirty="0" err="1" smtClean="0"/>
+              <a:t>GeoJSON</a:t>
+            </a:r>
+            <a:r>
+              <a:rPr lang="de-CH" dirty="0" smtClean="0"/>
+              <a:t> </a:t>
+            </a:r>
+            <a:r>
+              <a:rPr lang="de-CH" dirty="0" err="1" smtClean="0"/>
+              <a:t>specification</a:t>
+            </a:r>
+            <a:r>
+              <a:rPr lang="de-CH" dirty="0"/>
+              <a:t> </a:t>
+            </a:r>
+            <a:r>
+              <a:rPr lang="de-CH" dirty="0" smtClean="0"/>
+              <a:t>(geojson.org)</a:t>
+            </a:r>
+          </a:p>
+          <a:p>
+            <a:pPr lvl="1"/>
+            <a:r>
+              <a:rPr lang="de-CH" dirty="0" err="1" smtClean="0"/>
+              <a:t>Db.places.createIndex</a:t>
+            </a:r>
+            <a:r>
+              <a:rPr lang="de-CH" dirty="0" smtClean="0"/>
+              <a:t>({</a:t>
+            </a:r>
+            <a:r>
+              <a:rPr lang="de-CH" dirty="0" err="1" smtClean="0"/>
+              <a:t>location</a:t>
+            </a:r>
+            <a:r>
+              <a:rPr lang="de-CH" dirty="0" smtClean="0"/>
+              <a:t>: '2dsphere'})</a:t>
+            </a:r>
+          </a:p>
+          <a:p>
+            <a:pPr lvl="1"/>
+            <a:r>
+              <a:rPr lang="de-CH" dirty="0" err="1" smtClean="0"/>
+              <a:t>Db.places.find</a:t>
+            </a:r>
+            <a:r>
+              <a:rPr lang="de-CH" dirty="0" smtClean="0"/>
+              <a:t>({</a:t>
+            </a:r>
+            <a:r>
+              <a:rPr lang="de-CH" dirty="0" err="1" smtClean="0"/>
+              <a:t>location</a:t>
+            </a:r>
+            <a:r>
+              <a:rPr lang="de-CH" dirty="0" smtClean="0"/>
+              <a:t>: {$</a:t>
+            </a:r>
+            <a:r>
+              <a:rPr lang="de-CH" dirty="0" err="1" smtClean="0"/>
+              <a:t>near</a:t>
+            </a:r>
+            <a:r>
+              <a:rPr lang="de-CH" dirty="0" smtClean="0"/>
+              <a:t>: {$</a:t>
+            </a:r>
+            <a:r>
+              <a:rPr lang="de-CH" dirty="0" err="1" smtClean="0"/>
+              <a:t>geometry</a:t>
+            </a:r>
+            <a:r>
+              <a:rPr lang="de-CH" dirty="0" smtClean="0"/>
+              <a:t>: {type: 'Point', </a:t>
+            </a:r>
+            <a:r>
+              <a:rPr lang="de-CH" dirty="0" err="1" smtClean="0"/>
+              <a:t>coordinates</a:t>
+            </a:r>
+            <a:r>
+              <a:rPr lang="de-CH" dirty="0" smtClean="0"/>
+              <a:t>: [</a:t>
+            </a:r>
+            <a:r>
+              <a:rPr lang="de-CH" dirty="0" err="1" smtClean="0"/>
+              <a:t>lng,lat</a:t>
+            </a:r>
+            <a:r>
+              <a:rPr lang="de-CH" dirty="0" smtClean="0"/>
+              <a:t>]}, $</a:t>
+            </a:r>
+            <a:r>
+              <a:rPr lang="de-CH" dirty="0" err="1" smtClean="0"/>
+              <a:t>maxDistance</a:t>
+            </a:r>
+            <a:r>
+              <a:rPr lang="de-CH" dirty="0" smtClean="0"/>
+              <a:t>: 2000}}})</a:t>
+            </a:r>
+            <a:endParaRPr lang="de-CH" dirty="0"/>
+          </a:p>
+        </p:txBody>
+      </p:sp>
+    </p:spTree>
+    <p:extLst>
+      <p:ext uri="{BB962C8B-B14F-4D97-AF65-F5344CB8AC3E}">
+        <p14:creationId xmlns:p14="http://schemas.microsoft.com/office/powerpoint/2010/main" val="22284193"/>
+      </p:ext>
+    </p:extLst>
+  </p:cSld>
+  <p:clrMapOvr>
+    <a:masterClrMapping/>
+  </p:clrMapOvr>
+</p:sld>
+</file>
+
+<file path=ppt/slides/slide31.xml><?xml version="1.0" encoding="utf-8"?>
+<p:sld xmlns:a="http://schemas.openxmlformats.org/drawingml/2006/main" xmlns:r="http://schemas.openxmlformats.org/officeDocument/2006/relationships" xmlns:p="http://schemas.openxmlformats.org/presentationml/2006/main">
+  <p:cSld>
+    <p:spTree>
+      <p:nvGrpSpPr>
+        <p:cNvPr id="1" name=""/>
+        <p:cNvGrpSpPr/>
+        <p:nvPr/>
+      </p:nvGrpSpPr>
+      <p:grpSpPr>
+        <a:xfrm>
+          <a:off x="0" y="0"/>
+          <a:ext cx="0" cy="0"/>
+          <a:chOff x="0" y="0"/>
+          <a:chExt cx="0" cy="0"/>
+        </a:xfrm>
+      </p:grpSpPr>
+      <p:sp>
+        <p:nvSpPr>
+          <p:cNvPr id="2" name="Titel 1"/>
+          <p:cNvSpPr>
+            <a:spLocks noGrp="1"/>
+          </p:cNvSpPr>
+          <p:nvPr>
+            <p:ph type="title"/>
+          </p:nvPr>
+        </p:nvSpPr>
+        <p:spPr/>
+        <p:txBody>
+          <a:bodyPr/>
+          <a:lstStyle/>
+          <a:p>
+            <a:r>
+              <a:rPr lang="de-CH" dirty="0" smtClean="0"/>
+              <a:t>Indexes (</a:t>
+            </a:r>
+            <a:r>
+              <a:rPr lang="de-CH" dirty="0" err="1" smtClean="0"/>
+              <a:t>contd</a:t>
+            </a:r>
+            <a:r>
+              <a:rPr lang="de-CH" dirty="0" smtClean="0"/>
+              <a:t>)</a:t>
+            </a:r>
+            <a:endParaRPr lang="de-CH" dirty="0"/>
+          </a:p>
+        </p:txBody>
+      </p:sp>
+      <p:sp>
+        <p:nvSpPr>
+          <p:cNvPr id="3" name="Inhaltsplatzhalter 2"/>
+          <p:cNvSpPr>
+            <a:spLocks noGrp="1"/>
+          </p:cNvSpPr>
+          <p:nvPr>
+            <p:ph idx="1"/>
+          </p:nvPr>
+        </p:nvSpPr>
+        <p:spPr/>
+        <p:txBody>
+          <a:bodyPr/>
+          <a:lstStyle/>
+          <a:p>
+            <a:r>
+              <a:rPr lang="de-CH" dirty="0" smtClean="0"/>
+              <a:t>Text </a:t>
+            </a:r>
+            <a:r>
+              <a:rPr lang="de-CH" dirty="0" err="1" smtClean="0"/>
+              <a:t>index</a:t>
+            </a:r>
+            <a:r>
+              <a:rPr lang="de-CH" dirty="0" smtClean="0"/>
+              <a:t>: </a:t>
+            </a:r>
+            <a:r>
+              <a:rPr lang="de-CH" dirty="0" err="1" smtClean="0"/>
+              <a:t>Full</a:t>
+            </a:r>
+            <a:r>
+              <a:rPr lang="de-CH" dirty="0" smtClean="0"/>
+              <a:t> </a:t>
+            </a:r>
+            <a:r>
+              <a:rPr lang="de-CH" dirty="0" err="1" smtClean="0"/>
+              <a:t>text</a:t>
+            </a:r>
+            <a:r>
+              <a:rPr lang="de-CH" dirty="0" smtClean="0"/>
+              <a:t> </a:t>
+            </a:r>
+            <a:r>
+              <a:rPr lang="de-CH" dirty="0" err="1" smtClean="0"/>
+              <a:t>search</a:t>
+            </a:r>
+            <a:endParaRPr lang="de-CH" dirty="0" smtClean="0"/>
+          </a:p>
+          <a:p>
+            <a:pPr lvl="1"/>
+            <a:r>
+              <a:rPr lang="de-CH" dirty="0" err="1" smtClean="0"/>
+              <a:t>Automatically</a:t>
+            </a:r>
+            <a:r>
+              <a:rPr lang="de-CH" dirty="0" smtClean="0"/>
+              <a:t> </a:t>
+            </a:r>
+            <a:r>
+              <a:rPr lang="de-CH" dirty="0" err="1" smtClean="0"/>
+              <a:t>elimitates</a:t>
+            </a:r>
+            <a:r>
+              <a:rPr lang="de-CH" dirty="0" smtClean="0"/>
+              <a:t> </a:t>
+            </a:r>
+            <a:r>
+              <a:rPr lang="de-CH" dirty="0" err="1" smtClean="0"/>
+              <a:t>stop</a:t>
+            </a:r>
+            <a:r>
+              <a:rPr lang="de-CH" dirty="0" smtClean="0"/>
+              <a:t> </a:t>
+            </a:r>
+            <a:r>
+              <a:rPr lang="de-CH" dirty="0" err="1" smtClean="0"/>
+              <a:t>words</a:t>
+            </a:r>
+            <a:endParaRPr lang="de-CH" dirty="0" smtClean="0"/>
+          </a:p>
+          <a:p>
+            <a:pPr lvl="2"/>
+            <a:r>
+              <a:rPr lang="de-CH" dirty="0" err="1" smtClean="0"/>
+              <a:t>Db.sentences.find</a:t>
+            </a:r>
+            <a:r>
+              <a:rPr lang="de-CH" dirty="0" smtClean="0"/>
+              <a:t>({$</a:t>
+            </a:r>
+            <a:r>
+              <a:rPr lang="de-CH" dirty="0" err="1" smtClean="0"/>
+              <a:t>text</a:t>
+            </a:r>
+            <a:r>
+              <a:rPr lang="de-CH" dirty="0" smtClean="0"/>
+              <a:t>: {$</a:t>
+            </a:r>
+            <a:r>
+              <a:rPr lang="de-CH" dirty="0" err="1" smtClean="0"/>
+              <a:t>search</a:t>
+            </a:r>
+            <a:r>
+              <a:rPr lang="de-CH" dirty="0" smtClean="0"/>
+              <a:t>: '</a:t>
+            </a:r>
+            <a:r>
+              <a:rPr lang="de-CH" dirty="0" err="1" smtClean="0"/>
+              <a:t>word</a:t>
+            </a:r>
+            <a:r>
+              <a:rPr lang="de-CH" dirty="0" smtClean="0"/>
+              <a:t>'}})</a:t>
+            </a:r>
+          </a:p>
+          <a:p>
+            <a:pPr lvl="2"/>
+            <a:r>
+              <a:rPr lang="de-CH" dirty="0" err="1"/>
+              <a:t>Db.sentences.find</a:t>
+            </a:r>
+            <a:r>
+              <a:rPr lang="de-CH" dirty="0"/>
+              <a:t>({$</a:t>
+            </a:r>
+            <a:r>
+              <a:rPr lang="de-CH" dirty="0" err="1"/>
+              <a:t>text</a:t>
+            </a:r>
+            <a:r>
+              <a:rPr lang="de-CH" dirty="0"/>
+              <a:t>: {$</a:t>
+            </a:r>
+            <a:r>
+              <a:rPr lang="de-CH" dirty="0" err="1"/>
+              <a:t>search</a:t>
+            </a:r>
+            <a:r>
+              <a:rPr lang="de-CH" dirty="0"/>
+              <a:t>: </a:t>
+            </a:r>
+            <a:r>
+              <a:rPr lang="de-CH" dirty="0" smtClean="0"/>
+              <a:t>'word1 word2'}}) </a:t>
+            </a:r>
+            <a:r>
+              <a:rPr lang="de-CH" dirty="0" smtClean="0">
+                <a:sym typeface="Wingdings" panose="05000000000000000000" pitchFamily="2" charset="2"/>
+              </a:rPr>
+              <a:t> </a:t>
+            </a:r>
+            <a:r>
+              <a:rPr lang="de-CH" dirty="0" err="1" smtClean="0">
+                <a:sym typeface="Wingdings" panose="05000000000000000000" pitchFamily="2" charset="2"/>
+              </a:rPr>
+              <a:t>logical</a:t>
+            </a:r>
+            <a:r>
+              <a:rPr lang="de-CH" dirty="0" smtClean="0">
+                <a:sym typeface="Wingdings" panose="05000000000000000000" pitchFamily="2" charset="2"/>
+              </a:rPr>
+              <a:t> OR</a:t>
+            </a:r>
+            <a:endParaRPr lang="de-CH" dirty="0" smtClean="0"/>
+          </a:p>
+          <a:p>
+            <a:pPr lvl="1"/>
+            <a:r>
+              <a:rPr lang="de-CH" dirty="0" err="1" smtClean="0"/>
+              <a:t>Computes</a:t>
+            </a:r>
+            <a:r>
+              <a:rPr lang="de-CH" dirty="0" smtClean="0"/>
+              <a:t> a score </a:t>
+            </a:r>
+            <a:r>
+              <a:rPr lang="de-CH" dirty="0" err="1" smtClean="0"/>
+              <a:t>which</a:t>
+            </a:r>
+            <a:r>
+              <a:rPr lang="de-CH" dirty="0" smtClean="0"/>
+              <a:t> </a:t>
+            </a:r>
+            <a:r>
+              <a:rPr lang="de-CH" dirty="0" err="1" smtClean="0"/>
+              <a:t>can</a:t>
+            </a:r>
+            <a:r>
+              <a:rPr lang="de-CH" dirty="0" smtClean="0"/>
+              <a:t> </a:t>
+            </a:r>
+            <a:r>
+              <a:rPr lang="de-CH" dirty="0" err="1" smtClean="0"/>
+              <a:t>be</a:t>
+            </a:r>
+            <a:r>
+              <a:rPr lang="de-CH" dirty="0" smtClean="0"/>
+              <a:t> </a:t>
+            </a:r>
+            <a:r>
+              <a:rPr lang="de-CH" dirty="0" err="1" smtClean="0"/>
+              <a:t>used</a:t>
+            </a:r>
+            <a:r>
+              <a:rPr lang="de-CH" dirty="0" smtClean="0"/>
+              <a:t> </a:t>
+            </a:r>
+            <a:r>
+              <a:rPr lang="de-CH" dirty="0" err="1" smtClean="0"/>
+              <a:t>to</a:t>
+            </a:r>
+            <a:r>
+              <a:rPr lang="de-CH" dirty="0" smtClean="0"/>
+              <a:t> find </a:t>
+            </a:r>
+            <a:r>
+              <a:rPr lang="de-CH" dirty="0" err="1" smtClean="0"/>
+              <a:t>most</a:t>
+            </a:r>
+            <a:r>
+              <a:rPr lang="de-CH" dirty="0" smtClean="0"/>
+              <a:t> relevant </a:t>
+            </a:r>
+            <a:r>
+              <a:rPr lang="de-CH" dirty="0" err="1" smtClean="0"/>
+              <a:t>matches</a:t>
+            </a:r>
+            <a:endParaRPr lang="de-CH" dirty="0" smtClean="0"/>
+          </a:p>
+          <a:p>
+            <a:pPr lvl="2"/>
+            <a:r>
+              <a:rPr lang="de-CH" dirty="0" err="1" smtClean="0"/>
+              <a:t>Db.sentences.find</a:t>
+            </a:r>
+            <a:r>
+              <a:rPr lang="de-CH" dirty="0" smtClean="0"/>
+              <a:t>({$</a:t>
+            </a:r>
+            <a:r>
+              <a:rPr lang="de-CH" dirty="0" err="1" smtClean="0"/>
+              <a:t>text</a:t>
+            </a:r>
+            <a:r>
+              <a:rPr lang="de-CH" dirty="0" smtClean="0"/>
+              <a:t>: {$</a:t>
+            </a:r>
+            <a:r>
+              <a:rPr lang="de-CH" dirty="0" err="1" smtClean="0"/>
+              <a:t>search</a:t>
+            </a:r>
+            <a:r>
+              <a:rPr lang="de-CH" dirty="0" smtClean="0"/>
+              <a:t>: 'word1, word2'}}, {score: {</a:t>
+            </a:r>
+            <a:r>
+              <a:rPr lang="de-CH" b="1" dirty="0" smtClean="0"/>
+              <a:t>$</a:t>
+            </a:r>
+            <a:r>
+              <a:rPr lang="de-CH" b="1" dirty="0" err="1" smtClean="0"/>
+              <a:t>meta</a:t>
+            </a:r>
+            <a:r>
+              <a:rPr lang="de-CH" b="1" dirty="0" smtClean="0"/>
+              <a:t>: '</a:t>
+            </a:r>
+            <a:r>
+              <a:rPr lang="de-CH" b="1" dirty="0" err="1" smtClean="0"/>
+              <a:t>textScore</a:t>
+            </a:r>
+            <a:r>
+              <a:rPr lang="de-CH" b="1" dirty="0" smtClean="0"/>
+              <a:t>'</a:t>
+            </a:r>
+            <a:r>
+              <a:rPr lang="de-CH" dirty="0" smtClean="0"/>
+              <a:t>}}).</a:t>
+            </a:r>
+            <a:r>
+              <a:rPr lang="de-CH" dirty="0" err="1" smtClean="0"/>
+              <a:t>sort</a:t>
+            </a:r>
+            <a:r>
+              <a:rPr lang="de-CH" dirty="0" smtClean="0"/>
+              <a:t>(</a:t>
+            </a:r>
+            <a:r>
+              <a:rPr lang="de-CH" dirty="0"/>
+              <a:t>{score: {$</a:t>
+            </a:r>
+            <a:r>
+              <a:rPr lang="de-CH" dirty="0" err="1"/>
+              <a:t>meta</a:t>
+            </a:r>
+            <a:r>
+              <a:rPr lang="de-CH" dirty="0"/>
+              <a:t>: '</a:t>
+            </a:r>
+            <a:r>
+              <a:rPr lang="de-CH" dirty="0" err="1"/>
+              <a:t>textScore</a:t>
+            </a:r>
+            <a:r>
+              <a:rPr lang="de-CH" dirty="0"/>
+              <a:t>'}}</a:t>
+            </a:r>
+            <a:r>
+              <a:rPr lang="de-CH" dirty="0" smtClean="0"/>
+              <a:t>)</a:t>
+            </a:r>
+            <a:endParaRPr lang="de-CH" dirty="0"/>
+          </a:p>
+          <a:p>
+            <a:pPr lvl="1"/>
+            <a:endParaRPr lang="de-CH" dirty="0"/>
+          </a:p>
+        </p:txBody>
+      </p:sp>
+    </p:spTree>
+    <p:extLst>
+      <p:ext uri="{BB962C8B-B14F-4D97-AF65-F5344CB8AC3E}">
+        <p14:creationId xmlns:p14="http://schemas.microsoft.com/office/powerpoint/2010/main" val="3711826781"/>
+      </p:ext>
+    </p:extLst>
+  </p:cSld>
+  <p:clrMapOvr>
+    <a:masterClrMapping/>
+  </p:clrMapOvr>
+</p:sld>
+</file>
+
+<file path=ppt/slides/slide32.xml><?xml version="1.0" encoding="utf-8"?>
+<p:sld xmlns:a="http://schemas.openxmlformats.org/drawingml/2006/main" xmlns:r="http://schemas.openxmlformats.org/officeDocument/2006/relationships" xmlns:p="http://schemas.openxmlformats.org/presentationml/2006/main">
+  <p:cSld>
+    <p:spTree>
+      <p:nvGrpSpPr>
+        <p:cNvPr id="1" name=""/>
+        <p:cNvGrpSpPr/>
+        <p:nvPr/>
+      </p:nvGrpSpPr>
+      <p:grpSpPr>
+        <a:xfrm>
+          <a:off x="0" y="0"/>
+          <a:ext cx="0" cy="0"/>
+          <a:chOff x="0" y="0"/>
+          <a:chExt cx="0" cy="0"/>
+        </a:xfrm>
+      </p:grpSpPr>
+      <p:sp>
+        <p:nvSpPr>
+          <p:cNvPr id="2" name="Titel 1"/>
+          <p:cNvSpPr>
+            <a:spLocks noGrp="1"/>
+          </p:cNvSpPr>
+          <p:nvPr>
+            <p:ph type="title"/>
+          </p:nvPr>
+        </p:nvSpPr>
+        <p:spPr/>
+        <p:txBody>
+          <a:bodyPr/>
+          <a:lstStyle/>
+          <a:p>
+            <a:r>
+              <a:rPr lang="de-CH" dirty="0" err="1" smtClean="0"/>
+              <a:t>Explaining</a:t>
+            </a:r>
+            <a:endParaRPr lang="de-CH" dirty="0"/>
+          </a:p>
+        </p:txBody>
+      </p:sp>
+      <p:sp>
+        <p:nvSpPr>
+          <p:cNvPr id="3" name="Inhaltsplatzhalter 2"/>
+          <p:cNvSpPr>
+            <a:spLocks noGrp="1"/>
+          </p:cNvSpPr>
+          <p:nvPr>
+            <p:ph idx="1"/>
+          </p:nvPr>
+        </p:nvSpPr>
+        <p:spPr/>
+        <p:txBody>
+          <a:bodyPr/>
+          <a:lstStyle/>
+          <a:p>
+            <a:r>
+              <a:rPr lang="de-CH" dirty="0" smtClean="0"/>
+              <a:t>Different </a:t>
+            </a:r>
+            <a:r>
+              <a:rPr lang="de-CH" dirty="0" err="1" smtClean="0"/>
+              <a:t>verbosity</a:t>
+            </a:r>
+            <a:r>
+              <a:rPr lang="de-CH" dirty="0" smtClean="0"/>
+              <a:t> </a:t>
+            </a:r>
+            <a:r>
+              <a:rPr lang="de-CH" dirty="0" err="1" smtClean="0"/>
+              <a:t>levels</a:t>
+            </a:r>
+            <a:endParaRPr lang="de-CH" dirty="0" smtClean="0"/>
+          </a:p>
+          <a:p>
+            <a:pPr lvl="1"/>
+            <a:r>
+              <a:rPr lang="de-CH" dirty="0" smtClean="0"/>
+              <a:t>Default:</a:t>
+            </a:r>
+          </a:p>
+          <a:p>
+            <a:pPr lvl="2"/>
+            <a:r>
+              <a:rPr lang="de-CH" dirty="0" err="1" smtClean="0"/>
+              <a:t>Db.explain</a:t>
+            </a:r>
+            <a:r>
+              <a:rPr lang="de-CH" dirty="0" smtClean="0"/>
+              <a:t>()</a:t>
+            </a:r>
+          </a:p>
+          <a:p>
+            <a:pPr lvl="1"/>
+            <a:r>
+              <a:rPr lang="de-CH" dirty="0" err="1" smtClean="0"/>
+              <a:t>Statistics</a:t>
+            </a:r>
+            <a:endParaRPr lang="de-CH" dirty="0" smtClean="0"/>
+          </a:p>
+          <a:p>
+            <a:pPr lvl="2"/>
+            <a:r>
+              <a:rPr lang="de-CH" dirty="0" err="1" smtClean="0"/>
+              <a:t>Db.explain</a:t>
+            </a:r>
+            <a:r>
+              <a:rPr lang="de-CH" dirty="0" smtClean="0"/>
+              <a:t>("</a:t>
+            </a:r>
+            <a:r>
+              <a:rPr lang="de-CH" dirty="0" err="1" smtClean="0"/>
+              <a:t>executionStats</a:t>
+            </a:r>
+            <a:r>
+              <a:rPr lang="de-CH" dirty="0" smtClean="0"/>
+              <a:t>")</a:t>
+            </a:r>
+          </a:p>
+          <a:p>
+            <a:pPr lvl="1"/>
+            <a:r>
+              <a:rPr lang="de-CH" dirty="0" err="1" smtClean="0"/>
+              <a:t>Everything</a:t>
+            </a:r>
+            <a:endParaRPr lang="de-CH" dirty="0" smtClean="0"/>
+          </a:p>
+          <a:p>
+            <a:pPr lvl="2"/>
+            <a:r>
+              <a:rPr lang="de-CH" dirty="0" err="1" smtClean="0"/>
+              <a:t>Db.explain</a:t>
+            </a:r>
+            <a:r>
+              <a:rPr lang="de-CH" dirty="0" smtClean="0"/>
+              <a:t>("</a:t>
+            </a:r>
+            <a:r>
+              <a:rPr lang="de-CH" dirty="0" err="1" smtClean="0"/>
+              <a:t>allPlansExecution</a:t>
+            </a:r>
+            <a:r>
+              <a:rPr lang="de-CH" dirty="0" smtClean="0"/>
+              <a:t>")</a:t>
+            </a:r>
+          </a:p>
+          <a:p>
+            <a:r>
+              <a:rPr lang="de-CH" dirty="0" err="1" smtClean="0"/>
+              <a:t>Covered</a:t>
+            </a:r>
+            <a:r>
+              <a:rPr lang="de-CH" dirty="0" smtClean="0"/>
+              <a:t> </a:t>
+            </a:r>
+            <a:r>
+              <a:rPr lang="de-CH" dirty="0" err="1" smtClean="0"/>
+              <a:t>Queries</a:t>
+            </a:r>
+            <a:endParaRPr lang="de-CH" dirty="0" smtClean="0"/>
+          </a:p>
+          <a:p>
+            <a:pPr lvl="1"/>
+            <a:r>
+              <a:rPr lang="de-CH" dirty="0" err="1" smtClean="0"/>
+              <a:t>Projection</a:t>
+            </a:r>
+            <a:r>
+              <a:rPr lang="de-CH" dirty="0" smtClean="0"/>
+              <a:t> </a:t>
+            </a:r>
+            <a:r>
+              <a:rPr lang="de-CH" dirty="0" err="1" smtClean="0"/>
+              <a:t>of</a:t>
+            </a:r>
+            <a:r>
+              <a:rPr lang="de-CH" dirty="0" smtClean="0"/>
+              <a:t> </a:t>
+            </a:r>
+            <a:r>
+              <a:rPr lang="de-CH" dirty="0" err="1" smtClean="0"/>
+              <a:t>index</a:t>
+            </a:r>
+            <a:r>
+              <a:rPr lang="de-CH" dirty="0" smtClean="0"/>
+              <a:t> </a:t>
+            </a:r>
+            <a:r>
+              <a:rPr lang="de-CH" dirty="0" err="1" smtClean="0"/>
+              <a:t>keys</a:t>
+            </a:r>
+            <a:r>
+              <a:rPr lang="de-CH" dirty="0" smtClean="0"/>
+              <a:t>: </a:t>
+            </a:r>
+            <a:r>
+              <a:rPr lang="de-CH" dirty="0" err="1" smtClean="0"/>
+              <a:t>Only</a:t>
+            </a:r>
+            <a:r>
+              <a:rPr lang="de-CH" dirty="0" smtClean="0"/>
+              <a:t> </a:t>
+            </a:r>
+            <a:r>
+              <a:rPr lang="de-CH" dirty="0" err="1" smtClean="0"/>
+              <a:t>query</a:t>
+            </a:r>
+            <a:r>
+              <a:rPr lang="de-CH" dirty="0" smtClean="0"/>
+              <a:t> </a:t>
+            </a:r>
+            <a:r>
+              <a:rPr lang="de-CH" dirty="0" err="1" smtClean="0"/>
+              <a:t>keys</a:t>
+            </a:r>
+            <a:r>
+              <a:rPr lang="de-CH" dirty="0" smtClean="0"/>
+              <a:t> </a:t>
+            </a:r>
+            <a:r>
+              <a:rPr lang="de-CH" dirty="0" err="1" smtClean="0"/>
+              <a:t>that</a:t>
+            </a:r>
+            <a:r>
+              <a:rPr lang="de-CH" dirty="0" smtClean="0"/>
+              <a:t> </a:t>
+            </a:r>
+            <a:r>
+              <a:rPr lang="de-CH" dirty="0" err="1" smtClean="0"/>
+              <a:t>are</a:t>
+            </a:r>
+            <a:r>
+              <a:rPr lang="de-CH" dirty="0" smtClean="0"/>
+              <a:t> </a:t>
+            </a:r>
+            <a:r>
+              <a:rPr lang="de-CH" dirty="0" err="1" smtClean="0"/>
+              <a:t>indexed</a:t>
+            </a:r>
+            <a:r>
+              <a:rPr lang="de-CH" dirty="0" smtClean="0"/>
+              <a:t> </a:t>
+            </a:r>
+            <a:r>
+              <a:rPr lang="de-CH" dirty="0" err="1" smtClean="0"/>
+              <a:t>for</a:t>
+            </a:r>
+            <a:r>
+              <a:rPr lang="de-CH" dirty="0" smtClean="0"/>
+              <a:t> </a:t>
+            </a:r>
+            <a:r>
+              <a:rPr lang="de-CH" dirty="0" err="1" smtClean="0"/>
+              <a:t>performance</a:t>
+            </a:r>
+            <a:r>
+              <a:rPr lang="de-CH" dirty="0" smtClean="0"/>
+              <a:t> </a:t>
+            </a:r>
+            <a:r>
+              <a:rPr lang="de-CH" dirty="0" err="1" smtClean="0"/>
+              <a:t>reasons</a:t>
+            </a:r>
+            <a:endParaRPr lang="de-CH" dirty="0"/>
+          </a:p>
+        </p:txBody>
+      </p:sp>
+    </p:spTree>
+    <p:extLst>
+      <p:ext uri="{BB962C8B-B14F-4D97-AF65-F5344CB8AC3E}">
+        <p14:creationId xmlns:p14="http://schemas.microsoft.com/office/powerpoint/2010/main" val="1476240196"/>
+      </p:ext>
+    </p:extLst>
+  </p:cSld>
+  <p:clrMapOvr>
+    <a:masterClrMapping/>
+  </p:clrMapOvr>
+</p:sld>
+</file>
+
+<file path=ppt/slides/slide33.xml><?xml version="1.0" encoding="utf-8"?>
+<p:sld xmlns:a="http://schemas.openxmlformats.org/drawingml/2006/main" xmlns:r="http://schemas.openxmlformats.org/officeDocument/2006/relationships" xmlns:p="http://schemas.openxmlformats.org/presentationml/2006/main">
+  <p:cSld>
+    <p:spTree>
+      <p:nvGrpSpPr>
+        <p:cNvPr id="1" name=""/>
+        <p:cNvGrpSpPr/>
+        <p:nvPr/>
+      </p:nvGrpSpPr>
+      <p:grpSpPr>
+        <a:xfrm>
+          <a:off x="0" y="0"/>
+          <a:ext cx="0" cy="0"/>
+          <a:chOff x="0" y="0"/>
+          <a:chExt cx="0" cy="0"/>
+        </a:xfrm>
+      </p:grpSpPr>
+      <p:sp>
+        <p:nvSpPr>
+          <p:cNvPr id="2" name="Titel 1"/>
+          <p:cNvSpPr>
+            <a:spLocks noGrp="1"/>
+          </p:cNvSpPr>
+          <p:nvPr>
+            <p:ph type="title"/>
+          </p:nvPr>
+        </p:nvSpPr>
+        <p:spPr/>
+        <p:txBody>
+          <a:bodyPr/>
+          <a:lstStyle/>
+          <a:p>
+            <a:r>
+              <a:rPr lang="de-CH" dirty="0" err="1" smtClean="0"/>
+              <a:t>Logging</a:t>
+            </a:r>
+            <a:r>
+              <a:rPr lang="de-CH" dirty="0" smtClean="0"/>
+              <a:t>/</a:t>
+            </a:r>
+            <a:r>
+              <a:rPr lang="de-CH" dirty="0" err="1" smtClean="0"/>
+              <a:t>Profiling</a:t>
+            </a:r>
+            <a:endParaRPr lang="de-CH" dirty="0"/>
+          </a:p>
+        </p:txBody>
+      </p:sp>
+      <p:sp>
+        <p:nvSpPr>
+          <p:cNvPr id="3" name="Inhaltsplatzhalter 2"/>
+          <p:cNvSpPr>
+            <a:spLocks noGrp="1"/>
+          </p:cNvSpPr>
+          <p:nvPr>
+            <p:ph idx="1"/>
+          </p:nvPr>
+        </p:nvSpPr>
+        <p:spPr/>
+        <p:txBody>
+          <a:bodyPr>
+            <a:normAutofit fontScale="92500"/>
+          </a:bodyPr>
+          <a:lstStyle/>
+          <a:p>
+            <a:r>
+              <a:rPr lang="de-CH" dirty="0" err="1" smtClean="0"/>
+              <a:t>Queries</a:t>
+            </a:r>
+            <a:r>
+              <a:rPr lang="de-CH" dirty="0" smtClean="0"/>
+              <a:t> &gt; 100ms </a:t>
+            </a:r>
+            <a:r>
+              <a:rPr lang="de-CH" dirty="0" err="1" smtClean="0"/>
+              <a:t>automatically</a:t>
+            </a:r>
+            <a:r>
+              <a:rPr lang="de-CH" dirty="0" smtClean="0"/>
+              <a:t> </a:t>
+            </a:r>
+            <a:r>
+              <a:rPr lang="de-CH" dirty="0" err="1" smtClean="0"/>
+              <a:t>appear</a:t>
+            </a:r>
+            <a:r>
+              <a:rPr lang="de-CH" dirty="0" smtClean="0"/>
+              <a:t> in </a:t>
+            </a:r>
+            <a:r>
+              <a:rPr lang="de-CH" dirty="0" err="1" smtClean="0"/>
+              <a:t>the</a:t>
+            </a:r>
+            <a:r>
+              <a:rPr lang="de-CH" dirty="0" smtClean="0"/>
+              <a:t> </a:t>
+            </a:r>
+            <a:r>
+              <a:rPr lang="de-CH" dirty="0" err="1" smtClean="0"/>
+              <a:t>text</a:t>
+            </a:r>
+            <a:r>
+              <a:rPr lang="de-CH" dirty="0" smtClean="0"/>
+              <a:t> log</a:t>
+            </a:r>
+          </a:p>
+          <a:p>
+            <a:r>
+              <a:rPr lang="de-CH" dirty="0" err="1" smtClean="0"/>
+              <a:t>Profiler</a:t>
+            </a:r>
+            <a:r>
+              <a:rPr lang="de-CH" dirty="0" smtClean="0"/>
+              <a:t> </a:t>
+            </a:r>
+            <a:r>
+              <a:rPr lang="de-CH" dirty="0" err="1"/>
+              <a:t>a</a:t>
+            </a:r>
+            <a:r>
+              <a:rPr lang="de-CH" dirty="0" err="1" smtClean="0"/>
+              <a:t>vailable</a:t>
+            </a:r>
+            <a:endParaRPr lang="de-CH" dirty="0" smtClean="0"/>
+          </a:p>
+          <a:p>
+            <a:pPr lvl="1"/>
+            <a:r>
+              <a:rPr lang="de-CH" dirty="0" smtClean="0"/>
+              <a:t>CL Option: --profile x --</a:t>
+            </a:r>
+            <a:r>
+              <a:rPr lang="de-CH" dirty="0" err="1" smtClean="0"/>
+              <a:t>slowms</a:t>
+            </a:r>
+            <a:r>
+              <a:rPr lang="de-CH" dirty="0" smtClean="0"/>
+              <a:t> 2</a:t>
+            </a:r>
+            <a:endParaRPr lang="de-CH" dirty="0"/>
+          </a:p>
+          <a:p>
+            <a:pPr lvl="1"/>
+            <a:r>
+              <a:rPr lang="de-CH" dirty="0" smtClean="0"/>
+              <a:t>different log </a:t>
+            </a:r>
+            <a:r>
+              <a:rPr lang="de-CH" dirty="0" err="1" smtClean="0"/>
+              <a:t>levels</a:t>
+            </a:r>
+            <a:r>
+              <a:rPr lang="de-CH" dirty="0" smtClean="0"/>
+              <a:t> (x </a:t>
+            </a:r>
+            <a:r>
+              <a:rPr lang="de-CH" dirty="0" err="1" smtClean="0"/>
+              <a:t>option</a:t>
+            </a:r>
+            <a:r>
+              <a:rPr lang="de-CH" dirty="0" smtClean="0"/>
+              <a:t>)</a:t>
+            </a:r>
+          </a:p>
+          <a:p>
+            <a:pPr lvl="2"/>
+            <a:r>
+              <a:rPr lang="de-CH" dirty="0" smtClean="0"/>
+              <a:t>0=off</a:t>
+            </a:r>
+          </a:p>
+          <a:p>
+            <a:pPr lvl="2"/>
+            <a:r>
+              <a:rPr lang="de-CH" dirty="0" smtClean="0"/>
+              <a:t>1=</a:t>
+            </a:r>
+            <a:r>
+              <a:rPr lang="de-CH" dirty="0" err="1" smtClean="0"/>
+              <a:t>slow</a:t>
+            </a:r>
+            <a:r>
+              <a:rPr lang="de-CH" dirty="0" smtClean="0"/>
+              <a:t> </a:t>
+            </a:r>
+            <a:r>
+              <a:rPr lang="de-CH" dirty="0" err="1" smtClean="0"/>
+              <a:t>queries</a:t>
+            </a:r>
+            <a:r>
+              <a:rPr lang="de-CH" dirty="0" smtClean="0"/>
+              <a:t> (</a:t>
+            </a:r>
+            <a:r>
+              <a:rPr lang="de-CH" dirty="0" err="1" smtClean="0"/>
+              <a:t>slowms</a:t>
+            </a:r>
+            <a:r>
+              <a:rPr lang="de-CH" dirty="0" smtClean="0"/>
+              <a:t> </a:t>
+            </a:r>
+            <a:r>
+              <a:rPr lang="de-CH" dirty="0" err="1" smtClean="0"/>
+              <a:t>option</a:t>
+            </a:r>
+            <a:r>
+              <a:rPr lang="de-CH" dirty="0" smtClean="0"/>
+              <a:t>)</a:t>
+            </a:r>
+          </a:p>
+          <a:p>
+            <a:pPr lvl="2"/>
+            <a:r>
+              <a:rPr lang="de-CH" dirty="0" smtClean="0"/>
+              <a:t>2=all </a:t>
+            </a:r>
+            <a:r>
+              <a:rPr lang="de-CH" dirty="0" err="1" smtClean="0"/>
+              <a:t>queries</a:t>
+            </a:r>
+            <a:endParaRPr lang="de-CH" dirty="0" smtClean="0"/>
+          </a:p>
+          <a:p>
+            <a:pPr lvl="1"/>
+            <a:r>
+              <a:rPr lang="de-CH" dirty="0" err="1" smtClean="0"/>
+              <a:t>Results</a:t>
+            </a:r>
+            <a:r>
+              <a:rPr lang="de-CH" dirty="0" smtClean="0"/>
+              <a:t> </a:t>
+            </a:r>
+            <a:r>
+              <a:rPr lang="de-CH" dirty="0" err="1" smtClean="0"/>
+              <a:t>can</a:t>
+            </a:r>
+            <a:r>
+              <a:rPr lang="de-CH" dirty="0" smtClean="0"/>
+              <a:t> </a:t>
+            </a:r>
+            <a:r>
+              <a:rPr lang="de-CH" dirty="0" err="1" smtClean="0"/>
+              <a:t>be</a:t>
+            </a:r>
+            <a:r>
+              <a:rPr lang="de-CH" dirty="0" smtClean="0"/>
+              <a:t> </a:t>
+            </a:r>
+            <a:r>
+              <a:rPr lang="de-CH" dirty="0" err="1" smtClean="0"/>
+              <a:t>queried</a:t>
+            </a:r>
+            <a:r>
+              <a:rPr lang="de-CH" dirty="0" smtClean="0"/>
+              <a:t>: </a:t>
+            </a:r>
+            <a:r>
+              <a:rPr lang="de-CH" dirty="0" err="1" smtClean="0"/>
+              <a:t>db.system.profile.find</a:t>
+            </a:r>
+            <a:r>
+              <a:rPr lang="de-CH" dirty="0" smtClean="0"/>
+              <a:t>()</a:t>
+            </a:r>
+          </a:p>
+          <a:p>
+            <a:r>
+              <a:rPr lang="de-CH" dirty="0" smtClean="0"/>
+              <a:t>Realtime </a:t>
+            </a:r>
+            <a:r>
+              <a:rPr lang="de-CH" dirty="0" err="1" smtClean="0"/>
+              <a:t>Statistics</a:t>
+            </a:r>
+            <a:r>
+              <a:rPr lang="de-CH" dirty="0" smtClean="0"/>
+              <a:t> (IO, </a:t>
+            </a:r>
+            <a:r>
+              <a:rPr lang="de-CH" dirty="0" err="1" smtClean="0"/>
+              <a:t>number</a:t>
+            </a:r>
+            <a:r>
+              <a:rPr lang="de-CH" dirty="0" smtClean="0"/>
+              <a:t> </a:t>
+            </a:r>
+            <a:r>
+              <a:rPr lang="de-CH" dirty="0" err="1" smtClean="0"/>
+              <a:t>of</a:t>
+            </a:r>
+            <a:r>
+              <a:rPr lang="de-CH" dirty="0" smtClean="0"/>
+              <a:t> </a:t>
+            </a:r>
+            <a:r>
+              <a:rPr lang="de-CH" dirty="0" err="1" smtClean="0"/>
+              <a:t>requests</a:t>
+            </a:r>
+            <a:r>
+              <a:rPr lang="de-CH" dirty="0" smtClean="0"/>
+              <a:t>, …) </a:t>
+            </a:r>
+            <a:r>
+              <a:rPr lang="de-CH" dirty="0" err="1" smtClean="0"/>
+              <a:t>available</a:t>
+            </a:r>
+            <a:r>
+              <a:rPr lang="de-CH" dirty="0" smtClean="0"/>
+              <a:t> via </a:t>
+            </a:r>
+            <a:r>
+              <a:rPr lang="de-CH" dirty="0" err="1" smtClean="0"/>
+              <a:t>mongostat</a:t>
+            </a:r>
+            <a:endParaRPr lang="de-CH" dirty="0" smtClean="0"/>
+          </a:p>
+          <a:p>
+            <a:r>
+              <a:rPr lang="de-CH" dirty="0" smtClean="0"/>
+              <a:t>Realtime </a:t>
+            </a:r>
+            <a:r>
+              <a:rPr lang="de-CH" dirty="0" err="1" smtClean="0"/>
+              <a:t>Statistics</a:t>
+            </a:r>
+            <a:r>
+              <a:rPr lang="de-CH" dirty="0" smtClean="0"/>
+              <a:t> (time </a:t>
+            </a:r>
+            <a:r>
+              <a:rPr lang="de-CH" dirty="0" err="1" smtClean="0"/>
+              <a:t>spent</a:t>
+            </a:r>
+            <a:r>
+              <a:rPr lang="de-CH" dirty="0" smtClean="0"/>
+              <a:t> </a:t>
+            </a:r>
+            <a:r>
+              <a:rPr lang="de-CH" dirty="0" err="1" smtClean="0"/>
+              <a:t>reading</a:t>
+            </a:r>
+            <a:r>
+              <a:rPr lang="de-CH" dirty="0" smtClean="0"/>
+              <a:t>/</a:t>
+            </a:r>
+            <a:r>
+              <a:rPr lang="de-CH" dirty="0" err="1" smtClean="0"/>
+              <a:t>writing</a:t>
+            </a:r>
+            <a:r>
+              <a:rPr lang="de-CH" dirty="0" smtClean="0"/>
+              <a:t> in </a:t>
+            </a:r>
+            <a:r>
+              <a:rPr lang="de-CH" dirty="0" err="1" smtClean="0"/>
+              <a:t>what</a:t>
+            </a:r>
+            <a:r>
+              <a:rPr lang="de-CH" dirty="0" smtClean="0"/>
+              <a:t> </a:t>
+            </a:r>
+            <a:r>
+              <a:rPr lang="de-CH" dirty="0" err="1" smtClean="0"/>
+              <a:t>collection</a:t>
+            </a:r>
+            <a:r>
+              <a:rPr lang="de-CH" dirty="0" smtClean="0"/>
+              <a:t>) </a:t>
+            </a:r>
+            <a:r>
+              <a:rPr lang="de-CH" dirty="0" err="1" smtClean="0"/>
+              <a:t>available</a:t>
+            </a:r>
+            <a:r>
+              <a:rPr lang="de-CH" dirty="0" smtClean="0"/>
+              <a:t> via </a:t>
+            </a:r>
+            <a:r>
+              <a:rPr lang="de-CH" dirty="0" err="1" smtClean="0"/>
+              <a:t>mongotop</a:t>
+            </a:r>
+            <a:endParaRPr lang="de-CH" dirty="0"/>
+          </a:p>
+        </p:txBody>
+      </p:sp>
+    </p:spTree>
+    <p:extLst>
+      <p:ext uri="{BB962C8B-B14F-4D97-AF65-F5344CB8AC3E}">
+        <p14:creationId xmlns:p14="http://schemas.microsoft.com/office/powerpoint/2010/main" val="3309392025"/>
+      </p:ext>
+    </p:extLst>
+  </p:cSld>
+  <p:clrMapOvr>
+    <a:masterClrMapping/>
+  </p:clrMapOvr>
+</p:sld>
+</file>
+
+<file path=ppt/slides/slide34.xml><?xml version="1.0" encoding="utf-8"?>
+<p:sld xmlns:a="http://schemas.openxmlformats.org/drawingml/2006/main" xmlns:r="http://schemas.openxmlformats.org/officeDocument/2006/relationships" xmlns:p="http://schemas.openxmlformats.org/presentationml/2006/main">
+  <p:cSld>
+    <p:spTree>
+      <p:nvGrpSpPr>
+        <p:cNvPr id="1" name=""/>
+        <p:cNvGrpSpPr/>
+        <p:nvPr/>
+      </p:nvGrpSpPr>
+      <p:grpSpPr>
+        <a:xfrm>
+          <a:off x="0" y="0"/>
+          <a:ext cx="0" cy="0"/>
+          <a:chOff x="0" y="0"/>
+          <a:chExt cx="0" cy="0"/>
+        </a:xfrm>
+      </p:grpSpPr>
+      <p:sp>
+        <p:nvSpPr>
+          <p:cNvPr id="2" name="Titel 1"/>
+          <p:cNvSpPr>
+            <a:spLocks noGrp="1"/>
+          </p:cNvSpPr>
+          <p:nvPr>
+            <p:ph type="title"/>
+          </p:nvPr>
+        </p:nvSpPr>
+        <p:spPr/>
+        <p:txBody>
+          <a:bodyPr/>
+          <a:lstStyle/>
+          <a:p>
+            <a:r>
+              <a:rPr lang="de-CH" dirty="0" err="1" smtClean="0"/>
+              <a:t>Literature</a:t>
+            </a:r>
+            <a:endParaRPr lang="de-CH" dirty="0"/>
+          </a:p>
+        </p:txBody>
+      </p:sp>
+      <p:sp>
+        <p:nvSpPr>
+          <p:cNvPr id="3" name="Inhaltsplatzhalter 2"/>
+          <p:cNvSpPr>
+            <a:spLocks noGrp="1"/>
+          </p:cNvSpPr>
+          <p:nvPr>
+            <p:ph idx="1"/>
+          </p:nvPr>
+        </p:nvSpPr>
+        <p:spPr/>
+        <p:txBody>
+          <a:bodyPr/>
+          <a:lstStyle/>
+          <a:p>
+            <a:r>
+              <a:rPr lang="de-CH" b="1" dirty="0" smtClean="0"/>
+              <a:t>Seven Databases in Seven </a:t>
+            </a:r>
+            <a:r>
+              <a:rPr lang="de-CH" b="1" dirty="0" err="1" smtClean="0"/>
+              <a:t>Weeks</a:t>
+            </a:r>
+            <a:r>
+              <a:rPr lang="de-CH" b="1" dirty="0" smtClean="0"/>
+              <a:t>. </a:t>
+            </a:r>
+            <a:r>
+              <a:rPr lang="de-CH" i="1" dirty="0" smtClean="0"/>
+              <a:t>A Guide </a:t>
+            </a:r>
+            <a:r>
+              <a:rPr lang="de-CH" i="1" dirty="0" err="1" smtClean="0"/>
+              <a:t>to</a:t>
+            </a:r>
+            <a:r>
+              <a:rPr lang="de-CH" i="1" dirty="0" smtClean="0"/>
+              <a:t> Modern Databases </a:t>
+            </a:r>
+            <a:r>
+              <a:rPr lang="de-CH" i="1" dirty="0" err="1" smtClean="0"/>
+              <a:t>and</a:t>
+            </a:r>
+            <a:r>
+              <a:rPr lang="de-CH" i="1" dirty="0" smtClean="0"/>
+              <a:t> </a:t>
+            </a:r>
+            <a:r>
+              <a:rPr lang="de-CH" i="1" dirty="0" err="1" smtClean="0"/>
+              <a:t>the</a:t>
+            </a:r>
+            <a:r>
+              <a:rPr lang="de-CH" i="1" dirty="0" smtClean="0"/>
+              <a:t> </a:t>
+            </a:r>
+            <a:r>
+              <a:rPr lang="de-CH" i="1" dirty="0" err="1" smtClean="0"/>
+              <a:t>NoSQL</a:t>
+            </a:r>
+            <a:r>
+              <a:rPr lang="de-CH" i="1" dirty="0" smtClean="0"/>
+              <a:t> Movement</a:t>
+            </a:r>
+            <a:r>
+              <a:rPr lang="de-CH" dirty="0" smtClean="0"/>
+              <a:t>. REDMOND, Eric. WILSON, Jim R. The </a:t>
+            </a:r>
+            <a:r>
+              <a:rPr lang="de-CH" dirty="0" err="1" smtClean="0"/>
+              <a:t>Pragmatic</a:t>
+            </a:r>
+            <a:r>
+              <a:rPr lang="de-CH" dirty="0" smtClean="0"/>
+              <a:t> Bookshelf. Dallas/Raleigh. 2012.</a:t>
+            </a:r>
+            <a:br>
+              <a:rPr lang="de-CH" dirty="0" smtClean="0"/>
+            </a:br>
+            <a:r>
+              <a:rPr lang="de-CH" dirty="0" smtClean="0"/>
+              <a:t>ISBN-13: 978-1-93435-692-0</a:t>
+            </a:r>
+          </a:p>
+          <a:p>
+            <a:endParaRPr lang="de-CH" dirty="0"/>
+          </a:p>
+        </p:txBody>
+      </p:sp>
+    </p:spTree>
+    <p:extLst>
+      <p:ext uri="{BB962C8B-B14F-4D97-AF65-F5344CB8AC3E}">
+        <p14:creationId xmlns:p14="http://schemas.microsoft.com/office/powerpoint/2010/main" val="4143876623"/>
+      </p:ext>
+    </p:extLst>
+  </p:cSld>
+  <p:clrMapOvr>
+    <a:masterClrMapping/>
+  </p:clrMapOvr>
+</p:sld>
+</file>
+
 <file path=ppt/slides/slide4.xml><?xml version="1.0" encoding="utf-8"?>
 <p:sld xmlns:a="http://schemas.openxmlformats.org/drawingml/2006/main" xmlns:r="http://schemas.openxmlformats.org/officeDocument/2006/relationships" xmlns:p="http://schemas.openxmlformats.org/presentationml/2006/main">
   <p:cSld>
@@ -22031,7 +24720,7 @@
         <p:spPr/>
         <p:txBody>
           <a:bodyPr>
-            <a:normAutofit fontScale="92500" lnSpcReduction="10000"/>
+            <a:normAutofit fontScale="92500" lnSpcReduction="20000"/>
           </a:bodyPr>
           <a:lstStyle/>
           <a:p>
@@ -22165,6 +24854,45 @@
             <a:r>
               <a:rPr lang="de-CH" dirty="0" err="1" smtClean="0"/>
               <a:t>drivers</a:t>
+            </a:r>
+            <a:endParaRPr lang="de-CH" dirty="0" smtClean="0"/>
+          </a:p>
+          <a:p>
+            <a:r>
+              <a:rPr lang="de-CH" dirty="0" smtClean="0"/>
+              <a:t>Horizontal </a:t>
+            </a:r>
+            <a:r>
+              <a:rPr lang="de-CH" dirty="0" err="1" smtClean="0"/>
+              <a:t>scaling</a:t>
+            </a:r>
+            <a:r>
+              <a:rPr lang="de-CH" dirty="0" smtClean="0"/>
+              <a:t> out </a:t>
+            </a:r>
+            <a:r>
+              <a:rPr lang="de-CH" dirty="0" err="1" smtClean="0"/>
+              <a:t>of</a:t>
+            </a:r>
+            <a:r>
+              <a:rPr lang="de-CH" dirty="0" smtClean="0"/>
+              <a:t> </a:t>
+            </a:r>
+            <a:r>
+              <a:rPr lang="de-CH" dirty="0" err="1" smtClean="0"/>
+              <a:t>the</a:t>
+            </a:r>
+            <a:r>
+              <a:rPr lang="de-CH" dirty="0" smtClean="0"/>
+              <a:t> box (</a:t>
+            </a:r>
+            <a:r>
+              <a:rPr lang="de-CH" dirty="0" err="1" smtClean="0"/>
+              <a:t>sharding</a:t>
+            </a:r>
+            <a:r>
+              <a:rPr lang="de-CH" smtClean="0"/>
+              <a:t>)</a:t>
             </a:r>
             <a:endParaRPr lang="de-CH" dirty="0" smtClean="0"/>
           </a:p>
@@ -22710,11 +25438,7 @@
             </a:r>
             <a:r>
               <a:rPr lang="de-CH" dirty="0" smtClean="0"/>
-              <a:t> </a:t>
-            </a:r>
-            <a:r>
-              <a:rPr lang="de-CH" dirty="0" smtClean="0"/>
-              <a:t>Transactions, but </a:t>
+              <a:t> Transactions, but </a:t>
             </a:r>
             <a:r>
               <a:rPr lang="de-CH" dirty="0" err="1" smtClean="0"/>

--- a/m101j.pptx
+++ b/m101j.pptx
@@ -56,7 +56,14 @@
     <p:sldId id="304" r:id="rId50"/>
     <p:sldId id="307" r:id="rId51"/>
     <p:sldId id="308" r:id="rId52"/>
-    <p:sldId id="260" r:id="rId53"/>
+    <p:sldId id="309" r:id="rId53"/>
+    <p:sldId id="310" r:id="rId54"/>
+    <p:sldId id="311" r:id="rId55"/>
+    <p:sldId id="312" r:id="rId56"/>
+    <p:sldId id="313" r:id="rId57"/>
+    <p:sldId id="314" r:id="rId58"/>
+    <p:sldId id="315" r:id="rId59"/>
+    <p:sldId id="260" r:id="rId60"/>
   </p:sldIdLst>
   <p:sldSz cx="12192000" cy="6858000"/>
   <p:notesSz cx="6858000" cy="9144000"/>
@@ -3061,7 +3068,7 @@
           <a:p>
             <a:fld id="{3F774295-5635-430C-AB9C-01301D29E634}" type="datetimeFigureOut">
               <a:rPr lang="de-CH" smtClean="0"/>
-              <a:t>17.04.2016</a:t>
+              <a:t>24.04.2016</a:t>
             </a:fld>
             <a:endParaRPr lang="de-CH"/>
           </a:p>
@@ -3231,7 +3238,7 @@
           <a:p>
             <a:fld id="{3F774295-5635-430C-AB9C-01301D29E634}" type="datetimeFigureOut">
               <a:rPr lang="de-CH" smtClean="0"/>
-              <a:t>17.04.2016</a:t>
+              <a:t>24.04.2016</a:t>
             </a:fld>
             <a:endParaRPr lang="de-CH"/>
           </a:p>
@@ -3411,7 +3418,7 @@
           <a:p>
             <a:fld id="{3F774295-5635-430C-AB9C-01301D29E634}" type="datetimeFigureOut">
               <a:rPr lang="de-CH" smtClean="0"/>
-              <a:t>17.04.2016</a:t>
+              <a:t>24.04.2016</a:t>
             </a:fld>
             <a:endParaRPr lang="de-CH"/>
           </a:p>
@@ -3581,7 +3588,7 @@
           <a:p>
             <a:fld id="{3F774295-5635-430C-AB9C-01301D29E634}" type="datetimeFigureOut">
               <a:rPr lang="de-CH" smtClean="0"/>
-              <a:t>17.04.2016</a:t>
+              <a:t>24.04.2016</a:t>
             </a:fld>
             <a:endParaRPr lang="de-CH"/>
           </a:p>
@@ -3827,7 +3834,7 @@
           <a:p>
             <a:fld id="{3F774295-5635-430C-AB9C-01301D29E634}" type="datetimeFigureOut">
               <a:rPr lang="de-CH" smtClean="0"/>
-              <a:t>17.04.2016</a:t>
+              <a:t>24.04.2016</a:t>
             </a:fld>
             <a:endParaRPr lang="de-CH"/>
           </a:p>
@@ -4059,7 +4066,7 @@
           <a:p>
             <a:fld id="{3F774295-5635-430C-AB9C-01301D29E634}" type="datetimeFigureOut">
               <a:rPr lang="de-CH" smtClean="0"/>
-              <a:t>17.04.2016</a:t>
+              <a:t>24.04.2016</a:t>
             </a:fld>
             <a:endParaRPr lang="de-CH"/>
           </a:p>
@@ -4426,7 +4433,7 @@
           <a:p>
             <a:fld id="{3F774295-5635-430C-AB9C-01301D29E634}" type="datetimeFigureOut">
               <a:rPr lang="de-CH" smtClean="0"/>
-              <a:t>17.04.2016</a:t>
+              <a:t>24.04.2016</a:t>
             </a:fld>
             <a:endParaRPr lang="de-CH"/>
           </a:p>
@@ -4544,7 +4551,7 @@
           <a:p>
             <a:fld id="{3F774295-5635-430C-AB9C-01301D29E634}" type="datetimeFigureOut">
               <a:rPr lang="de-CH" smtClean="0"/>
-              <a:t>17.04.2016</a:t>
+              <a:t>24.04.2016</a:t>
             </a:fld>
             <a:endParaRPr lang="de-CH"/>
           </a:p>
@@ -4639,7 +4646,7 @@
           <a:p>
             <a:fld id="{3F774295-5635-430C-AB9C-01301D29E634}" type="datetimeFigureOut">
               <a:rPr lang="de-CH" smtClean="0"/>
-              <a:t>17.04.2016</a:t>
+              <a:t>24.04.2016</a:t>
             </a:fld>
             <a:endParaRPr lang="de-CH"/>
           </a:p>
@@ -4916,7 +4923,7 @@
           <a:p>
             <a:fld id="{3F774295-5635-430C-AB9C-01301D29E634}" type="datetimeFigureOut">
               <a:rPr lang="de-CH" smtClean="0"/>
-              <a:t>17.04.2016</a:t>
+              <a:t>24.04.2016</a:t>
             </a:fld>
             <a:endParaRPr lang="de-CH"/>
           </a:p>
@@ -5169,7 +5176,7 @@
           <a:p>
             <a:fld id="{3F774295-5635-430C-AB9C-01301D29E634}" type="datetimeFigureOut">
               <a:rPr lang="de-CH" smtClean="0"/>
-              <a:t>17.04.2016</a:t>
+              <a:t>24.04.2016</a:t>
             </a:fld>
             <a:endParaRPr lang="de-CH"/>
           </a:p>
@@ -5382,7 +5389,7 @@
           <a:p>
             <a:fld id="{3F774295-5635-430C-AB9C-01301D29E634}" type="datetimeFigureOut">
               <a:rPr lang="de-CH" smtClean="0"/>
-              <a:t>17.04.2016</a:t>
+              <a:t>24.04.2016</a:t>
             </a:fld>
             <a:endParaRPr lang="de-CH"/>
           </a:p>
@@ -33877,6 +33884,4272 @@
           <a:lstStyle/>
           <a:p>
             <a:r>
+              <a:rPr lang="de-CH" dirty="0" smtClean="0"/>
+              <a:t>Fault </a:t>
+            </a:r>
+            <a:r>
+              <a:rPr lang="de-CH" dirty="0" err="1" smtClean="0"/>
+              <a:t>Tolerance</a:t>
+            </a:r>
+            <a:endParaRPr lang="de-CH" dirty="0"/>
+          </a:p>
+        </p:txBody>
+      </p:sp>
+      <p:sp>
+        <p:nvSpPr>
+          <p:cNvPr id="3" name="Inhaltsplatzhalter 2"/>
+          <p:cNvSpPr>
+            <a:spLocks noGrp="1"/>
+          </p:cNvSpPr>
+          <p:nvPr>
+            <p:ph idx="1"/>
+          </p:nvPr>
+        </p:nvSpPr>
+        <p:spPr/>
+        <p:txBody>
+          <a:bodyPr/>
+          <a:lstStyle/>
+          <a:p>
+            <a:r>
+              <a:rPr lang="de-CH" dirty="0" smtClean="0"/>
+              <a:t>Write </a:t>
+            </a:r>
+            <a:r>
+              <a:rPr lang="de-CH" dirty="0" err="1" smtClean="0"/>
+              <a:t>Concern</a:t>
+            </a:r>
+            <a:r>
+              <a:rPr lang="de-CH" dirty="0" smtClean="0"/>
+              <a:t>: Data &amp; Journal </a:t>
+            </a:r>
+            <a:r>
+              <a:rPr lang="de-CH" dirty="0" err="1" smtClean="0"/>
+              <a:t>are</a:t>
+            </a:r>
+            <a:r>
+              <a:rPr lang="de-CH" dirty="0" smtClean="0"/>
+              <a:t> </a:t>
+            </a:r>
+            <a:r>
+              <a:rPr lang="de-CH" dirty="0" err="1" smtClean="0"/>
+              <a:t>written</a:t>
+            </a:r>
+            <a:r>
+              <a:rPr lang="de-CH" dirty="0" smtClean="0"/>
+              <a:t> </a:t>
+            </a:r>
+            <a:r>
+              <a:rPr lang="de-CH" dirty="0" err="1" smtClean="0"/>
+              <a:t>to</a:t>
+            </a:r>
+            <a:r>
+              <a:rPr lang="de-CH" dirty="0" smtClean="0"/>
+              <a:t> </a:t>
+            </a:r>
+            <a:r>
+              <a:rPr lang="de-CH" dirty="0" err="1" smtClean="0"/>
+              <a:t>memory</a:t>
+            </a:r>
+            <a:r>
+              <a:rPr lang="de-CH" dirty="0" smtClean="0"/>
+              <a:t> </a:t>
+            </a:r>
+            <a:r>
+              <a:rPr lang="de-CH" dirty="0" err="1" smtClean="0"/>
+              <a:t>and</a:t>
+            </a:r>
+            <a:r>
+              <a:rPr lang="de-CH" dirty="0" smtClean="0"/>
+              <a:t> </a:t>
+            </a:r>
+            <a:r>
+              <a:rPr lang="de-CH" dirty="0" err="1" smtClean="0"/>
+              <a:t>periodically</a:t>
+            </a:r>
+            <a:r>
+              <a:rPr lang="de-CH" dirty="0" smtClean="0"/>
+              <a:t> </a:t>
+            </a:r>
+            <a:r>
+              <a:rPr lang="de-CH" dirty="0" err="1" smtClean="0"/>
+              <a:t>to</a:t>
+            </a:r>
+            <a:r>
+              <a:rPr lang="de-CH" dirty="0" smtClean="0"/>
+              <a:t> </a:t>
+            </a:r>
+            <a:r>
+              <a:rPr lang="de-CH" dirty="0" err="1" smtClean="0"/>
+              <a:t>disk</a:t>
+            </a:r>
+            <a:r>
+              <a:rPr lang="de-CH" dirty="0" smtClean="0"/>
+              <a:t>. </a:t>
+            </a:r>
+            <a:r>
+              <a:rPr lang="de-CH" dirty="0" err="1" smtClean="0"/>
+              <a:t>If</a:t>
+            </a:r>
+            <a:r>
+              <a:rPr lang="de-CH" dirty="0" smtClean="0"/>
+              <a:t> </a:t>
+            </a:r>
+            <a:r>
+              <a:rPr lang="de-CH" dirty="0" err="1" smtClean="0"/>
+              <a:t>the</a:t>
+            </a:r>
+            <a:r>
+              <a:rPr lang="de-CH" dirty="0" smtClean="0"/>
+              <a:t> </a:t>
+            </a:r>
+            <a:r>
+              <a:rPr lang="de-CH" dirty="0" err="1" smtClean="0"/>
+              <a:t>server</a:t>
+            </a:r>
+            <a:r>
+              <a:rPr lang="de-CH" dirty="0" smtClean="0"/>
+              <a:t> </a:t>
+            </a:r>
+            <a:r>
+              <a:rPr lang="de-CH" dirty="0" err="1" smtClean="0"/>
+              <a:t>crashes</a:t>
+            </a:r>
+            <a:r>
+              <a:rPr lang="de-CH" dirty="0" smtClean="0"/>
+              <a:t>, </a:t>
+            </a:r>
+            <a:r>
+              <a:rPr lang="de-CH" dirty="0" err="1" smtClean="0"/>
+              <a:t>data</a:t>
+            </a:r>
+            <a:r>
+              <a:rPr lang="de-CH" dirty="0" smtClean="0"/>
+              <a:t> </a:t>
+            </a:r>
+            <a:r>
+              <a:rPr lang="de-CH" dirty="0" err="1" smtClean="0"/>
+              <a:t>might</a:t>
+            </a:r>
+            <a:r>
+              <a:rPr lang="de-CH" dirty="0" smtClean="0"/>
+              <a:t> </a:t>
+            </a:r>
+            <a:r>
+              <a:rPr lang="de-CH" dirty="0" err="1" smtClean="0"/>
+              <a:t>be</a:t>
+            </a:r>
+            <a:r>
+              <a:rPr lang="de-CH" dirty="0" smtClean="0"/>
+              <a:t> lost</a:t>
+            </a:r>
+          </a:p>
+          <a:p>
+            <a:pPr lvl="1"/>
+            <a:r>
+              <a:rPr lang="de-CH" dirty="0" smtClean="0"/>
+              <a:t>W: </a:t>
+            </a:r>
+            <a:r>
+              <a:rPr lang="de-CH" dirty="0" err="1" smtClean="0"/>
+              <a:t>wait</a:t>
+            </a:r>
+            <a:r>
+              <a:rPr lang="de-CH" dirty="0" smtClean="0"/>
+              <a:t> (</a:t>
+            </a:r>
+            <a:r>
+              <a:rPr lang="de-CH" dirty="0" err="1" smtClean="0"/>
+              <a:t>default</a:t>
+            </a:r>
+            <a:r>
+              <a:rPr lang="de-CH" dirty="0" smtClean="0"/>
+              <a:t>=1=</a:t>
+            </a:r>
+            <a:r>
+              <a:rPr lang="de-CH" dirty="0" err="1" smtClean="0"/>
+              <a:t>only</a:t>
+            </a:r>
+            <a:r>
+              <a:rPr lang="de-CH" dirty="0" smtClean="0"/>
+              <a:t> </a:t>
+            </a:r>
+            <a:r>
+              <a:rPr lang="de-CH" dirty="0" err="1" smtClean="0"/>
+              <a:t>primary</a:t>
+            </a:r>
+            <a:r>
+              <a:rPr lang="de-CH" dirty="0" smtClean="0"/>
+              <a:t>): </a:t>
+            </a:r>
+            <a:r>
+              <a:rPr lang="de-CH" dirty="0" err="1" smtClean="0"/>
+              <a:t>Refers</a:t>
+            </a:r>
+            <a:r>
+              <a:rPr lang="de-CH" dirty="0" smtClean="0"/>
+              <a:t> </a:t>
+            </a:r>
+            <a:r>
+              <a:rPr lang="de-CH" dirty="0" err="1" smtClean="0"/>
+              <a:t>to</a:t>
+            </a:r>
+            <a:r>
+              <a:rPr lang="de-CH" dirty="0" smtClean="0"/>
+              <a:t> </a:t>
+            </a:r>
+            <a:r>
+              <a:rPr lang="de-CH" dirty="0" err="1" smtClean="0"/>
+              <a:t>number</a:t>
+            </a:r>
+            <a:r>
+              <a:rPr lang="de-CH" dirty="0" smtClean="0"/>
+              <a:t> </a:t>
+            </a:r>
+            <a:r>
+              <a:rPr lang="de-CH" dirty="0" err="1" smtClean="0"/>
+              <a:t>of</a:t>
+            </a:r>
+            <a:r>
+              <a:rPr lang="de-CH" dirty="0" smtClean="0"/>
+              <a:t> </a:t>
+            </a:r>
+            <a:r>
+              <a:rPr lang="de-CH" dirty="0" err="1" smtClean="0"/>
+              <a:t>server</a:t>
+            </a:r>
+            <a:r>
+              <a:rPr lang="de-CH" dirty="0" smtClean="0"/>
+              <a:t> </a:t>
+            </a:r>
+            <a:r>
+              <a:rPr lang="de-CH" dirty="0" smtClean="0"/>
+              <a:t>s in </a:t>
+            </a:r>
+            <a:r>
+              <a:rPr lang="de-CH" dirty="0" err="1" smtClean="0"/>
+              <a:t>replica</a:t>
+            </a:r>
+            <a:r>
+              <a:rPr lang="de-CH" dirty="0" smtClean="0"/>
+              <a:t> </a:t>
+            </a:r>
+            <a:r>
+              <a:rPr lang="de-CH" dirty="0" err="1" smtClean="0"/>
+              <a:t>set</a:t>
+            </a:r>
+            <a:r>
+              <a:rPr lang="de-CH" dirty="0" smtClean="0"/>
+              <a:t> </a:t>
+            </a:r>
+            <a:r>
+              <a:rPr lang="de-CH" dirty="0" err="1" smtClean="0"/>
+              <a:t>to</a:t>
+            </a:r>
+            <a:r>
+              <a:rPr lang="de-CH" dirty="0" smtClean="0"/>
+              <a:t> </a:t>
+            </a:r>
+            <a:r>
+              <a:rPr lang="de-CH" dirty="0" err="1" smtClean="0"/>
+              <a:t>acknowledge</a:t>
+            </a:r>
+            <a:r>
+              <a:rPr lang="de-CH" dirty="0" smtClean="0"/>
+              <a:t> an </a:t>
+            </a:r>
+            <a:r>
+              <a:rPr lang="de-CH" dirty="0" err="1" smtClean="0"/>
+              <a:t>operation</a:t>
+            </a:r>
+            <a:endParaRPr lang="de-CH" dirty="0" smtClean="0"/>
+          </a:p>
+          <a:p>
+            <a:pPr lvl="1"/>
+            <a:r>
+              <a:rPr lang="de-CH" dirty="0" smtClean="0"/>
+              <a:t>J: Journal (Default=</a:t>
+            </a:r>
+            <a:r>
+              <a:rPr lang="de-CH" dirty="0" err="1" smtClean="0"/>
+              <a:t>false</a:t>
+            </a:r>
+            <a:r>
+              <a:rPr lang="de-CH" dirty="0" smtClean="0"/>
+              <a:t>): </a:t>
+            </a:r>
+            <a:r>
+              <a:rPr lang="de-CH" dirty="0" err="1" smtClean="0"/>
+              <a:t>Refers</a:t>
+            </a:r>
+            <a:r>
+              <a:rPr lang="de-CH" dirty="0" smtClean="0"/>
+              <a:t> </a:t>
+            </a:r>
+            <a:r>
+              <a:rPr lang="de-CH" dirty="0" err="1" smtClean="0"/>
+              <a:t>to</a:t>
+            </a:r>
+            <a:r>
+              <a:rPr lang="de-CH" dirty="0" smtClean="0"/>
+              <a:t> </a:t>
+            </a:r>
+            <a:r>
+              <a:rPr lang="de-CH" dirty="0" err="1" smtClean="0"/>
+              <a:t>whether</a:t>
+            </a:r>
+            <a:r>
+              <a:rPr lang="de-CH" dirty="0" smtClean="0"/>
+              <a:t> </a:t>
+            </a:r>
+            <a:r>
+              <a:rPr lang="de-CH" dirty="0" err="1" smtClean="0"/>
+              <a:t>the</a:t>
+            </a:r>
+            <a:r>
+              <a:rPr lang="de-CH" dirty="0" smtClean="0"/>
+              <a:t> </a:t>
+            </a:r>
+            <a:r>
+              <a:rPr lang="de-CH" dirty="0" err="1" smtClean="0"/>
+              <a:t>journal</a:t>
+            </a:r>
+            <a:r>
+              <a:rPr lang="de-CH" dirty="0" smtClean="0"/>
+              <a:t> </a:t>
+            </a:r>
+            <a:r>
+              <a:rPr lang="de-CH" dirty="0" err="1" smtClean="0"/>
+              <a:t>is</a:t>
+            </a:r>
+            <a:r>
+              <a:rPr lang="de-CH" dirty="0" smtClean="0"/>
+              <a:t> </a:t>
+            </a:r>
+            <a:r>
+              <a:rPr lang="de-CH" dirty="0" err="1" smtClean="0"/>
+              <a:t>written</a:t>
+            </a:r>
+            <a:r>
+              <a:rPr lang="de-CH" dirty="0" smtClean="0"/>
+              <a:t> </a:t>
+            </a:r>
+            <a:r>
+              <a:rPr lang="de-CH" dirty="0" err="1" smtClean="0"/>
+              <a:t>to</a:t>
+            </a:r>
+            <a:r>
+              <a:rPr lang="de-CH" dirty="0" smtClean="0"/>
+              <a:t> </a:t>
+            </a:r>
+            <a:r>
+              <a:rPr lang="de-CH" dirty="0" err="1" smtClean="0"/>
+              <a:t>disk</a:t>
+            </a:r>
+            <a:r>
+              <a:rPr lang="de-CH" dirty="0" smtClean="0"/>
+              <a:t> in </a:t>
+            </a:r>
+            <a:r>
+              <a:rPr lang="de-CH" dirty="0" err="1" smtClean="0"/>
+              <a:t>order</a:t>
+            </a:r>
+            <a:r>
+              <a:rPr lang="de-CH" dirty="0" smtClean="0"/>
+              <a:t> </a:t>
+            </a:r>
+            <a:r>
+              <a:rPr lang="de-CH" dirty="0" err="1" smtClean="0"/>
+              <a:t>to</a:t>
+            </a:r>
+            <a:r>
+              <a:rPr lang="de-CH" dirty="0" smtClean="0"/>
+              <a:t> </a:t>
+            </a:r>
+            <a:r>
+              <a:rPr lang="de-CH" dirty="0" err="1" smtClean="0"/>
+              <a:t>acknowledge</a:t>
+            </a:r>
+            <a:r>
+              <a:rPr lang="de-CH" dirty="0" smtClean="0"/>
+              <a:t> an </a:t>
+            </a:r>
+            <a:r>
+              <a:rPr lang="de-CH" dirty="0" err="1" smtClean="0"/>
+              <a:t>operation</a:t>
+            </a:r>
+            <a:r>
+              <a:rPr lang="de-CH" dirty="0" smtClean="0"/>
+              <a:t>. </a:t>
+            </a:r>
+            <a:r>
+              <a:rPr lang="de-CH" dirty="0" err="1" smtClean="0"/>
+              <a:t>if</a:t>
+            </a:r>
+            <a:r>
+              <a:rPr lang="de-CH" dirty="0" smtClean="0"/>
+              <a:t> </a:t>
+            </a:r>
+            <a:r>
+              <a:rPr lang="de-CH" dirty="0" err="1" smtClean="0"/>
+              <a:t>true</a:t>
+            </a:r>
+            <a:r>
+              <a:rPr lang="de-CH" dirty="0" smtClean="0"/>
+              <a:t> </a:t>
+            </a:r>
+            <a:r>
+              <a:rPr lang="de-CH" dirty="0" smtClean="0">
+                <a:sym typeface="Wingdings" panose="05000000000000000000" pitchFamily="2" charset="2"/>
+              </a:rPr>
+              <a:t> </a:t>
+            </a:r>
+            <a:r>
+              <a:rPr lang="de-CH" dirty="0" err="1" smtClean="0">
+                <a:sym typeface="Wingdings" panose="05000000000000000000" pitchFamily="2" charset="2"/>
+              </a:rPr>
+              <a:t>slow</a:t>
+            </a:r>
+            <a:r>
+              <a:rPr lang="de-CH" dirty="0" smtClean="0">
+                <a:sym typeface="Wingdings" panose="05000000000000000000" pitchFamily="2" charset="2"/>
+              </a:rPr>
+              <a:t> </a:t>
+            </a:r>
+            <a:r>
+              <a:rPr lang="de-CH" dirty="0" err="1" smtClean="0">
+                <a:sym typeface="Wingdings" panose="05000000000000000000" pitchFamily="2" charset="2"/>
+              </a:rPr>
+              <a:t>write</a:t>
+            </a:r>
+            <a:r>
+              <a:rPr lang="de-CH" dirty="0" smtClean="0">
+                <a:sym typeface="Wingdings" panose="05000000000000000000" pitchFamily="2" charset="2"/>
+              </a:rPr>
+              <a:t> </a:t>
+            </a:r>
+            <a:r>
+              <a:rPr lang="de-CH" dirty="0" err="1" smtClean="0">
+                <a:sym typeface="Wingdings" panose="05000000000000000000" pitchFamily="2" charset="2"/>
+              </a:rPr>
+              <a:t>performance</a:t>
+            </a:r>
+            <a:endParaRPr lang="de-CH" dirty="0" smtClean="0">
+              <a:sym typeface="Wingdings" panose="05000000000000000000" pitchFamily="2" charset="2"/>
+            </a:endParaRPr>
+          </a:p>
+          <a:p>
+            <a:r>
+              <a:rPr lang="de-CH" dirty="0" smtClean="0">
+                <a:sym typeface="Wingdings" panose="05000000000000000000" pitchFamily="2" charset="2"/>
+              </a:rPr>
+              <a:t>Network </a:t>
+            </a:r>
+            <a:r>
+              <a:rPr lang="de-CH" dirty="0" err="1" smtClean="0">
+                <a:sym typeface="Wingdings" panose="05000000000000000000" pitchFamily="2" charset="2"/>
+              </a:rPr>
+              <a:t>errors</a:t>
+            </a:r>
+            <a:r>
+              <a:rPr lang="de-CH" dirty="0" smtClean="0">
+                <a:sym typeface="Wingdings" panose="05000000000000000000" pitchFamily="2" charset="2"/>
+              </a:rPr>
+              <a:t>: </a:t>
+            </a:r>
+            <a:r>
+              <a:rPr lang="de-CH" dirty="0" err="1" smtClean="0">
+                <a:sym typeface="Wingdings" panose="05000000000000000000" pitchFamily="2" charset="2"/>
+              </a:rPr>
+              <a:t>acknowledgements</a:t>
+            </a:r>
+            <a:r>
+              <a:rPr lang="de-CH" dirty="0" smtClean="0">
+                <a:sym typeface="Wingdings" panose="05000000000000000000" pitchFamily="2" charset="2"/>
+              </a:rPr>
+              <a:t> </a:t>
+            </a:r>
+            <a:r>
+              <a:rPr lang="de-CH" dirty="0" err="1" smtClean="0">
+                <a:sym typeface="Wingdings" panose="05000000000000000000" pitchFamily="2" charset="2"/>
+              </a:rPr>
+              <a:t>are</a:t>
+            </a:r>
+            <a:r>
+              <a:rPr lang="de-CH" dirty="0" smtClean="0">
+                <a:sym typeface="Wingdings" panose="05000000000000000000" pitchFamily="2" charset="2"/>
+              </a:rPr>
+              <a:t> not </a:t>
+            </a:r>
+            <a:r>
+              <a:rPr lang="de-CH" dirty="0" err="1" smtClean="0">
+                <a:sym typeface="Wingdings" panose="05000000000000000000" pitchFamily="2" charset="2"/>
+              </a:rPr>
+              <a:t>received</a:t>
+            </a:r>
+            <a:endParaRPr lang="de-CH" dirty="0" smtClean="0">
+              <a:sym typeface="Wingdings" panose="05000000000000000000" pitchFamily="2" charset="2"/>
+            </a:endParaRPr>
+          </a:p>
+          <a:p>
+            <a:pPr lvl="1"/>
+            <a:r>
+              <a:rPr lang="de-CH" dirty="0" err="1" smtClean="0">
+                <a:sym typeface="Wingdings" panose="05000000000000000000" pitchFamily="2" charset="2"/>
+              </a:rPr>
+              <a:t>No</a:t>
+            </a:r>
+            <a:r>
+              <a:rPr lang="de-CH" dirty="0" smtClean="0">
+                <a:sym typeface="Wingdings" panose="05000000000000000000" pitchFamily="2" charset="2"/>
+              </a:rPr>
+              <a:t> </a:t>
+            </a:r>
+            <a:r>
+              <a:rPr lang="de-CH" dirty="0" err="1" smtClean="0">
+                <a:sym typeface="Wingdings" panose="05000000000000000000" pitchFamily="2" charset="2"/>
+              </a:rPr>
+              <a:t>built</a:t>
+            </a:r>
+            <a:r>
+              <a:rPr lang="de-CH" dirty="0" smtClean="0">
+                <a:sym typeface="Wingdings" panose="05000000000000000000" pitchFamily="2" charset="2"/>
+              </a:rPr>
+              <a:t>-in </a:t>
+            </a:r>
+            <a:r>
+              <a:rPr lang="de-CH" dirty="0" err="1" smtClean="0">
+                <a:sym typeface="Wingdings" panose="05000000000000000000" pitchFamily="2" charset="2"/>
+              </a:rPr>
+              <a:t>mitigation</a:t>
+            </a:r>
+            <a:r>
+              <a:rPr lang="de-CH" dirty="0" smtClean="0">
+                <a:sym typeface="Wingdings" panose="05000000000000000000" pitchFamily="2" charset="2"/>
+              </a:rPr>
+              <a:t>. </a:t>
+            </a:r>
+            <a:r>
+              <a:rPr lang="de-CH" dirty="0" err="1" smtClean="0">
+                <a:sym typeface="Wingdings" panose="05000000000000000000" pitchFamily="2" charset="2"/>
+              </a:rPr>
+              <a:t>Possible</a:t>
+            </a:r>
+            <a:r>
+              <a:rPr lang="de-CH" dirty="0" smtClean="0">
+                <a:sym typeface="Wingdings" panose="05000000000000000000" pitchFamily="2" charset="2"/>
+              </a:rPr>
+              <a:t> </a:t>
+            </a:r>
+            <a:r>
+              <a:rPr lang="de-CH" dirty="0" err="1" smtClean="0">
+                <a:sym typeface="Wingdings" panose="05000000000000000000" pitchFamily="2" charset="2"/>
+              </a:rPr>
+              <a:t>solution</a:t>
+            </a:r>
+            <a:r>
+              <a:rPr lang="de-CH" dirty="0" smtClean="0">
+                <a:sym typeface="Wingdings" panose="05000000000000000000" pitchFamily="2" charset="2"/>
+              </a:rPr>
+              <a:t>: Turn </a:t>
+            </a:r>
+            <a:r>
+              <a:rPr lang="de-CH" dirty="0" err="1" smtClean="0">
+                <a:sym typeface="Wingdings" panose="05000000000000000000" pitchFamily="2" charset="2"/>
+              </a:rPr>
+              <a:t>updates</a:t>
+            </a:r>
+            <a:r>
+              <a:rPr lang="de-CH" dirty="0" smtClean="0">
+                <a:sym typeface="Wingdings" panose="05000000000000000000" pitchFamily="2" charset="2"/>
+              </a:rPr>
+              <a:t> </a:t>
+            </a:r>
+            <a:r>
+              <a:rPr lang="de-CH" dirty="0" err="1" smtClean="0">
+                <a:sym typeface="Wingdings" panose="05000000000000000000" pitchFamily="2" charset="2"/>
+              </a:rPr>
+              <a:t>into</a:t>
+            </a:r>
+            <a:r>
+              <a:rPr lang="de-CH" dirty="0" smtClean="0">
+                <a:sym typeface="Wingdings" panose="05000000000000000000" pitchFamily="2" charset="2"/>
+              </a:rPr>
+              <a:t> (</a:t>
+            </a:r>
+            <a:r>
+              <a:rPr lang="de-CH" dirty="0" err="1" smtClean="0">
+                <a:sym typeface="Wingdings" panose="05000000000000000000" pitchFamily="2" charset="2"/>
+              </a:rPr>
+              <a:t>idempotent</a:t>
+            </a:r>
+            <a:r>
+              <a:rPr lang="de-CH" dirty="0" smtClean="0">
+                <a:sym typeface="Wingdings" panose="05000000000000000000" pitchFamily="2" charset="2"/>
+              </a:rPr>
+              <a:t>) </a:t>
+            </a:r>
+            <a:r>
+              <a:rPr lang="de-CH" dirty="0" err="1" smtClean="0">
+                <a:sym typeface="Wingdings" panose="05000000000000000000" pitchFamily="2" charset="2"/>
+              </a:rPr>
+              <a:t>inserts</a:t>
+            </a:r>
+            <a:endParaRPr lang="de-CH" dirty="0"/>
+          </a:p>
+        </p:txBody>
+      </p:sp>
+    </p:spTree>
+    <p:extLst>
+      <p:ext uri="{BB962C8B-B14F-4D97-AF65-F5344CB8AC3E}">
+        <p14:creationId xmlns:p14="http://schemas.microsoft.com/office/powerpoint/2010/main" val="4019456872"/>
+      </p:ext>
+    </p:extLst>
+  </p:cSld>
+  <p:clrMapOvr>
+    <a:masterClrMapping/>
+  </p:clrMapOvr>
+</p:sld>
+</file>
+
+<file path=ppt/slides/slide53.xml><?xml version="1.0" encoding="utf-8"?>
+<p:sld xmlns:a="http://schemas.openxmlformats.org/drawingml/2006/main" xmlns:r="http://schemas.openxmlformats.org/officeDocument/2006/relationships" xmlns:p="http://schemas.openxmlformats.org/presentationml/2006/main">
+  <p:cSld>
+    <p:spTree>
+      <p:nvGrpSpPr>
+        <p:cNvPr id="1" name=""/>
+        <p:cNvGrpSpPr/>
+        <p:nvPr/>
+      </p:nvGrpSpPr>
+      <p:grpSpPr>
+        <a:xfrm>
+          <a:off x="0" y="0"/>
+          <a:ext cx="0" cy="0"/>
+          <a:chOff x="0" y="0"/>
+          <a:chExt cx="0" cy="0"/>
+        </a:xfrm>
+      </p:grpSpPr>
+      <p:sp>
+        <p:nvSpPr>
+          <p:cNvPr id="2" name="Titel 1"/>
+          <p:cNvSpPr>
+            <a:spLocks noGrp="1"/>
+          </p:cNvSpPr>
+          <p:nvPr>
+            <p:ph type="title"/>
+          </p:nvPr>
+        </p:nvSpPr>
+        <p:spPr/>
+        <p:txBody>
+          <a:bodyPr/>
+          <a:lstStyle/>
+          <a:p>
+            <a:r>
+              <a:rPr lang="de-CH" dirty="0" smtClean="0"/>
+              <a:t>Data </a:t>
+            </a:r>
+            <a:r>
+              <a:rPr lang="de-CH" dirty="0" smtClean="0"/>
+              <a:t>Replication (</a:t>
+            </a:r>
+            <a:r>
+              <a:rPr lang="de-CH" dirty="0" err="1" smtClean="0"/>
+              <a:t>scaling</a:t>
+            </a:r>
+            <a:r>
+              <a:rPr lang="de-CH" dirty="0" smtClean="0"/>
+              <a:t> </a:t>
+            </a:r>
+            <a:r>
+              <a:rPr lang="de-CH" dirty="0" err="1" smtClean="0"/>
+              <a:t>up</a:t>
+            </a:r>
+            <a:r>
+              <a:rPr lang="de-CH" dirty="0" smtClean="0"/>
+              <a:t>)</a:t>
+            </a:r>
+            <a:endParaRPr lang="de-CH" dirty="0"/>
+          </a:p>
+        </p:txBody>
+      </p:sp>
+      <p:sp>
+        <p:nvSpPr>
+          <p:cNvPr id="3" name="Inhaltsplatzhalter 2"/>
+          <p:cNvSpPr>
+            <a:spLocks noGrp="1"/>
+          </p:cNvSpPr>
+          <p:nvPr>
+            <p:ph idx="1"/>
+          </p:nvPr>
+        </p:nvSpPr>
+        <p:spPr/>
+        <p:txBody>
+          <a:bodyPr>
+            <a:normAutofit fontScale="70000" lnSpcReduction="20000"/>
+          </a:bodyPr>
+          <a:lstStyle/>
+          <a:p>
+            <a:r>
+              <a:rPr lang="de-CH" dirty="0" err="1" smtClean="0"/>
+              <a:t>Node</a:t>
+            </a:r>
+            <a:r>
+              <a:rPr lang="de-CH" dirty="0" smtClean="0"/>
+              <a:t> </a:t>
+            </a:r>
+            <a:r>
+              <a:rPr lang="de-CH" dirty="0" err="1" smtClean="0"/>
+              <a:t>types</a:t>
+            </a:r>
+            <a:r>
+              <a:rPr lang="de-CH" dirty="0" smtClean="0"/>
+              <a:t> in </a:t>
+            </a:r>
+            <a:r>
+              <a:rPr lang="de-CH" dirty="0" err="1" smtClean="0"/>
+              <a:t>replica</a:t>
+            </a:r>
+            <a:r>
+              <a:rPr lang="de-CH" dirty="0" smtClean="0"/>
+              <a:t> </a:t>
+            </a:r>
+            <a:r>
+              <a:rPr lang="de-CH" dirty="0" err="1" smtClean="0"/>
+              <a:t>set</a:t>
+            </a:r>
+            <a:endParaRPr lang="de-CH" dirty="0" smtClean="0"/>
+          </a:p>
+          <a:p>
+            <a:pPr lvl="1"/>
+            <a:r>
+              <a:rPr lang="de-CH" dirty="0" smtClean="0"/>
+              <a:t>Regular: </a:t>
+            </a:r>
+            <a:r>
+              <a:rPr lang="de-CH" dirty="0" err="1" smtClean="0"/>
+              <a:t>holds</a:t>
+            </a:r>
+            <a:r>
+              <a:rPr lang="de-CH" dirty="0" smtClean="0"/>
+              <a:t> </a:t>
+            </a:r>
+            <a:r>
+              <a:rPr lang="de-CH" dirty="0" err="1" smtClean="0"/>
+              <a:t>data</a:t>
+            </a:r>
+            <a:r>
+              <a:rPr lang="de-CH" dirty="0" smtClean="0"/>
+              <a:t>, </a:t>
+            </a:r>
+            <a:r>
+              <a:rPr lang="de-CH" dirty="0" err="1" smtClean="0"/>
+              <a:t>can</a:t>
+            </a:r>
+            <a:r>
+              <a:rPr lang="de-CH" dirty="0" smtClean="0"/>
+              <a:t> </a:t>
+            </a:r>
+            <a:r>
+              <a:rPr lang="de-CH" dirty="0" err="1" smtClean="0"/>
+              <a:t>be</a:t>
+            </a:r>
+            <a:r>
+              <a:rPr lang="de-CH" dirty="0" smtClean="0"/>
+              <a:t> </a:t>
+            </a:r>
+            <a:r>
+              <a:rPr lang="de-CH" dirty="0" err="1" smtClean="0"/>
+              <a:t>primary</a:t>
+            </a:r>
+            <a:r>
+              <a:rPr lang="de-CH" dirty="0" smtClean="0"/>
+              <a:t> </a:t>
+            </a:r>
+            <a:r>
+              <a:rPr lang="de-CH" dirty="0" err="1" smtClean="0"/>
+              <a:t>or</a:t>
+            </a:r>
+            <a:r>
+              <a:rPr lang="de-CH" dirty="0" smtClean="0"/>
+              <a:t> </a:t>
+            </a:r>
+            <a:r>
+              <a:rPr lang="de-CH" dirty="0" err="1" smtClean="0"/>
+              <a:t>secondary</a:t>
+            </a:r>
+            <a:r>
+              <a:rPr lang="de-CH" dirty="0" smtClean="0"/>
+              <a:t>, </a:t>
+            </a:r>
+            <a:r>
+              <a:rPr lang="de-CH" dirty="0" err="1" smtClean="0"/>
+              <a:t>can</a:t>
+            </a:r>
+            <a:r>
+              <a:rPr lang="de-CH" dirty="0" smtClean="0"/>
+              <a:t> </a:t>
+            </a:r>
+            <a:r>
+              <a:rPr lang="de-CH" dirty="0" err="1" smtClean="0"/>
+              <a:t>vote</a:t>
+            </a:r>
+            <a:endParaRPr lang="de-CH" dirty="0" smtClean="0"/>
+          </a:p>
+          <a:p>
+            <a:pPr lvl="1"/>
+            <a:r>
+              <a:rPr lang="de-CH" dirty="0" err="1" smtClean="0"/>
+              <a:t>Arbiter</a:t>
+            </a:r>
+            <a:r>
+              <a:rPr lang="de-CH" dirty="0" smtClean="0"/>
+              <a:t>: </a:t>
+            </a:r>
+            <a:r>
+              <a:rPr lang="de-CH" dirty="0" err="1" smtClean="0"/>
+              <a:t>no</a:t>
+            </a:r>
+            <a:r>
+              <a:rPr lang="de-CH" dirty="0" smtClean="0"/>
+              <a:t> </a:t>
+            </a:r>
+            <a:r>
+              <a:rPr lang="de-CH" dirty="0" err="1" smtClean="0"/>
+              <a:t>data</a:t>
+            </a:r>
+            <a:r>
+              <a:rPr lang="de-CH" dirty="0" smtClean="0"/>
+              <a:t>, </a:t>
+            </a:r>
+            <a:r>
+              <a:rPr lang="de-CH" dirty="0" err="1" smtClean="0"/>
+              <a:t>only</a:t>
+            </a:r>
+            <a:r>
+              <a:rPr lang="de-CH" dirty="0" smtClean="0"/>
+              <a:t> </a:t>
+            </a:r>
+            <a:r>
+              <a:rPr lang="de-CH" dirty="0" err="1" smtClean="0"/>
+              <a:t>for</a:t>
+            </a:r>
+            <a:r>
+              <a:rPr lang="de-CH" dirty="0" smtClean="0"/>
+              <a:t> </a:t>
+            </a:r>
+            <a:r>
+              <a:rPr lang="de-CH" dirty="0" err="1" smtClean="0"/>
+              <a:t>voting</a:t>
+            </a:r>
+            <a:endParaRPr lang="de-CH" dirty="0" smtClean="0"/>
+          </a:p>
+          <a:p>
+            <a:pPr lvl="1"/>
+            <a:r>
+              <a:rPr lang="de-CH" dirty="0" err="1" smtClean="0"/>
+              <a:t>Delayed</a:t>
+            </a:r>
+            <a:r>
+              <a:rPr lang="de-CH" dirty="0" smtClean="0"/>
+              <a:t>: </a:t>
+            </a:r>
+            <a:r>
+              <a:rPr lang="de-CH" dirty="0" err="1" smtClean="0"/>
+              <a:t>for</a:t>
+            </a:r>
+            <a:r>
+              <a:rPr lang="de-CH" dirty="0" smtClean="0"/>
+              <a:t> </a:t>
+            </a:r>
+            <a:r>
+              <a:rPr lang="de-CH" dirty="0" err="1" smtClean="0"/>
+              <a:t>disaster</a:t>
+            </a:r>
+            <a:r>
+              <a:rPr lang="de-CH" dirty="0" smtClean="0"/>
+              <a:t> </a:t>
+            </a:r>
+            <a:r>
+              <a:rPr lang="de-CH" dirty="0" err="1" smtClean="0"/>
+              <a:t>recovery</a:t>
+            </a:r>
+            <a:r>
+              <a:rPr lang="de-CH" dirty="0" smtClean="0"/>
+              <a:t>, </a:t>
+            </a:r>
+            <a:r>
+              <a:rPr lang="de-CH" dirty="0" err="1" smtClean="0"/>
+              <a:t>can</a:t>
+            </a:r>
+            <a:r>
+              <a:rPr lang="de-CH" dirty="0" smtClean="0"/>
+              <a:t> </a:t>
+            </a:r>
+            <a:r>
+              <a:rPr lang="de-CH" dirty="0" err="1" smtClean="0"/>
+              <a:t>vote</a:t>
+            </a:r>
+            <a:r>
+              <a:rPr lang="de-CH" dirty="0" smtClean="0"/>
+              <a:t>, </a:t>
+            </a:r>
+            <a:r>
+              <a:rPr lang="de-CH" dirty="0" err="1" smtClean="0"/>
+              <a:t>can</a:t>
+            </a:r>
+            <a:r>
+              <a:rPr lang="de-CH" dirty="0" smtClean="0"/>
+              <a:t> not </a:t>
+            </a:r>
+            <a:r>
+              <a:rPr lang="de-CH" dirty="0" err="1" smtClean="0"/>
+              <a:t>become</a:t>
+            </a:r>
+            <a:r>
+              <a:rPr lang="de-CH" dirty="0" smtClean="0"/>
+              <a:t> </a:t>
+            </a:r>
+            <a:r>
+              <a:rPr lang="de-CH" dirty="0" err="1" smtClean="0"/>
+              <a:t>primary</a:t>
+            </a:r>
+            <a:r>
+              <a:rPr lang="de-CH" dirty="0" smtClean="0"/>
+              <a:t> </a:t>
+            </a:r>
+            <a:r>
+              <a:rPr lang="de-CH" dirty="0" err="1" smtClean="0"/>
+              <a:t>node</a:t>
+            </a:r>
+            <a:r>
+              <a:rPr lang="de-CH" dirty="0" smtClean="0"/>
+              <a:t> (</a:t>
+            </a:r>
+            <a:r>
+              <a:rPr lang="de-CH" dirty="0" err="1" smtClean="0"/>
+              <a:t>priority</a:t>
+            </a:r>
+            <a:r>
+              <a:rPr lang="de-CH" dirty="0" smtClean="0"/>
+              <a:t>=0)</a:t>
+            </a:r>
+          </a:p>
+          <a:p>
+            <a:pPr lvl="1"/>
+            <a:r>
+              <a:rPr lang="de-CH" dirty="0" smtClean="0"/>
+              <a:t>Hidden: </a:t>
+            </a:r>
+            <a:r>
+              <a:rPr lang="de-CH" dirty="0" err="1" smtClean="0"/>
+              <a:t>for</a:t>
+            </a:r>
+            <a:r>
+              <a:rPr lang="de-CH" dirty="0" smtClean="0"/>
+              <a:t> </a:t>
+            </a:r>
+            <a:r>
+              <a:rPr lang="de-CH" dirty="0" err="1" smtClean="0"/>
+              <a:t>analytics</a:t>
+            </a:r>
+            <a:r>
+              <a:rPr lang="de-CH" dirty="0" smtClean="0"/>
+              <a:t>, </a:t>
+            </a:r>
+            <a:r>
+              <a:rPr lang="de-CH" dirty="0" err="1" smtClean="0"/>
+              <a:t>can</a:t>
+            </a:r>
+            <a:r>
+              <a:rPr lang="de-CH" dirty="0" smtClean="0"/>
+              <a:t> </a:t>
+            </a:r>
+            <a:r>
+              <a:rPr lang="de-CH" dirty="0" err="1" smtClean="0"/>
+              <a:t>vote</a:t>
+            </a:r>
+            <a:r>
+              <a:rPr lang="de-CH" dirty="0" smtClean="0"/>
+              <a:t>, </a:t>
+            </a:r>
+            <a:r>
+              <a:rPr lang="de-CH" dirty="0" err="1" smtClean="0"/>
+              <a:t>can</a:t>
+            </a:r>
+            <a:r>
+              <a:rPr lang="de-CH" dirty="0" smtClean="0"/>
+              <a:t> not </a:t>
+            </a:r>
+            <a:r>
+              <a:rPr lang="de-CH" dirty="0" err="1" smtClean="0"/>
+              <a:t>become</a:t>
+            </a:r>
+            <a:r>
+              <a:rPr lang="de-CH" dirty="0" smtClean="0"/>
+              <a:t> </a:t>
+            </a:r>
+            <a:r>
+              <a:rPr lang="de-CH" dirty="0" err="1" smtClean="0"/>
+              <a:t>primary</a:t>
+            </a:r>
+            <a:endParaRPr lang="de-CH" dirty="0" smtClean="0"/>
+          </a:p>
+          <a:p>
+            <a:r>
+              <a:rPr lang="de-CH" dirty="0" err="1" smtClean="0"/>
+              <a:t>Application</a:t>
+            </a:r>
+            <a:r>
+              <a:rPr lang="de-CH" dirty="0" smtClean="0"/>
+              <a:t> </a:t>
+            </a:r>
+            <a:r>
+              <a:rPr lang="de-CH" dirty="0" err="1" smtClean="0"/>
+              <a:t>writes</a:t>
+            </a:r>
+            <a:r>
+              <a:rPr lang="de-CH" dirty="0" smtClean="0"/>
+              <a:t> </a:t>
+            </a:r>
+            <a:r>
+              <a:rPr lang="de-CH" dirty="0" err="1" smtClean="0"/>
+              <a:t>only</a:t>
+            </a:r>
+            <a:r>
+              <a:rPr lang="de-CH" dirty="0" smtClean="0"/>
+              <a:t> </a:t>
+            </a:r>
+            <a:r>
+              <a:rPr lang="de-CH" dirty="0" err="1" smtClean="0"/>
+              <a:t>go</a:t>
+            </a:r>
+            <a:r>
+              <a:rPr lang="de-CH" dirty="0" smtClean="0"/>
+              <a:t> </a:t>
+            </a:r>
+            <a:r>
+              <a:rPr lang="de-CH" dirty="0" err="1" smtClean="0"/>
+              <a:t>to</a:t>
+            </a:r>
+            <a:r>
+              <a:rPr lang="de-CH" dirty="0" smtClean="0"/>
+              <a:t> </a:t>
+            </a:r>
+            <a:r>
+              <a:rPr lang="de-CH" dirty="0" err="1" smtClean="0"/>
+              <a:t>to</a:t>
+            </a:r>
+            <a:r>
+              <a:rPr lang="de-CH" dirty="0" smtClean="0"/>
+              <a:t> </a:t>
+            </a:r>
+            <a:r>
+              <a:rPr lang="de-CH" dirty="0" err="1" smtClean="0"/>
+              <a:t>primary</a:t>
+            </a:r>
+            <a:r>
+              <a:rPr lang="de-CH" dirty="0" smtClean="0"/>
+              <a:t> </a:t>
+            </a:r>
+            <a:r>
+              <a:rPr lang="de-CH" dirty="0" err="1" smtClean="0"/>
+              <a:t>server</a:t>
+            </a:r>
+            <a:endParaRPr lang="de-CH" dirty="0" smtClean="0"/>
+          </a:p>
+          <a:p>
+            <a:r>
+              <a:rPr lang="de-CH" dirty="0" smtClean="0"/>
+              <a:t>Reads </a:t>
+            </a:r>
+            <a:r>
+              <a:rPr lang="de-CH" dirty="0" err="1" smtClean="0"/>
+              <a:t>can</a:t>
+            </a:r>
+            <a:r>
+              <a:rPr lang="de-CH" dirty="0" smtClean="0"/>
+              <a:t> (!) </a:t>
+            </a:r>
+            <a:r>
+              <a:rPr lang="de-CH" dirty="0" err="1" smtClean="0"/>
+              <a:t>go</a:t>
+            </a:r>
+            <a:r>
+              <a:rPr lang="de-CH" dirty="0" smtClean="0"/>
+              <a:t> </a:t>
+            </a:r>
+            <a:r>
+              <a:rPr lang="de-CH" dirty="0" err="1" smtClean="0"/>
+              <a:t>to</a:t>
+            </a:r>
+            <a:r>
+              <a:rPr lang="de-CH" dirty="0" smtClean="0"/>
+              <a:t> </a:t>
+            </a:r>
+            <a:r>
+              <a:rPr lang="de-CH" dirty="0" err="1" smtClean="0"/>
+              <a:t>secondary</a:t>
+            </a:r>
+            <a:r>
+              <a:rPr lang="de-CH" dirty="0" smtClean="0"/>
+              <a:t> (</a:t>
+            </a:r>
+            <a:r>
+              <a:rPr lang="de-CH" dirty="0" err="1" smtClean="0"/>
+              <a:t>dirty</a:t>
+            </a:r>
+            <a:r>
+              <a:rPr lang="de-CH" dirty="0" smtClean="0"/>
+              <a:t> </a:t>
+            </a:r>
+            <a:r>
+              <a:rPr lang="de-CH" dirty="0" err="1" smtClean="0"/>
+              <a:t>read</a:t>
+            </a:r>
+            <a:r>
+              <a:rPr lang="de-CH" dirty="0" smtClean="0"/>
+              <a:t> </a:t>
+            </a:r>
+            <a:r>
+              <a:rPr lang="de-CH" dirty="0" err="1" smtClean="0"/>
+              <a:t>possible</a:t>
+            </a:r>
+            <a:r>
+              <a:rPr lang="de-CH" dirty="0" smtClean="0"/>
+              <a:t>) </a:t>
+            </a:r>
+            <a:r>
+              <a:rPr lang="de-CH" dirty="0" smtClean="0">
+                <a:sym typeface="Wingdings" panose="05000000000000000000" pitchFamily="2" charset="2"/>
+              </a:rPr>
+              <a:t> eventual </a:t>
+            </a:r>
+            <a:r>
+              <a:rPr lang="de-CH" dirty="0" err="1" smtClean="0">
+                <a:sym typeface="Wingdings" panose="05000000000000000000" pitchFamily="2" charset="2"/>
+              </a:rPr>
+              <a:t>consistency</a:t>
+            </a:r>
+            <a:endParaRPr lang="de-CH" dirty="0" smtClean="0"/>
+          </a:p>
+          <a:p>
+            <a:r>
+              <a:rPr lang="de-CH" dirty="0" smtClean="0"/>
+              <a:t>Primary </a:t>
+            </a:r>
+            <a:r>
+              <a:rPr lang="de-CH" dirty="0" err="1" smtClean="0"/>
+              <a:t>server</a:t>
+            </a:r>
+            <a:r>
+              <a:rPr lang="de-CH" dirty="0" smtClean="0"/>
+              <a:t> will </a:t>
+            </a:r>
+            <a:r>
+              <a:rPr lang="de-CH" dirty="0" err="1" smtClean="0"/>
+              <a:t>asynchronously</a:t>
+            </a:r>
+            <a:r>
+              <a:rPr lang="de-CH" dirty="0" smtClean="0"/>
+              <a:t> </a:t>
+            </a:r>
+            <a:r>
+              <a:rPr lang="de-CH" dirty="0" err="1" smtClean="0"/>
+              <a:t>replicate</a:t>
+            </a:r>
+            <a:r>
+              <a:rPr lang="de-CH" dirty="0" smtClean="0"/>
+              <a:t> </a:t>
+            </a:r>
+            <a:r>
+              <a:rPr lang="de-CH" dirty="0" err="1" smtClean="0"/>
+              <a:t>to</a:t>
+            </a:r>
+            <a:r>
+              <a:rPr lang="de-CH" dirty="0" smtClean="0"/>
+              <a:t> n </a:t>
+            </a:r>
+            <a:r>
+              <a:rPr lang="de-CH" dirty="0" err="1" smtClean="0"/>
+              <a:t>secondary</a:t>
+            </a:r>
+            <a:r>
+              <a:rPr lang="de-CH" dirty="0" smtClean="0"/>
+              <a:t> </a:t>
+            </a:r>
+            <a:r>
+              <a:rPr lang="de-CH" dirty="0" err="1" smtClean="0"/>
+              <a:t>servers</a:t>
+            </a:r>
+            <a:endParaRPr lang="de-CH" dirty="0" smtClean="0"/>
+          </a:p>
+          <a:p>
+            <a:r>
+              <a:rPr lang="de-CH" dirty="0" err="1" smtClean="0"/>
+              <a:t>Secondary</a:t>
+            </a:r>
+            <a:r>
+              <a:rPr lang="de-CH" dirty="0" smtClean="0"/>
+              <a:t> </a:t>
+            </a:r>
+            <a:r>
+              <a:rPr lang="de-CH" dirty="0" err="1" smtClean="0"/>
+              <a:t>servers</a:t>
+            </a:r>
+            <a:r>
+              <a:rPr lang="de-CH" dirty="0" smtClean="0"/>
+              <a:t> will </a:t>
+            </a:r>
+            <a:r>
+              <a:rPr lang="de-CH" dirty="0" err="1" smtClean="0"/>
+              <a:t>poll</a:t>
+            </a:r>
+            <a:r>
+              <a:rPr lang="de-CH" dirty="0" smtClean="0"/>
+              <a:t> log (</a:t>
+            </a:r>
+            <a:r>
+              <a:rPr lang="de-CH" dirty="0" err="1" smtClean="0"/>
+              <a:t>oplog</a:t>
+            </a:r>
+            <a:r>
+              <a:rPr lang="de-CH" dirty="0" smtClean="0"/>
+              <a:t>) </a:t>
+            </a:r>
+            <a:r>
+              <a:rPr lang="de-CH" dirty="0" err="1" smtClean="0"/>
+              <a:t>from</a:t>
+            </a:r>
+            <a:r>
+              <a:rPr lang="de-CH" dirty="0" smtClean="0"/>
+              <a:t> </a:t>
+            </a:r>
+            <a:r>
+              <a:rPr lang="de-CH" dirty="0" err="1" smtClean="0"/>
+              <a:t>primary</a:t>
+            </a:r>
+            <a:r>
+              <a:rPr lang="de-CH" dirty="0" smtClean="0"/>
+              <a:t> </a:t>
+            </a:r>
+            <a:r>
+              <a:rPr lang="de-CH" dirty="0" err="1" smtClean="0"/>
+              <a:t>server</a:t>
+            </a:r>
+            <a:r>
+              <a:rPr lang="de-CH" dirty="0" smtClean="0"/>
+              <a:t> </a:t>
+            </a:r>
+            <a:r>
+              <a:rPr lang="de-CH" dirty="0" err="1" smtClean="0"/>
+              <a:t>and</a:t>
+            </a:r>
+            <a:r>
+              <a:rPr lang="de-CH" dirty="0" smtClean="0"/>
+              <a:t> </a:t>
+            </a:r>
+            <a:r>
+              <a:rPr lang="de-CH" dirty="0" err="1" smtClean="0"/>
+              <a:t>replicate</a:t>
+            </a:r>
+            <a:r>
+              <a:rPr lang="de-CH" dirty="0" smtClean="0"/>
+              <a:t> </a:t>
+            </a:r>
+            <a:r>
+              <a:rPr lang="de-CH" dirty="0" err="1" smtClean="0"/>
+              <a:t>themeselves</a:t>
+            </a:r>
+            <a:endParaRPr lang="de-CH" dirty="0" smtClean="0"/>
+          </a:p>
+          <a:p>
+            <a:pPr lvl="1"/>
+            <a:r>
+              <a:rPr lang="de-CH" dirty="0" err="1" smtClean="0"/>
+              <a:t>Oplogs</a:t>
+            </a:r>
+            <a:r>
+              <a:rPr lang="de-CH" dirty="0" smtClean="0"/>
+              <a:t> </a:t>
+            </a:r>
+            <a:r>
+              <a:rPr lang="de-CH" dirty="0" err="1" smtClean="0"/>
+              <a:t>can</a:t>
+            </a:r>
+            <a:r>
+              <a:rPr lang="de-CH" dirty="0" smtClean="0"/>
+              <a:t> </a:t>
+            </a:r>
+            <a:r>
+              <a:rPr lang="de-CH" dirty="0" err="1" smtClean="0"/>
+              <a:t>be</a:t>
+            </a:r>
+            <a:r>
+              <a:rPr lang="de-CH" dirty="0" smtClean="0"/>
+              <a:t> </a:t>
+            </a:r>
+            <a:r>
+              <a:rPr lang="de-CH" dirty="0" err="1" smtClean="0"/>
+              <a:t>read</a:t>
+            </a:r>
+            <a:r>
+              <a:rPr lang="de-CH" dirty="0" smtClean="0"/>
+              <a:t> </a:t>
+            </a:r>
+            <a:r>
+              <a:rPr lang="de-CH" dirty="0" err="1" smtClean="0"/>
+              <a:t>from</a:t>
+            </a:r>
+            <a:r>
+              <a:rPr lang="de-CH" dirty="0" smtClean="0"/>
+              <a:t> </a:t>
+            </a:r>
+            <a:r>
+              <a:rPr lang="de-CH" dirty="0" err="1" smtClean="0"/>
+              <a:t>secondary</a:t>
+            </a:r>
+            <a:r>
+              <a:rPr lang="de-CH" dirty="0" smtClean="0"/>
+              <a:t> </a:t>
+            </a:r>
+            <a:r>
+              <a:rPr lang="de-CH" dirty="0" err="1" smtClean="0"/>
+              <a:t>servers</a:t>
+            </a:r>
+            <a:r>
+              <a:rPr lang="de-CH" dirty="0" smtClean="0"/>
+              <a:t> </a:t>
+            </a:r>
+            <a:r>
+              <a:rPr lang="de-CH" dirty="0" err="1" smtClean="0"/>
+              <a:t>too</a:t>
+            </a:r>
+            <a:r>
+              <a:rPr lang="de-CH" dirty="0" smtClean="0"/>
+              <a:t>, </a:t>
+            </a:r>
+            <a:r>
+              <a:rPr lang="de-CH" dirty="0" err="1" smtClean="0"/>
+              <a:t>if</a:t>
+            </a:r>
+            <a:r>
+              <a:rPr lang="de-CH" dirty="0" smtClean="0"/>
+              <a:t> </a:t>
+            </a:r>
+            <a:r>
+              <a:rPr lang="de-CH" dirty="0" err="1" smtClean="0"/>
+              <a:t>oplogs</a:t>
+            </a:r>
+            <a:r>
+              <a:rPr lang="de-CH" dirty="0" smtClean="0"/>
+              <a:t> </a:t>
+            </a:r>
+            <a:r>
+              <a:rPr lang="de-CH" dirty="0" err="1" smtClean="0"/>
+              <a:t>lead</a:t>
+            </a:r>
+            <a:r>
+              <a:rPr lang="de-CH" dirty="0" smtClean="0"/>
+              <a:t> back </a:t>
+            </a:r>
+            <a:r>
+              <a:rPr lang="de-CH" dirty="0" err="1" smtClean="0"/>
+              <a:t>to</a:t>
+            </a:r>
+            <a:r>
+              <a:rPr lang="de-CH" dirty="0" smtClean="0"/>
+              <a:t> </a:t>
+            </a:r>
+            <a:r>
+              <a:rPr lang="de-CH" dirty="0" err="1" smtClean="0"/>
+              <a:t>primary</a:t>
+            </a:r>
+            <a:endParaRPr lang="de-CH" dirty="0" smtClean="0"/>
+          </a:p>
+          <a:p>
+            <a:r>
+              <a:rPr lang="de-CH" dirty="0" err="1" smtClean="0"/>
+              <a:t>If</a:t>
+            </a:r>
+            <a:r>
+              <a:rPr lang="de-CH" dirty="0" smtClean="0"/>
+              <a:t> </a:t>
+            </a:r>
+            <a:r>
+              <a:rPr lang="de-CH" dirty="0" err="1" smtClean="0"/>
+              <a:t>primary</a:t>
+            </a:r>
+            <a:r>
+              <a:rPr lang="de-CH" dirty="0" smtClean="0"/>
+              <a:t> </a:t>
+            </a:r>
+            <a:r>
+              <a:rPr lang="de-CH" dirty="0" err="1" smtClean="0"/>
+              <a:t>server</a:t>
+            </a:r>
+            <a:r>
+              <a:rPr lang="de-CH" dirty="0" smtClean="0"/>
+              <a:t> </a:t>
+            </a:r>
+            <a:r>
+              <a:rPr lang="de-CH" dirty="0" err="1" smtClean="0"/>
+              <a:t>goes</a:t>
+            </a:r>
+            <a:r>
+              <a:rPr lang="de-CH" dirty="0" smtClean="0"/>
+              <a:t> down, </a:t>
+            </a:r>
+            <a:r>
+              <a:rPr lang="de-CH" dirty="0" err="1" smtClean="0"/>
+              <a:t>secondary</a:t>
+            </a:r>
+            <a:r>
+              <a:rPr lang="de-CH" dirty="0" smtClean="0"/>
+              <a:t> </a:t>
+            </a:r>
+            <a:r>
+              <a:rPr lang="de-CH" dirty="0" err="1" smtClean="0"/>
+              <a:t>servers</a:t>
+            </a:r>
+            <a:r>
+              <a:rPr lang="de-CH" dirty="0" smtClean="0"/>
+              <a:t> </a:t>
+            </a:r>
+            <a:r>
+              <a:rPr lang="de-CH" dirty="0" err="1" smtClean="0"/>
+              <a:t>elect</a:t>
+            </a:r>
+            <a:r>
+              <a:rPr lang="de-CH" dirty="0" smtClean="0"/>
+              <a:t> </a:t>
+            </a:r>
+            <a:r>
+              <a:rPr lang="de-CH" dirty="0" err="1" smtClean="0"/>
+              <a:t>new</a:t>
+            </a:r>
+            <a:r>
+              <a:rPr lang="de-CH" dirty="0" smtClean="0"/>
+              <a:t> </a:t>
+            </a:r>
+            <a:r>
+              <a:rPr lang="de-CH" dirty="0" err="1" smtClean="0"/>
+              <a:t>primary</a:t>
+            </a:r>
+            <a:endParaRPr lang="de-CH" dirty="0"/>
+          </a:p>
+          <a:p>
+            <a:pPr lvl="1"/>
+            <a:r>
+              <a:rPr lang="de-CH" dirty="0" err="1" smtClean="0"/>
+              <a:t>Strict</a:t>
+            </a:r>
+            <a:r>
+              <a:rPr lang="de-CH" dirty="0" smtClean="0"/>
+              <a:t> </a:t>
+            </a:r>
+            <a:r>
+              <a:rPr lang="de-CH" dirty="0" err="1" smtClean="0"/>
+              <a:t>majority</a:t>
+            </a:r>
+            <a:r>
+              <a:rPr lang="de-CH" dirty="0" smtClean="0"/>
+              <a:t> </a:t>
+            </a:r>
+            <a:r>
+              <a:rPr lang="de-CH" dirty="0" err="1" smtClean="0"/>
+              <a:t>needed</a:t>
+            </a:r>
+            <a:r>
+              <a:rPr lang="de-CH" dirty="0" smtClean="0"/>
+              <a:t> </a:t>
+            </a:r>
+            <a:r>
+              <a:rPr lang="de-CH" dirty="0" smtClean="0">
+                <a:sym typeface="Wingdings" panose="05000000000000000000" pitchFamily="2" charset="2"/>
+              </a:rPr>
+              <a:t> min. </a:t>
+            </a:r>
+            <a:r>
+              <a:rPr lang="de-CH" dirty="0" err="1" smtClean="0">
+                <a:sym typeface="Wingdings" panose="05000000000000000000" pitchFamily="2" charset="2"/>
+              </a:rPr>
+              <a:t>number</a:t>
+            </a:r>
+            <a:r>
+              <a:rPr lang="de-CH" dirty="0" smtClean="0">
+                <a:sym typeface="Wingdings" panose="05000000000000000000" pitchFamily="2" charset="2"/>
+              </a:rPr>
+              <a:t> </a:t>
+            </a:r>
+            <a:r>
+              <a:rPr lang="de-CH" dirty="0" err="1" smtClean="0">
+                <a:sym typeface="Wingdings" panose="05000000000000000000" pitchFamily="2" charset="2"/>
+              </a:rPr>
+              <a:t>of</a:t>
+            </a:r>
+            <a:r>
+              <a:rPr lang="de-CH" dirty="0" smtClean="0">
+                <a:sym typeface="Wingdings" panose="05000000000000000000" pitchFamily="2" charset="2"/>
+              </a:rPr>
+              <a:t> 3 </a:t>
+            </a:r>
+            <a:r>
+              <a:rPr lang="de-CH" dirty="0" err="1" smtClean="0">
+                <a:sym typeface="Wingdings" panose="05000000000000000000" pitchFamily="2" charset="2"/>
+              </a:rPr>
+              <a:t>servers</a:t>
+            </a:r>
+            <a:r>
+              <a:rPr lang="de-CH" dirty="0" smtClean="0">
+                <a:sym typeface="Wingdings" panose="05000000000000000000" pitchFamily="2" charset="2"/>
+              </a:rPr>
+              <a:t> in </a:t>
+            </a:r>
+            <a:r>
+              <a:rPr lang="de-CH" dirty="0" err="1" smtClean="0">
+                <a:sym typeface="Wingdings" panose="05000000000000000000" pitchFamily="2" charset="2"/>
+              </a:rPr>
+              <a:t>replica</a:t>
+            </a:r>
+            <a:r>
+              <a:rPr lang="de-CH" dirty="0" smtClean="0">
+                <a:sym typeface="Wingdings" panose="05000000000000000000" pitchFamily="2" charset="2"/>
+              </a:rPr>
+              <a:t> </a:t>
+            </a:r>
+            <a:r>
+              <a:rPr lang="de-CH" dirty="0" err="1" smtClean="0">
+                <a:sym typeface="Wingdings" panose="05000000000000000000" pitchFamily="2" charset="2"/>
+              </a:rPr>
+              <a:t>set</a:t>
+            </a:r>
+            <a:endParaRPr lang="de-CH" dirty="0" smtClean="0"/>
+          </a:p>
+          <a:p>
+            <a:r>
+              <a:rPr lang="de-CH" dirty="0" err="1" smtClean="0"/>
+              <a:t>If</a:t>
+            </a:r>
+            <a:r>
+              <a:rPr lang="de-CH" dirty="0" smtClean="0"/>
+              <a:t> </a:t>
+            </a:r>
+            <a:r>
+              <a:rPr lang="de-CH" dirty="0" err="1" smtClean="0"/>
+              <a:t>old</a:t>
+            </a:r>
+            <a:r>
+              <a:rPr lang="de-CH" dirty="0" smtClean="0"/>
+              <a:t> </a:t>
+            </a:r>
+            <a:r>
+              <a:rPr lang="de-CH" dirty="0" err="1" smtClean="0"/>
+              <a:t>primary</a:t>
+            </a:r>
+            <a:r>
+              <a:rPr lang="de-CH" dirty="0" smtClean="0"/>
+              <a:t> </a:t>
+            </a:r>
+            <a:r>
+              <a:rPr lang="de-CH" dirty="0" err="1" smtClean="0"/>
+              <a:t>comes</a:t>
+            </a:r>
+            <a:r>
+              <a:rPr lang="de-CH" dirty="0" smtClean="0"/>
+              <a:t> back </a:t>
+            </a:r>
+            <a:r>
+              <a:rPr lang="de-CH" dirty="0" err="1" smtClean="0"/>
+              <a:t>up</a:t>
+            </a:r>
+            <a:r>
+              <a:rPr lang="de-CH" dirty="0" smtClean="0"/>
+              <a:t>, </a:t>
+            </a:r>
+            <a:r>
+              <a:rPr lang="de-CH" dirty="0" err="1" smtClean="0"/>
+              <a:t>it</a:t>
+            </a:r>
+            <a:r>
+              <a:rPr lang="de-CH" dirty="0" smtClean="0"/>
+              <a:t> </a:t>
+            </a:r>
+            <a:r>
+              <a:rPr lang="de-CH" dirty="0" err="1" smtClean="0"/>
+              <a:t>maybe</a:t>
+            </a:r>
+            <a:r>
+              <a:rPr lang="de-CH" dirty="0" smtClean="0"/>
+              <a:t> </a:t>
+            </a:r>
+            <a:r>
+              <a:rPr lang="de-CH" dirty="0" err="1" smtClean="0"/>
+              <a:t>secondary</a:t>
+            </a:r>
+            <a:endParaRPr lang="de-CH" dirty="0" smtClean="0"/>
+          </a:p>
+          <a:p>
+            <a:r>
+              <a:rPr lang="de-CH" dirty="0" err="1" smtClean="0"/>
+              <a:t>rs.status</a:t>
+            </a:r>
+            <a:r>
+              <a:rPr lang="de-CH" dirty="0" smtClean="0"/>
+              <a:t>()</a:t>
+            </a:r>
+            <a:endParaRPr lang="de-CH" dirty="0"/>
+          </a:p>
+        </p:txBody>
+      </p:sp>
+    </p:spTree>
+    <p:extLst>
+      <p:ext uri="{BB962C8B-B14F-4D97-AF65-F5344CB8AC3E}">
+        <p14:creationId xmlns:p14="http://schemas.microsoft.com/office/powerpoint/2010/main" val="1953839938"/>
+      </p:ext>
+    </p:extLst>
+  </p:cSld>
+  <p:clrMapOvr>
+    <a:masterClrMapping/>
+  </p:clrMapOvr>
+</p:sld>
+</file>
+
+<file path=ppt/slides/slide54.xml><?xml version="1.0" encoding="utf-8"?>
+<p:sld xmlns:a="http://schemas.openxmlformats.org/drawingml/2006/main" xmlns:r="http://schemas.openxmlformats.org/officeDocument/2006/relationships" xmlns:p="http://schemas.openxmlformats.org/presentationml/2006/main">
+  <p:cSld>
+    <p:spTree>
+      <p:nvGrpSpPr>
+        <p:cNvPr id="1" name=""/>
+        <p:cNvGrpSpPr/>
+        <p:nvPr/>
+      </p:nvGrpSpPr>
+      <p:grpSpPr>
+        <a:xfrm>
+          <a:off x="0" y="0"/>
+          <a:ext cx="0" cy="0"/>
+          <a:chOff x="0" y="0"/>
+          <a:chExt cx="0" cy="0"/>
+        </a:xfrm>
+      </p:grpSpPr>
+      <p:sp>
+        <p:nvSpPr>
+          <p:cNvPr id="2" name="Titel 1"/>
+          <p:cNvSpPr>
+            <a:spLocks noGrp="1"/>
+          </p:cNvSpPr>
+          <p:nvPr>
+            <p:ph type="title"/>
+          </p:nvPr>
+        </p:nvSpPr>
+        <p:spPr/>
+        <p:txBody>
+          <a:bodyPr/>
+          <a:lstStyle/>
+          <a:p>
+            <a:r>
+              <a:rPr lang="de-CH" dirty="0" smtClean="0"/>
+              <a:t>Failover </a:t>
+            </a:r>
+            <a:r>
+              <a:rPr lang="de-CH" dirty="0" err="1" smtClean="0"/>
+              <a:t>and</a:t>
+            </a:r>
+            <a:r>
+              <a:rPr lang="de-CH" dirty="0" smtClean="0"/>
+              <a:t> Rollback</a:t>
+            </a:r>
+            <a:endParaRPr lang="de-CH" dirty="0"/>
+          </a:p>
+        </p:txBody>
+      </p:sp>
+      <p:sp>
+        <p:nvSpPr>
+          <p:cNvPr id="3" name="Inhaltsplatzhalter 2"/>
+          <p:cNvSpPr>
+            <a:spLocks noGrp="1"/>
+          </p:cNvSpPr>
+          <p:nvPr>
+            <p:ph idx="1"/>
+          </p:nvPr>
+        </p:nvSpPr>
+        <p:spPr/>
+        <p:txBody>
+          <a:bodyPr/>
+          <a:lstStyle/>
+          <a:p>
+            <a:r>
+              <a:rPr lang="de-CH" dirty="0" err="1" smtClean="0"/>
+              <a:t>Writes</a:t>
+            </a:r>
+            <a:r>
+              <a:rPr lang="de-CH" dirty="0" smtClean="0"/>
+              <a:t> </a:t>
+            </a:r>
+            <a:r>
+              <a:rPr lang="de-CH" dirty="0" err="1" smtClean="0"/>
+              <a:t>of</a:t>
+            </a:r>
+            <a:r>
+              <a:rPr lang="de-CH" dirty="0" smtClean="0"/>
+              <a:t> </a:t>
+            </a:r>
+            <a:r>
+              <a:rPr lang="de-CH" dirty="0" err="1" smtClean="0"/>
+              <a:t>failed</a:t>
+            </a:r>
+            <a:r>
+              <a:rPr lang="de-CH" dirty="0" smtClean="0"/>
+              <a:t> </a:t>
+            </a:r>
+            <a:r>
+              <a:rPr lang="de-CH" dirty="0" err="1" smtClean="0"/>
+              <a:t>primary</a:t>
+            </a:r>
+            <a:r>
+              <a:rPr lang="de-CH" dirty="0" smtClean="0"/>
+              <a:t> </a:t>
+            </a:r>
+            <a:r>
+              <a:rPr lang="de-CH" dirty="0" err="1" smtClean="0"/>
+              <a:t>server</a:t>
+            </a:r>
+            <a:r>
+              <a:rPr lang="de-CH" dirty="0" smtClean="0"/>
+              <a:t> </a:t>
+            </a:r>
+            <a:r>
+              <a:rPr lang="de-CH" dirty="0" err="1" smtClean="0"/>
+              <a:t>that</a:t>
+            </a:r>
+            <a:r>
+              <a:rPr lang="de-CH" dirty="0" smtClean="0"/>
+              <a:t> </a:t>
+            </a:r>
+            <a:r>
+              <a:rPr lang="de-CH" dirty="0" err="1" smtClean="0"/>
+              <a:t>are</a:t>
+            </a:r>
+            <a:r>
+              <a:rPr lang="de-CH" dirty="0" smtClean="0"/>
+              <a:t> not </a:t>
+            </a:r>
+            <a:r>
+              <a:rPr lang="de-CH" dirty="0" err="1" smtClean="0"/>
+              <a:t>replicated</a:t>
+            </a:r>
+            <a:r>
+              <a:rPr lang="de-CH" dirty="0" smtClean="0"/>
+              <a:t> </a:t>
+            </a:r>
+            <a:r>
+              <a:rPr lang="de-CH" dirty="0" err="1" smtClean="0"/>
+              <a:t>are</a:t>
+            </a:r>
+            <a:r>
+              <a:rPr lang="de-CH" dirty="0" smtClean="0"/>
+              <a:t> </a:t>
+            </a:r>
+            <a:r>
+              <a:rPr lang="de-CH" dirty="0" err="1" smtClean="0"/>
+              <a:t>rolled</a:t>
+            </a:r>
+            <a:r>
+              <a:rPr lang="de-CH" dirty="0" smtClean="0"/>
+              <a:t> back </a:t>
+            </a:r>
+            <a:r>
+              <a:rPr lang="de-CH" dirty="0" err="1" smtClean="0"/>
+              <a:t>by</a:t>
+            </a:r>
+            <a:r>
+              <a:rPr lang="de-CH" dirty="0" smtClean="0"/>
+              <a:t> </a:t>
+            </a:r>
+            <a:r>
+              <a:rPr lang="de-CH" dirty="0" err="1" smtClean="0"/>
+              <a:t>default</a:t>
+            </a:r>
+            <a:r>
+              <a:rPr lang="de-CH" dirty="0" smtClean="0"/>
+              <a:t> (w=1)!</a:t>
+            </a:r>
+          </a:p>
+          <a:p>
+            <a:r>
+              <a:rPr lang="de-CH" dirty="0" err="1" smtClean="0"/>
+              <a:t>It</a:t>
+            </a:r>
+            <a:r>
+              <a:rPr lang="de-CH" dirty="0" smtClean="0"/>
+              <a:t> </a:t>
+            </a:r>
+            <a:r>
+              <a:rPr lang="de-CH" dirty="0" err="1" smtClean="0"/>
+              <a:t>is</a:t>
+            </a:r>
+            <a:r>
+              <a:rPr lang="de-CH" dirty="0" smtClean="0"/>
+              <a:t> </a:t>
+            </a:r>
+            <a:r>
+              <a:rPr lang="de-CH" dirty="0" err="1" smtClean="0"/>
+              <a:t>possible</a:t>
+            </a:r>
+            <a:r>
+              <a:rPr lang="de-CH" dirty="0" smtClean="0"/>
+              <a:t> </a:t>
+            </a:r>
+            <a:r>
+              <a:rPr lang="de-CH" dirty="0" err="1" smtClean="0"/>
+              <a:t>to</a:t>
+            </a:r>
+            <a:r>
+              <a:rPr lang="de-CH" dirty="0" smtClean="0"/>
+              <a:t> </a:t>
+            </a:r>
+            <a:r>
+              <a:rPr lang="de-CH" dirty="0" err="1" smtClean="0"/>
+              <a:t>change</a:t>
+            </a:r>
+            <a:r>
+              <a:rPr lang="de-CH" dirty="0" smtClean="0"/>
+              <a:t> </a:t>
+            </a:r>
+            <a:r>
+              <a:rPr lang="de-CH" dirty="0" err="1" smtClean="0"/>
+              <a:t>this</a:t>
+            </a:r>
+            <a:r>
+              <a:rPr lang="de-CH" dirty="0" smtClean="0"/>
+              <a:t> so </a:t>
+            </a:r>
+            <a:r>
+              <a:rPr lang="de-CH" dirty="0" err="1" smtClean="0"/>
+              <a:t>that</a:t>
+            </a:r>
+            <a:r>
+              <a:rPr lang="de-CH" dirty="0" smtClean="0"/>
+              <a:t> </a:t>
+            </a:r>
+            <a:r>
+              <a:rPr lang="de-CH" dirty="0" err="1" smtClean="0"/>
+              <a:t>writes</a:t>
+            </a:r>
+            <a:r>
+              <a:rPr lang="de-CH" dirty="0" smtClean="0"/>
+              <a:t> </a:t>
+            </a:r>
+            <a:r>
+              <a:rPr lang="de-CH" dirty="0" err="1" smtClean="0"/>
+              <a:t>replicated</a:t>
+            </a:r>
+            <a:r>
+              <a:rPr lang="de-CH" dirty="0" smtClean="0"/>
+              <a:t> </a:t>
+            </a:r>
+            <a:r>
+              <a:rPr lang="de-CH" dirty="0" err="1" smtClean="0"/>
+              <a:t>to</a:t>
+            </a:r>
+            <a:r>
+              <a:rPr lang="de-CH" dirty="0" smtClean="0"/>
+              <a:t> a </a:t>
+            </a:r>
+            <a:r>
+              <a:rPr lang="de-CH" dirty="0" err="1" smtClean="0"/>
+              <a:t>majority</a:t>
+            </a:r>
+            <a:r>
+              <a:rPr lang="de-CH" dirty="0" smtClean="0"/>
+              <a:t> </a:t>
+            </a:r>
+            <a:r>
+              <a:rPr lang="de-CH" dirty="0" err="1" smtClean="0"/>
+              <a:t>of</a:t>
+            </a:r>
+            <a:r>
+              <a:rPr lang="de-CH" dirty="0" smtClean="0"/>
+              <a:t> </a:t>
+            </a:r>
+            <a:r>
+              <a:rPr lang="de-CH" dirty="0" err="1" smtClean="0"/>
+              <a:t>nodes</a:t>
+            </a:r>
+            <a:r>
+              <a:rPr lang="de-CH" dirty="0" smtClean="0"/>
+              <a:t> </a:t>
+            </a:r>
+            <a:r>
+              <a:rPr lang="de-CH" dirty="0" err="1" smtClean="0"/>
+              <a:t>are</a:t>
+            </a:r>
+            <a:r>
+              <a:rPr lang="de-CH" dirty="0" smtClean="0"/>
+              <a:t> not </a:t>
+            </a:r>
+            <a:r>
+              <a:rPr lang="de-CH" dirty="0" err="1" smtClean="0"/>
+              <a:t>rolled</a:t>
+            </a:r>
+            <a:r>
+              <a:rPr lang="de-CH" dirty="0" smtClean="0"/>
+              <a:t> back (w=</a:t>
+            </a:r>
+            <a:r>
+              <a:rPr lang="de-CH" dirty="0" err="1" smtClean="0"/>
+              <a:t>majority</a:t>
+            </a:r>
+            <a:r>
+              <a:rPr lang="de-CH" dirty="0" smtClean="0"/>
+              <a:t>)</a:t>
+            </a:r>
+          </a:p>
+          <a:p>
+            <a:r>
+              <a:rPr lang="en-US" dirty="0"/>
+              <a:t>Write concern (w) value can be set at client, database or collection level</a:t>
+            </a:r>
+            <a:endParaRPr lang="de-CH" dirty="0"/>
+          </a:p>
+        </p:txBody>
+      </p:sp>
+    </p:spTree>
+    <p:extLst>
+      <p:ext uri="{BB962C8B-B14F-4D97-AF65-F5344CB8AC3E}">
+        <p14:creationId xmlns:p14="http://schemas.microsoft.com/office/powerpoint/2010/main" val="318007614"/>
+      </p:ext>
+    </p:extLst>
+  </p:cSld>
+  <p:clrMapOvr>
+    <a:masterClrMapping/>
+  </p:clrMapOvr>
+</p:sld>
+</file>
+
+<file path=ppt/slides/slide55.xml><?xml version="1.0" encoding="utf-8"?>
+<p:sld xmlns:a="http://schemas.openxmlformats.org/drawingml/2006/main" xmlns:r="http://schemas.openxmlformats.org/officeDocument/2006/relationships" xmlns:p="http://schemas.openxmlformats.org/presentationml/2006/main">
+  <p:cSld>
+    <p:spTree>
+      <p:nvGrpSpPr>
+        <p:cNvPr id="1" name=""/>
+        <p:cNvGrpSpPr/>
+        <p:nvPr/>
+      </p:nvGrpSpPr>
+      <p:grpSpPr>
+        <a:xfrm>
+          <a:off x="0" y="0"/>
+          <a:ext cx="0" cy="0"/>
+          <a:chOff x="0" y="0"/>
+          <a:chExt cx="0" cy="0"/>
+        </a:xfrm>
+      </p:grpSpPr>
+      <p:sp>
+        <p:nvSpPr>
+          <p:cNvPr id="2" name="Titel 1"/>
+          <p:cNvSpPr>
+            <a:spLocks noGrp="1"/>
+          </p:cNvSpPr>
+          <p:nvPr>
+            <p:ph type="title"/>
+          </p:nvPr>
+        </p:nvSpPr>
+        <p:spPr/>
+        <p:txBody>
+          <a:bodyPr/>
+          <a:lstStyle/>
+          <a:p>
+            <a:r>
+              <a:rPr lang="de-CH" dirty="0" err="1" smtClean="0"/>
+              <a:t>Connecting</a:t>
+            </a:r>
+            <a:r>
+              <a:rPr lang="de-CH" dirty="0" smtClean="0"/>
+              <a:t> </a:t>
+            </a:r>
+            <a:r>
+              <a:rPr lang="de-CH" dirty="0" err="1" smtClean="0"/>
+              <a:t>to</a:t>
+            </a:r>
+            <a:r>
+              <a:rPr lang="de-CH" dirty="0" smtClean="0"/>
+              <a:t> a </a:t>
+            </a:r>
+            <a:r>
+              <a:rPr lang="de-CH" dirty="0" err="1" smtClean="0"/>
+              <a:t>cluster</a:t>
+            </a:r>
+            <a:r>
+              <a:rPr lang="de-CH" dirty="0" smtClean="0"/>
+              <a:t> </a:t>
+            </a:r>
+            <a:r>
+              <a:rPr lang="de-CH" dirty="0" err="1" smtClean="0"/>
+              <a:t>from</a:t>
+            </a:r>
+            <a:r>
+              <a:rPr lang="de-CH" smtClean="0"/>
+              <a:t> Java</a:t>
+            </a:r>
+            <a:endParaRPr lang="de-CH"/>
+          </a:p>
+        </p:txBody>
+      </p:sp>
+      <p:sp>
+        <p:nvSpPr>
+          <p:cNvPr id="3" name="Inhaltsplatzhalter 2"/>
+          <p:cNvSpPr>
+            <a:spLocks noGrp="1"/>
+          </p:cNvSpPr>
+          <p:nvPr>
+            <p:ph idx="1"/>
+          </p:nvPr>
+        </p:nvSpPr>
+        <p:spPr/>
+        <p:txBody>
+          <a:bodyPr/>
+          <a:lstStyle/>
+          <a:p>
+            <a:r>
+              <a:rPr lang="de-CH" dirty="0" err="1" smtClean="0"/>
+              <a:t>Several</a:t>
+            </a:r>
+            <a:r>
+              <a:rPr lang="de-CH" dirty="0" smtClean="0"/>
+              <a:t> </a:t>
+            </a:r>
+            <a:r>
+              <a:rPr lang="de-CH" dirty="0" err="1" smtClean="0"/>
+              <a:t>server</a:t>
+            </a:r>
+            <a:r>
+              <a:rPr lang="de-CH" dirty="0" smtClean="0"/>
+              <a:t> </a:t>
+            </a:r>
+            <a:r>
+              <a:rPr lang="de-CH" dirty="0" err="1" smtClean="0"/>
+              <a:t>addresses</a:t>
+            </a:r>
+            <a:r>
+              <a:rPr lang="de-CH" dirty="0" smtClean="0"/>
+              <a:t> (</a:t>
+            </a:r>
+            <a:r>
+              <a:rPr lang="de-CH" dirty="0" err="1" smtClean="0"/>
+              <a:t>seed</a:t>
+            </a:r>
+            <a:r>
+              <a:rPr lang="de-CH" dirty="0" smtClean="0"/>
+              <a:t> </a:t>
+            </a:r>
+            <a:r>
+              <a:rPr lang="de-CH" dirty="0" err="1" smtClean="0"/>
+              <a:t>list</a:t>
+            </a:r>
+            <a:r>
+              <a:rPr lang="de-CH" dirty="0" smtClean="0"/>
+              <a:t>) </a:t>
+            </a:r>
+            <a:r>
+              <a:rPr lang="de-CH" dirty="0" err="1" smtClean="0"/>
+              <a:t>can</a:t>
+            </a:r>
+            <a:r>
+              <a:rPr lang="de-CH" dirty="0" smtClean="0"/>
+              <a:t> </a:t>
+            </a:r>
+            <a:r>
+              <a:rPr lang="de-CH" dirty="0" err="1" smtClean="0"/>
+              <a:t>be</a:t>
+            </a:r>
+            <a:r>
+              <a:rPr lang="de-CH" dirty="0" smtClean="0"/>
+              <a:t> </a:t>
+            </a:r>
+            <a:r>
+              <a:rPr lang="de-CH" dirty="0" err="1" smtClean="0"/>
+              <a:t>added</a:t>
+            </a:r>
+            <a:r>
+              <a:rPr lang="de-CH" dirty="0" smtClean="0"/>
+              <a:t> </a:t>
+            </a:r>
+            <a:r>
+              <a:rPr lang="de-CH" dirty="0" err="1" smtClean="0"/>
+              <a:t>to</a:t>
+            </a:r>
+            <a:r>
+              <a:rPr lang="de-CH" dirty="0" smtClean="0"/>
+              <a:t> </a:t>
+            </a:r>
+            <a:r>
+              <a:rPr lang="de-CH" dirty="0" err="1" smtClean="0"/>
+              <a:t>client</a:t>
+            </a:r>
+            <a:r>
+              <a:rPr lang="de-CH" dirty="0" smtClean="0"/>
+              <a:t> </a:t>
+            </a:r>
+            <a:r>
+              <a:rPr lang="de-CH" dirty="0" err="1" smtClean="0"/>
+              <a:t>configuration</a:t>
+            </a:r>
+            <a:endParaRPr lang="de-CH" dirty="0" smtClean="0"/>
+          </a:p>
+          <a:p>
+            <a:r>
+              <a:rPr lang="de-CH" dirty="0" smtClean="0"/>
+              <a:t>Primary </a:t>
+            </a:r>
+            <a:r>
+              <a:rPr lang="de-CH" dirty="0" err="1" smtClean="0"/>
+              <a:t>server</a:t>
+            </a:r>
+            <a:r>
+              <a:rPr lang="de-CH" dirty="0" smtClean="0"/>
+              <a:t> (</a:t>
+            </a:r>
+            <a:r>
+              <a:rPr lang="de-CH" dirty="0" err="1" smtClean="0"/>
+              <a:t>and</a:t>
+            </a:r>
+            <a:r>
+              <a:rPr lang="de-CH" dirty="0" smtClean="0"/>
+              <a:t> </a:t>
+            </a:r>
+            <a:r>
+              <a:rPr lang="de-CH" dirty="0" err="1" smtClean="0"/>
+              <a:t>other</a:t>
+            </a:r>
+            <a:r>
+              <a:rPr lang="de-CH" dirty="0" smtClean="0"/>
+              <a:t> </a:t>
+            </a:r>
+            <a:r>
+              <a:rPr lang="de-CH" dirty="0" err="1" smtClean="0"/>
+              <a:t>of</a:t>
+            </a:r>
+            <a:r>
+              <a:rPr lang="de-CH" dirty="0" smtClean="0"/>
+              <a:t> </a:t>
+            </a:r>
+            <a:r>
+              <a:rPr lang="de-CH" dirty="0" err="1" smtClean="0"/>
+              <a:t>the</a:t>
+            </a:r>
+            <a:r>
+              <a:rPr lang="de-CH" dirty="0" smtClean="0"/>
+              <a:t> </a:t>
+            </a:r>
+            <a:r>
+              <a:rPr lang="de-CH" dirty="0" err="1" smtClean="0"/>
+              <a:t>replica</a:t>
+            </a:r>
+            <a:r>
+              <a:rPr lang="de-CH" dirty="0" smtClean="0"/>
+              <a:t> </a:t>
+            </a:r>
+            <a:r>
+              <a:rPr lang="de-CH" dirty="0" err="1" smtClean="0"/>
+              <a:t>set</a:t>
+            </a:r>
+            <a:r>
+              <a:rPr lang="de-CH" dirty="0" smtClean="0"/>
+              <a:t>) </a:t>
+            </a:r>
+            <a:r>
+              <a:rPr lang="de-CH" dirty="0" err="1" smtClean="0"/>
+              <a:t>are</a:t>
+            </a:r>
+            <a:r>
+              <a:rPr lang="de-CH" dirty="0" smtClean="0"/>
+              <a:t> </a:t>
+            </a:r>
+            <a:r>
+              <a:rPr lang="de-CH" dirty="0" err="1" smtClean="0"/>
+              <a:t>automatically</a:t>
+            </a:r>
+            <a:r>
+              <a:rPr lang="de-CH" dirty="0" smtClean="0"/>
+              <a:t> </a:t>
+            </a:r>
+            <a:r>
+              <a:rPr lang="de-CH" dirty="0" err="1" smtClean="0"/>
+              <a:t>discovered</a:t>
+            </a:r>
+            <a:r>
+              <a:rPr lang="de-CH" dirty="0" smtClean="0"/>
+              <a:t>, </a:t>
+            </a:r>
+            <a:r>
+              <a:rPr lang="de-CH" dirty="0" err="1" smtClean="0"/>
+              <a:t>when</a:t>
+            </a:r>
+            <a:r>
+              <a:rPr lang="de-CH" dirty="0" smtClean="0"/>
+              <a:t> at least </a:t>
+            </a:r>
+            <a:r>
+              <a:rPr lang="de-CH" dirty="0" err="1" smtClean="0"/>
+              <a:t>one</a:t>
+            </a:r>
+            <a:r>
+              <a:rPr lang="de-CH" dirty="0" smtClean="0"/>
+              <a:t> valid </a:t>
+            </a:r>
+            <a:r>
+              <a:rPr lang="de-CH" dirty="0" err="1" smtClean="0"/>
+              <a:t>server</a:t>
+            </a:r>
+            <a:r>
+              <a:rPr lang="de-CH" dirty="0" smtClean="0"/>
+              <a:t> </a:t>
+            </a:r>
+            <a:r>
+              <a:rPr lang="de-CH" dirty="0" err="1" smtClean="0"/>
+              <a:t>addresses</a:t>
+            </a:r>
+            <a:r>
+              <a:rPr lang="de-CH" dirty="0" smtClean="0"/>
+              <a:t> </a:t>
+            </a:r>
+            <a:r>
+              <a:rPr lang="de-CH" dirty="0" err="1" smtClean="0"/>
+              <a:t>is</a:t>
+            </a:r>
+            <a:r>
+              <a:rPr lang="de-CH" dirty="0" smtClean="0"/>
+              <a:t> </a:t>
+            </a:r>
+            <a:r>
+              <a:rPr lang="de-CH" dirty="0" err="1" smtClean="0"/>
+              <a:t>given</a:t>
+            </a:r>
+            <a:endParaRPr lang="de-CH" dirty="0" smtClean="0"/>
+          </a:p>
+          <a:p>
+            <a:r>
+              <a:rPr lang="de-CH" dirty="0" err="1" smtClean="0"/>
+              <a:t>Replica</a:t>
+            </a:r>
+            <a:r>
+              <a:rPr lang="de-CH" dirty="0" smtClean="0"/>
+              <a:t> </a:t>
+            </a:r>
+            <a:r>
+              <a:rPr lang="de-CH" dirty="0" err="1" smtClean="0"/>
+              <a:t>set</a:t>
+            </a:r>
+            <a:r>
+              <a:rPr lang="de-CH" dirty="0" smtClean="0"/>
+              <a:t> </a:t>
+            </a:r>
+            <a:r>
+              <a:rPr lang="de-CH" dirty="0" err="1" smtClean="0"/>
+              <a:t>name</a:t>
+            </a:r>
+            <a:r>
+              <a:rPr lang="de-CH" dirty="0" smtClean="0"/>
+              <a:t> </a:t>
+            </a:r>
+            <a:r>
+              <a:rPr lang="de-CH" dirty="0" err="1" smtClean="0"/>
+              <a:t>can</a:t>
+            </a:r>
+            <a:r>
+              <a:rPr lang="de-CH" dirty="0" smtClean="0"/>
+              <a:t> </a:t>
+            </a:r>
+            <a:r>
+              <a:rPr lang="de-CH" dirty="0" err="1" smtClean="0"/>
+              <a:t>be</a:t>
+            </a:r>
+            <a:r>
+              <a:rPr lang="de-CH" dirty="0" smtClean="0"/>
+              <a:t> </a:t>
+            </a:r>
+            <a:r>
+              <a:rPr lang="de-CH" dirty="0" err="1" smtClean="0"/>
+              <a:t>specified</a:t>
+            </a:r>
+            <a:r>
+              <a:rPr lang="de-CH" dirty="0" smtClean="0"/>
+              <a:t> </a:t>
+            </a:r>
+            <a:r>
+              <a:rPr lang="de-CH" dirty="0" err="1" smtClean="0"/>
+              <a:t>to</a:t>
+            </a:r>
+            <a:r>
+              <a:rPr lang="de-CH" dirty="0" smtClean="0"/>
+              <a:t> </a:t>
+            </a:r>
+            <a:r>
+              <a:rPr lang="de-CH" dirty="0" err="1" smtClean="0"/>
+              <a:t>guarantee</a:t>
+            </a:r>
+            <a:r>
+              <a:rPr lang="de-CH" dirty="0" smtClean="0"/>
+              <a:t> </a:t>
+            </a:r>
+            <a:r>
+              <a:rPr lang="de-CH" dirty="0" err="1" smtClean="0"/>
+              <a:t>the</a:t>
+            </a:r>
+            <a:r>
+              <a:rPr lang="de-CH" dirty="0" smtClean="0"/>
+              <a:t> </a:t>
+            </a:r>
+            <a:r>
+              <a:rPr lang="de-CH" dirty="0" err="1" smtClean="0"/>
+              <a:t>servers</a:t>
+            </a:r>
+            <a:r>
+              <a:rPr lang="de-CH" dirty="0" smtClean="0"/>
+              <a:t> </a:t>
+            </a:r>
+            <a:r>
+              <a:rPr lang="de-CH" dirty="0" err="1" smtClean="0"/>
+              <a:t>are</a:t>
+            </a:r>
+            <a:r>
+              <a:rPr lang="de-CH" dirty="0" smtClean="0"/>
+              <a:t> </a:t>
+            </a:r>
+            <a:r>
+              <a:rPr lang="de-CH" dirty="0" err="1" smtClean="0"/>
+              <a:t>part</a:t>
+            </a:r>
+            <a:r>
+              <a:rPr lang="de-CH" dirty="0" smtClean="0"/>
+              <a:t> </a:t>
+            </a:r>
+            <a:r>
+              <a:rPr lang="de-CH" dirty="0" err="1" smtClean="0"/>
+              <a:t>of</a:t>
+            </a:r>
+            <a:r>
+              <a:rPr lang="de-CH" dirty="0" smtClean="0"/>
+              <a:t> </a:t>
+            </a:r>
+            <a:r>
+              <a:rPr lang="de-CH" dirty="0" err="1" smtClean="0"/>
+              <a:t>it</a:t>
+            </a:r>
+            <a:endParaRPr lang="de-CH" dirty="0"/>
+          </a:p>
+        </p:txBody>
+      </p:sp>
+      <p:sp>
+        <p:nvSpPr>
+          <p:cNvPr id="4" name="Rectangle 1"/>
+          <p:cNvSpPr>
+            <a:spLocks noChangeArrowheads="1"/>
+          </p:cNvSpPr>
+          <p:nvPr/>
+        </p:nvSpPr>
+        <p:spPr bwMode="auto">
+          <a:xfrm>
+            <a:off x="1460665" y="5253633"/>
+            <a:ext cx="7267699" cy="923330"/>
+          </a:xfrm>
+          <a:prstGeom prst="rect">
+            <a:avLst/>
+          </a:prstGeom>
+          <a:solidFill>
+            <a:srgbClr val="2B2B2B"/>
+          </a:solidFill>
+          <a:ln>
+            <a:noFill/>
+          </a:ln>
+          <a:effectLst/>
+          <a:extLst>
+            <a:ext uri="{91240B29-F687-4F45-9708-019B960494DF}">
+              <a14:hiddenLine xmlns:a14="http://schemas.microsoft.com/office/drawing/2010/main" w="9525">
+                <a:solidFill>
+                  <a:schemeClr val="tx1"/>
+                </a:solidFill>
+                <a:miter lim="800000"/>
+                <a:headEnd/>
+                <a:tailEnd/>
+              </a14:hiddenLine>
+            </a:ext>
+            <a:ext uri="{AF507438-7753-43E0-B8FC-AC1667EBCBE1}">
+              <a14:hiddenEffects xmlns:a14="http://schemas.microsoft.com/office/drawing/2010/main">
+                <a:effectLst>
+                  <a:outerShdw dist="35921" dir="2700000" algn="ctr" rotWithShape="0">
+                    <a:schemeClr val="bg2"/>
+                  </a:outerShdw>
+                </a:effectLst>
+              </a14:hiddenEffects>
+            </a:ext>
+          </a:extLst>
+        </p:spPr>
+        <p:txBody>
+          <a:bodyPr vert="horz" wrap="square" lIns="91440" tIns="45720" rIns="91440" bIns="45720" numCol="1" anchor="ctr" anchorCtr="0" compatLnSpc="1">
+            <a:prstTxWarp prst="textNoShape">
+              <a:avLst/>
+            </a:prstTxWarp>
+            <a:spAutoFit/>
+          </a:bodyPr>
+          <a:lstStyle/>
+          <a:p>
+            <a:pPr marL="0" marR="0" lvl="0" indent="0" algn="l" defTabSz="914400" rtl="0" eaLnBrk="0" fontAlgn="base" latinLnBrk="0" hangingPunct="0">
+              <a:lnSpc>
+                <a:spcPct val="100000"/>
+              </a:lnSpc>
+              <a:spcBef>
+                <a:spcPct val="0"/>
+              </a:spcBef>
+              <a:spcAft>
+                <a:spcPct val="0"/>
+              </a:spcAft>
+              <a:buClrTx/>
+              <a:buSzTx/>
+              <a:buFontTx/>
+              <a:buNone/>
+              <a:tabLst/>
+            </a:pPr>
+            <a:r>
+              <a:rPr kumimoji="0" lang="de-DE" altLang="de-DE" sz="900" b="0" i="0" u="none" strike="noStrike" cap="none" normalizeH="0" baseline="0" smtClean="0">
+                <a:ln>
+                  <a:noFill/>
+                </a:ln>
+                <a:solidFill>
+                  <a:srgbClr val="A9B7C6"/>
+                </a:solidFill>
+                <a:effectLst/>
+                <a:latin typeface="Courier New" panose="02070309020205020404" pitchFamily="49" charset="0"/>
+                <a:cs typeface="Courier New" panose="02070309020205020404" pitchFamily="49" charset="0"/>
+              </a:rPr>
+              <a:t>MongoClient client = </a:t>
+            </a:r>
+            <a:r>
+              <a:rPr kumimoji="0" lang="de-DE" altLang="de-DE" sz="900" b="0" i="0" u="none" strike="noStrike" cap="none" normalizeH="0" baseline="0" smtClean="0">
+                <a:ln>
+                  <a:noFill/>
+                </a:ln>
+                <a:solidFill>
+                  <a:srgbClr val="CC7832"/>
+                </a:solidFill>
+                <a:effectLst/>
+                <a:latin typeface="Courier New" panose="02070309020205020404" pitchFamily="49" charset="0"/>
+                <a:cs typeface="Courier New" panose="02070309020205020404" pitchFamily="49" charset="0"/>
+              </a:rPr>
+              <a:t>new </a:t>
+            </a:r>
+            <a:r>
+              <a:rPr kumimoji="0" lang="de-DE" altLang="de-DE" sz="900" b="0" i="0" u="none" strike="noStrike" cap="none" normalizeH="0" baseline="0" smtClean="0">
+                <a:ln>
+                  <a:noFill/>
+                </a:ln>
+                <a:solidFill>
+                  <a:srgbClr val="A9B7C6"/>
+                </a:solidFill>
+                <a:effectLst/>
+                <a:latin typeface="Courier New" panose="02070309020205020404" pitchFamily="49" charset="0"/>
+                <a:cs typeface="Courier New" panose="02070309020205020404" pitchFamily="49" charset="0"/>
+              </a:rPr>
+              <a:t>MongoClient(</a:t>
+            </a:r>
+            <a:r>
+              <a:rPr kumimoji="0" lang="de-DE" altLang="de-DE" sz="900" b="0" i="1" u="none" strike="noStrike" cap="none" normalizeH="0" baseline="0" smtClean="0">
+                <a:ln>
+                  <a:noFill/>
+                </a:ln>
+                <a:solidFill>
+                  <a:srgbClr val="A9B7C6"/>
+                </a:solidFill>
+                <a:effectLst/>
+                <a:latin typeface="Courier New" panose="02070309020205020404" pitchFamily="49" charset="0"/>
+                <a:cs typeface="Courier New" panose="02070309020205020404" pitchFamily="49" charset="0"/>
+              </a:rPr>
+              <a:t>asList</a:t>
+            </a:r>
+            <a:r>
+              <a:rPr kumimoji="0" lang="de-DE" altLang="de-DE" sz="900" b="0" i="0" u="none" strike="noStrike" cap="none" normalizeH="0" baseline="0" smtClean="0">
+                <a:ln>
+                  <a:noFill/>
+                </a:ln>
+                <a:solidFill>
+                  <a:srgbClr val="A9B7C6"/>
+                </a:solidFill>
+                <a:effectLst/>
+                <a:latin typeface="Courier New" panose="02070309020205020404" pitchFamily="49" charset="0"/>
+                <a:cs typeface="Courier New" panose="02070309020205020404" pitchFamily="49" charset="0"/>
+              </a:rPr>
+              <a:t>(</a:t>
+            </a:r>
+            <a:r>
+              <a:rPr kumimoji="0" lang="de-DE" altLang="de-DE" sz="900" b="0" i="0" u="none" strike="noStrike" cap="none" normalizeH="0" baseline="0" smtClean="0">
+                <a:ln>
+                  <a:noFill/>
+                </a:ln>
+                <a:solidFill>
+                  <a:srgbClr val="CC7832"/>
+                </a:solidFill>
+                <a:effectLst/>
+                <a:latin typeface="Courier New" panose="02070309020205020404" pitchFamily="49" charset="0"/>
+                <a:cs typeface="Courier New" panose="02070309020205020404" pitchFamily="49" charset="0"/>
+              </a:rPr>
+              <a:t>new </a:t>
+            </a:r>
+            <a:r>
+              <a:rPr kumimoji="0" lang="de-DE" altLang="de-DE" sz="900" b="0" i="0" u="none" strike="noStrike" cap="none" normalizeH="0" baseline="0" smtClean="0">
+                <a:ln>
+                  <a:noFill/>
+                </a:ln>
+                <a:solidFill>
+                  <a:srgbClr val="A9B7C6"/>
+                </a:solidFill>
+                <a:effectLst/>
+                <a:latin typeface="Courier New" panose="02070309020205020404" pitchFamily="49" charset="0"/>
+                <a:cs typeface="Courier New" panose="02070309020205020404" pitchFamily="49" charset="0"/>
+              </a:rPr>
+              <a:t>ServerAddress(</a:t>
+            </a:r>
+            <a:r>
+              <a:rPr kumimoji="0" lang="de-DE" altLang="de-DE" sz="900" b="0" i="0" u="none" strike="noStrike" cap="none" normalizeH="0" baseline="0" smtClean="0">
+                <a:ln>
+                  <a:noFill/>
+                </a:ln>
+                <a:solidFill>
+                  <a:srgbClr val="6A8759"/>
+                </a:solidFill>
+                <a:effectLst/>
+                <a:latin typeface="Courier New" panose="02070309020205020404" pitchFamily="49" charset="0"/>
+                <a:cs typeface="Courier New" panose="02070309020205020404" pitchFamily="49" charset="0"/>
+              </a:rPr>
+              <a:t>"localhost"</a:t>
+            </a:r>
+            <a:r>
+              <a:rPr kumimoji="0" lang="de-DE" altLang="de-DE" sz="900" b="0" i="0" u="none" strike="noStrike" cap="none" normalizeH="0" baseline="0" smtClean="0">
+                <a:ln>
+                  <a:noFill/>
+                </a:ln>
+                <a:solidFill>
+                  <a:srgbClr val="CC7832"/>
+                </a:solidFill>
+                <a:effectLst/>
+                <a:latin typeface="Courier New" panose="02070309020205020404" pitchFamily="49" charset="0"/>
+                <a:cs typeface="Courier New" panose="02070309020205020404" pitchFamily="49" charset="0"/>
+              </a:rPr>
+              <a:t>, </a:t>
+            </a:r>
+            <a:r>
+              <a:rPr kumimoji="0" lang="de-DE" altLang="de-DE" sz="900" b="0" i="0" u="none" strike="noStrike" cap="none" normalizeH="0" baseline="0" smtClean="0">
+                <a:ln>
+                  <a:noFill/>
+                </a:ln>
+                <a:solidFill>
+                  <a:srgbClr val="6897BB"/>
+                </a:solidFill>
+                <a:effectLst/>
+                <a:latin typeface="Courier New" panose="02070309020205020404" pitchFamily="49" charset="0"/>
+                <a:cs typeface="Courier New" panose="02070309020205020404" pitchFamily="49" charset="0"/>
+              </a:rPr>
+              <a:t>27017</a:t>
+            </a:r>
+            <a:r>
+              <a:rPr kumimoji="0" lang="de-DE" altLang="de-DE" sz="900" b="0" i="0" u="none" strike="noStrike" cap="none" normalizeH="0" baseline="0" smtClean="0">
+                <a:ln>
+                  <a:noFill/>
+                </a:ln>
+                <a:solidFill>
+                  <a:srgbClr val="A9B7C6"/>
+                </a:solidFill>
+                <a:effectLst/>
+                <a:latin typeface="Courier New" panose="02070309020205020404" pitchFamily="49" charset="0"/>
+                <a:cs typeface="Courier New" panose="02070309020205020404" pitchFamily="49" charset="0"/>
+              </a:rPr>
+              <a:t>)</a:t>
+            </a:r>
+            <a:r>
+              <a:rPr kumimoji="0" lang="de-DE" altLang="de-DE" sz="900" b="0" i="0" u="none" strike="noStrike" cap="none" normalizeH="0" baseline="0" smtClean="0">
+                <a:ln>
+                  <a:noFill/>
+                </a:ln>
+                <a:solidFill>
+                  <a:srgbClr val="CC7832"/>
+                </a:solidFill>
+                <a:effectLst/>
+                <a:latin typeface="Courier New" panose="02070309020205020404" pitchFamily="49" charset="0"/>
+                <a:cs typeface="Courier New" panose="02070309020205020404" pitchFamily="49" charset="0"/>
+              </a:rPr>
+              <a:t>,</a:t>
+            </a:r>
+            <a:br>
+              <a:rPr kumimoji="0" lang="de-DE" altLang="de-DE" sz="900" b="0" i="0" u="none" strike="noStrike" cap="none" normalizeH="0" baseline="0" smtClean="0">
+                <a:ln>
+                  <a:noFill/>
+                </a:ln>
+                <a:solidFill>
+                  <a:srgbClr val="CC7832"/>
+                </a:solidFill>
+                <a:effectLst/>
+                <a:latin typeface="Courier New" panose="02070309020205020404" pitchFamily="49" charset="0"/>
+                <a:cs typeface="Courier New" panose="02070309020205020404" pitchFamily="49" charset="0"/>
+              </a:rPr>
+            </a:br>
+            <a:r>
+              <a:rPr kumimoji="0" lang="de-DE" altLang="de-DE" sz="900" b="0" i="0" u="none" strike="noStrike" cap="none" normalizeH="0" baseline="0" smtClean="0">
+                <a:ln>
+                  <a:noFill/>
+                </a:ln>
+                <a:solidFill>
+                  <a:srgbClr val="CC7832"/>
+                </a:solidFill>
+                <a:effectLst/>
+                <a:latin typeface="Courier New" panose="02070309020205020404" pitchFamily="49" charset="0"/>
+                <a:cs typeface="Courier New" panose="02070309020205020404" pitchFamily="49" charset="0"/>
+              </a:rPr>
+              <a:t>                                            new </a:t>
+            </a:r>
+            <a:r>
+              <a:rPr kumimoji="0" lang="de-DE" altLang="de-DE" sz="900" b="0" i="0" u="none" strike="noStrike" cap="none" normalizeH="0" baseline="0" smtClean="0">
+                <a:ln>
+                  <a:noFill/>
+                </a:ln>
+                <a:solidFill>
+                  <a:srgbClr val="A9B7C6"/>
+                </a:solidFill>
+                <a:effectLst/>
+                <a:latin typeface="Courier New" panose="02070309020205020404" pitchFamily="49" charset="0"/>
+                <a:cs typeface="Courier New" panose="02070309020205020404" pitchFamily="49" charset="0"/>
+              </a:rPr>
+              <a:t>ServerAddress(</a:t>
+            </a:r>
+            <a:r>
+              <a:rPr kumimoji="0" lang="de-DE" altLang="de-DE" sz="900" b="0" i="0" u="none" strike="noStrike" cap="none" normalizeH="0" baseline="0" smtClean="0">
+                <a:ln>
+                  <a:noFill/>
+                </a:ln>
+                <a:solidFill>
+                  <a:srgbClr val="6A8759"/>
+                </a:solidFill>
+                <a:effectLst/>
+                <a:latin typeface="Courier New" panose="02070309020205020404" pitchFamily="49" charset="0"/>
+                <a:cs typeface="Courier New" panose="02070309020205020404" pitchFamily="49" charset="0"/>
+              </a:rPr>
+              <a:t>"localhost"</a:t>
+            </a:r>
+            <a:r>
+              <a:rPr kumimoji="0" lang="de-DE" altLang="de-DE" sz="900" b="0" i="0" u="none" strike="noStrike" cap="none" normalizeH="0" baseline="0" smtClean="0">
+                <a:ln>
+                  <a:noFill/>
+                </a:ln>
+                <a:solidFill>
+                  <a:srgbClr val="CC7832"/>
+                </a:solidFill>
+                <a:effectLst/>
+                <a:latin typeface="Courier New" panose="02070309020205020404" pitchFamily="49" charset="0"/>
+                <a:cs typeface="Courier New" panose="02070309020205020404" pitchFamily="49" charset="0"/>
+              </a:rPr>
+              <a:t>, </a:t>
+            </a:r>
+            <a:r>
+              <a:rPr kumimoji="0" lang="de-DE" altLang="de-DE" sz="900" b="0" i="0" u="none" strike="noStrike" cap="none" normalizeH="0" baseline="0" smtClean="0">
+                <a:ln>
+                  <a:noFill/>
+                </a:ln>
+                <a:solidFill>
+                  <a:srgbClr val="6897BB"/>
+                </a:solidFill>
+                <a:effectLst/>
+                <a:latin typeface="Courier New" panose="02070309020205020404" pitchFamily="49" charset="0"/>
+                <a:cs typeface="Courier New" panose="02070309020205020404" pitchFamily="49" charset="0"/>
+              </a:rPr>
+              <a:t>27018</a:t>
+            </a:r>
+            <a:r>
+              <a:rPr kumimoji="0" lang="de-DE" altLang="de-DE" sz="900" b="0" i="0" u="none" strike="noStrike" cap="none" normalizeH="0" baseline="0" smtClean="0">
+                <a:ln>
+                  <a:noFill/>
+                </a:ln>
+                <a:solidFill>
+                  <a:srgbClr val="A9B7C6"/>
+                </a:solidFill>
+                <a:effectLst/>
+                <a:latin typeface="Courier New" panose="02070309020205020404" pitchFamily="49" charset="0"/>
+                <a:cs typeface="Courier New" panose="02070309020205020404" pitchFamily="49" charset="0"/>
+              </a:rPr>
+              <a:t>)</a:t>
+            </a:r>
+            <a:r>
+              <a:rPr kumimoji="0" lang="de-DE" altLang="de-DE" sz="900" b="0" i="0" u="none" strike="noStrike" cap="none" normalizeH="0" baseline="0" smtClean="0">
+                <a:ln>
+                  <a:noFill/>
+                </a:ln>
+                <a:solidFill>
+                  <a:srgbClr val="CC7832"/>
+                </a:solidFill>
+                <a:effectLst/>
+                <a:latin typeface="Courier New" panose="02070309020205020404" pitchFamily="49" charset="0"/>
+                <a:cs typeface="Courier New" panose="02070309020205020404" pitchFamily="49" charset="0"/>
+              </a:rPr>
+              <a:t>,</a:t>
+            </a:r>
+            <a:br>
+              <a:rPr kumimoji="0" lang="de-DE" altLang="de-DE" sz="900" b="0" i="0" u="none" strike="noStrike" cap="none" normalizeH="0" baseline="0" smtClean="0">
+                <a:ln>
+                  <a:noFill/>
+                </a:ln>
+                <a:solidFill>
+                  <a:srgbClr val="CC7832"/>
+                </a:solidFill>
+                <a:effectLst/>
+                <a:latin typeface="Courier New" panose="02070309020205020404" pitchFamily="49" charset="0"/>
+                <a:cs typeface="Courier New" panose="02070309020205020404" pitchFamily="49" charset="0"/>
+              </a:rPr>
+            </a:br>
+            <a:r>
+              <a:rPr kumimoji="0" lang="de-DE" altLang="de-DE" sz="900" b="0" i="0" u="none" strike="noStrike" cap="none" normalizeH="0" baseline="0" smtClean="0">
+                <a:ln>
+                  <a:noFill/>
+                </a:ln>
+                <a:solidFill>
+                  <a:srgbClr val="CC7832"/>
+                </a:solidFill>
+                <a:effectLst/>
+                <a:latin typeface="Courier New" panose="02070309020205020404" pitchFamily="49" charset="0"/>
+                <a:cs typeface="Courier New" panose="02070309020205020404" pitchFamily="49" charset="0"/>
+              </a:rPr>
+              <a:t>                                            new </a:t>
+            </a:r>
+            <a:r>
+              <a:rPr kumimoji="0" lang="de-DE" altLang="de-DE" sz="900" b="0" i="0" u="none" strike="noStrike" cap="none" normalizeH="0" baseline="0" smtClean="0">
+                <a:ln>
+                  <a:noFill/>
+                </a:ln>
+                <a:solidFill>
+                  <a:srgbClr val="A9B7C6"/>
+                </a:solidFill>
+                <a:effectLst/>
+                <a:latin typeface="Courier New" panose="02070309020205020404" pitchFamily="49" charset="0"/>
+                <a:cs typeface="Courier New" panose="02070309020205020404" pitchFamily="49" charset="0"/>
+              </a:rPr>
+              <a:t>ServerAddress(</a:t>
+            </a:r>
+            <a:r>
+              <a:rPr kumimoji="0" lang="de-DE" altLang="de-DE" sz="900" b="0" i="0" u="none" strike="noStrike" cap="none" normalizeH="0" baseline="0" smtClean="0">
+                <a:ln>
+                  <a:noFill/>
+                </a:ln>
+                <a:solidFill>
+                  <a:srgbClr val="6A8759"/>
+                </a:solidFill>
+                <a:effectLst/>
+                <a:latin typeface="Courier New" panose="02070309020205020404" pitchFamily="49" charset="0"/>
+                <a:cs typeface="Courier New" panose="02070309020205020404" pitchFamily="49" charset="0"/>
+              </a:rPr>
+              <a:t>"localhost"</a:t>
+            </a:r>
+            <a:r>
+              <a:rPr kumimoji="0" lang="de-DE" altLang="de-DE" sz="900" b="0" i="0" u="none" strike="noStrike" cap="none" normalizeH="0" baseline="0" smtClean="0">
+                <a:ln>
+                  <a:noFill/>
+                </a:ln>
+                <a:solidFill>
+                  <a:srgbClr val="CC7832"/>
+                </a:solidFill>
+                <a:effectLst/>
+                <a:latin typeface="Courier New" panose="02070309020205020404" pitchFamily="49" charset="0"/>
+                <a:cs typeface="Courier New" panose="02070309020205020404" pitchFamily="49" charset="0"/>
+              </a:rPr>
+              <a:t>, </a:t>
+            </a:r>
+            <a:r>
+              <a:rPr kumimoji="0" lang="de-DE" altLang="de-DE" sz="900" b="0" i="0" u="none" strike="noStrike" cap="none" normalizeH="0" baseline="0" smtClean="0">
+                <a:ln>
+                  <a:noFill/>
+                </a:ln>
+                <a:solidFill>
+                  <a:srgbClr val="6897BB"/>
+                </a:solidFill>
+                <a:effectLst/>
+                <a:latin typeface="Courier New" panose="02070309020205020404" pitchFamily="49" charset="0"/>
+                <a:cs typeface="Courier New" panose="02070309020205020404" pitchFamily="49" charset="0"/>
+              </a:rPr>
+              <a:t>27019</a:t>
+            </a:r>
+            <a:r>
+              <a:rPr kumimoji="0" lang="de-DE" altLang="de-DE" sz="900" b="0" i="0" u="none" strike="noStrike" cap="none" normalizeH="0" baseline="0" smtClean="0">
+                <a:ln>
+                  <a:noFill/>
+                </a:ln>
+                <a:solidFill>
+                  <a:srgbClr val="A9B7C6"/>
+                </a:solidFill>
+                <a:effectLst/>
+                <a:latin typeface="Courier New" panose="02070309020205020404" pitchFamily="49" charset="0"/>
+                <a:cs typeface="Courier New" panose="02070309020205020404" pitchFamily="49" charset="0"/>
+              </a:rPr>
+              <a:t>))</a:t>
+            </a:r>
+            <a:r>
+              <a:rPr kumimoji="0" lang="de-DE" altLang="de-DE" sz="900" b="0" i="0" u="none" strike="noStrike" cap="none" normalizeH="0" baseline="0" smtClean="0">
+                <a:ln>
+                  <a:noFill/>
+                </a:ln>
+                <a:solidFill>
+                  <a:srgbClr val="CC7832"/>
+                </a:solidFill>
+                <a:effectLst/>
+                <a:latin typeface="Courier New" panose="02070309020205020404" pitchFamily="49" charset="0"/>
+                <a:cs typeface="Courier New" panose="02070309020205020404" pitchFamily="49" charset="0"/>
+              </a:rPr>
+              <a:t>,</a:t>
+            </a:r>
+            <a:br>
+              <a:rPr kumimoji="0" lang="de-DE" altLang="de-DE" sz="900" b="0" i="0" u="none" strike="noStrike" cap="none" normalizeH="0" baseline="0" smtClean="0">
+                <a:ln>
+                  <a:noFill/>
+                </a:ln>
+                <a:solidFill>
+                  <a:srgbClr val="CC7832"/>
+                </a:solidFill>
+                <a:effectLst/>
+                <a:latin typeface="Courier New" panose="02070309020205020404" pitchFamily="49" charset="0"/>
+                <a:cs typeface="Courier New" panose="02070309020205020404" pitchFamily="49" charset="0"/>
+              </a:rPr>
+            </a:br>
+            <a:r>
+              <a:rPr kumimoji="0" lang="de-DE" altLang="de-DE" sz="900" b="0" i="0" u="none" strike="noStrike" cap="none" normalizeH="0" baseline="0" smtClean="0">
+                <a:ln>
+                  <a:noFill/>
+                </a:ln>
+                <a:solidFill>
+                  <a:srgbClr val="CC7832"/>
+                </a:solidFill>
+                <a:effectLst/>
+                <a:latin typeface="Courier New" panose="02070309020205020404" pitchFamily="49" charset="0"/>
+                <a:cs typeface="Courier New" panose="02070309020205020404" pitchFamily="49" charset="0"/>
+              </a:rPr>
+              <a:t>                                    </a:t>
+            </a:r>
+            <a:r>
+              <a:rPr kumimoji="0" lang="de-DE" altLang="de-DE" sz="900" b="0" i="0" u="none" strike="noStrike" cap="none" normalizeH="0" baseline="0" smtClean="0">
+                <a:ln>
+                  <a:noFill/>
+                </a:ln>
+                <a:solidFill>
+                  <a:srgbClr val="A9B7C6"/>
+                </a:solidFill>
+                <a:effectLst/>
+                <a:latin typeface="Courier New" panose="02070309020205020404" pitchFamily="49" charset="0"/>
+                <a:cs typeface="Courier New" panose="02070309020205020404" pitchFamily="49" charset="0"/>
+              </a:rPr>
+              <a:t>MongoClientOptions.</a:t>
+            </a:r>
+            <a:r>
+              <a:rPr kumimoji="0" lang="de-DE" altLang="de-DE" sz="900" b="0" i="1" u="none" strike="noStrike" cap="none" normalizeH="0" baseline="0" smtClean="0">
+                <a:ln>
+                  <a:noFill/>
+                </a:ln>
+                <a:solidFill>
+                  <a:srgbClr val="A9B7C6"/>
+                </a:solidFill>
+                <a:effectLst/>
+                <a:latin typeface="Courier New" panose="02070309020205020404" pitchFamily="49" charset="0"/>
+                <a:cs typeface="Courier New" panose="02070309020205020404" pitchFamily="49" charset="0"/>
+              </a:rPr>
+              <a:t>builder</a:t>
+            </a:r>
+            <a:r>
+              <a:rPr kumimoji="0" lang="de-DE" altLang="de-DE" sz="900" b="0" i="0" u="none" strike="noStrike" cap="none" normalizeH="0" baseline="0" smtClean="0">
+                <a:ln>
+                  <a:noFill/>
+                </a:ln>
+                <a:solidFill>
+                  <a:srgbClr val="A9B7C6"/>
+                </a:solidFill>
+                <a:effectLst/>
+                <a:latin typeface="Courier New" panose="02070309020205020404" pitchFamily="49" charset="0"/>
+                <a:cs typeface="Courier New" panose="02070309020205020404" pitchFamily="49" charset="0"/>
+              </a:rPr>
+              <a:t>()</a:t>
+            </a:r>
+            <a:br>
+              <a:rPr kumimoji="0" lang="de-DE" altLang="de-DE" sz="900" b="0" i="0" u="none" strike="noStrike" cap="none" normalizeH="0" baseline="0" smtClean="0">
+                <a:ln>
+                  <a:noFill/>
+                </a:ln>
+                <a:solidFill>
+                  <a:srgbClr val="A9B7C6"/>
+                </a:solidFill>
+                <a:effectLst/>
+                <a:latin typeface="Courier New" panose="02070309020205020404" pitchFamily="49" charset="0"/>
+                <a:cs typeface="Courier New" panose="02070309020205020404" pitchFamily="49" charset="0"/>
+              </a:rPr>
+            </a:br>
+            <a:r>
+              <a:rPr kumimoji="0" lang="de-DE" altLang="de-DE" sz="900" b="0" i="0" u="none" strike="noStrike" cap="none" normalizeH="0" baseline="0" smtClean="0">
+                <a:ln>
+                  <a:noFill/>
+                </a:ln>
+                <a:solidFill>
+                  <a:srgbClr val="A9B7C6"/>
+                </a:solidFill>
+                <a:effectLst/>
+                <a:latin typeface="Courier New" panose="02070309020205020404" pitchFamily="49" charset="0"/>
+                <a:cs typeface="Courier New" panose="02070309020205020404" pitchFamily="49" charset="0"/>
+              </a:rPr>
+              <a:t>                                            .requiredReplicaSetName(</a:t>
+            </a:r>
+            <a:r>
+              <a:rPr kumimoji="0" lang="de-DE" altLang="de-DE" sz="900" b="0" i="0" u="none" strike="noStrike" cap="none" normalizeH="0" baseline="0" smtClean="0">
+                <a:ln>
+                  <a:noFill/>
+                </a:ln>
+                <a:solidFill>
+                  <a:srgbClr val="6A8759"/>
+                </a:solidFill>
+                <a:effectLst/>
+                <a:latin typeface="Courier New" panose="02070309020205020404" pitchFamily="49" charset="0"/>
+                <a:cs typeface="Courier New" panose="02070309020205020404" pitchFamily="49" charset="0"/>
+              </a:rPr>
+              <a:t>"replSet"</a:t>
+            </a:r>
+            <a:r>
+              <a:rPr kumimoji="0" lang="de-DE" altLang="de-DE" sz="900" b="0" i="0" u="none" strike="noStrike" cap="none" normalizeH="0" baseline="0" smtClean="0">
+                <a:ln>
+                  <a:noFill/>
+                </a:ln>
+                <a:solidFill>
+                  <a:srgbClr val="A9B7C6"/>
+                </a:solidFill>
+                <a:effectLst/>
+                <a:latin typeface="Courier New" panose="02070309020205020404" pitchFamily="49" charset="0"/>
+                <a:cs typeface="Courier New" panose="02070309020205020404" pitchFamily="49" charset="0"/>
+              </a:rPr>
+              <a:t>)</a:t>
+            </a:r>
+            <a:br>
+              <a:rPr kumimoji="0" lang="de-DE" altLang="de-DE" sz="900" b="0" i="0" u="none" strike="noStrike" cap="none" normalizeH="0" baseline="0" smtClean="0">
+                <a:ln>
+                  <a:noFill/>
+                </a:ln>
+                <a:solidFill>
+                  <a:srgbClr val="A9B7C6"/>
+                </a:solidFill>
+                <a:effectLst/>
+                <a:latin typeface="Courier New" panose="02070309020205020404" pitchFamily="49" charset="0"/>
+                <a:cs typeface="Courier New" panose="02070309020205020404" pitchFamily="49" charset="0"/>
+              </a:rPr>
+            </a:br>
+            <a:r>
+              <a:rPr kumimoji="0" lang="de-DE" altLang="de-DE" sz="900" b="0" i="0" u="none" strike="noStrike" cap="none" normalizeH="0" baseline="0" smtClean="0">
+                <a:ln>
+                  <a:noFill/>
+                </a:ln>
+                <a:solidFill>
+                  <a:srgbClr val="A9B7C6"/>
+                </a:solidFill>
+                <a:effectLst/>
+                <a:latin typeface="Courier New" panose="02070309020205020404" pitchFamily="49" charset="0"/>
+                <a:cs typeface="Courier New" panose="02070309020205020404" pitchFamily="49" charset="0"/>
+              </a:rPr>
+              <a:t>                                            .build())</a:t>
+            </a:r>
+            <a:r>
+              <a:rPr kumimoji="0" lang="de-DE" altLang="de-DE" sz="900" b="0" i="0" u="none" strike="noStrike" cap="none" normalizeH="0" baseline="0" smtClean="0">
+                <a:ln>
+                  <a:noFill/>
+                </a:ln>
+                <a:solidFill>
+                  <a:srgbClr val="CC7832"/>
+                </a:solidFill>
+                <a:effectLst/>
+                <a:latin typeface="Courier New" panose="02070309020205020404" pitchFamily="49" charset="0"/>
+                <a:cs typeface="Courier New" panose="02070309020205020404" pitchFamily="49" charset="0"/>
+              </a:rPr>
+              <a:t>;</a:t>
+            </a:r>
+            <a:endParaRPr kumimoji="0" lang="de-DE" altLang="de-DE" sz="1800" b="0" i="0" u="none" strike="noStrike" cap="none" normalizeH="0" baseline="0" smtClean="0">
+              <a:ln>
+                <a:noFill/>
+              </a:ln>
+              <a:solidFill>
+                <a:schemeClr val="tx1"/>
+              </a:solidFill>
+              <a:effectLst/>
+              <a:latin typeface="Arial" panose="020B0604020202020204" pitchFamily="34" charset="0"/>
+            </a:endParaRPr>
+          </a:p>
+        </p:txBody>
+      </p:sp>
+    </p:spTree>
+    <p:extLst>
+      <p:ext uri="{BB962C8B-B14F-4D97-AF65-F5344CB8AC3E}">
+        <p14:creationId xmlns:p14="http://schemas.microsoft.com/office/powerpoint/2010/main" val="624581770"/>
+      </p:ext>
+    </p:extLst>
+  </p:cSld>
+  <p:clrMapOvr>
+    <a:masterClrMapping/>
+  </p:clrMapOvr>
+</p:sld>
+</file>
+
+<file path=ppt/slides/slide56.xml><?xml version="1.0" encoding="utf-8"?>
+<p:sld xmlns:a="http://schemas.openxmlformats.org/drawingml/2006/main" xmlns:r="http://schemas.openxmlformats.org/officeDocument/2006/relationships" xmlns:p="http://schemas.openxmlformats.org/presentationml/2006/main">
+  <p:cSld>
+    <p:spTree>
+      <p:nvGrpSpPr>
+        <p:cNvPr id="1" name=""/>
+        <p:cNvGrpSpPr/>
+        <p:nvPr/>
+      </p:nvGrpSpPr>
+      <p:grpSpPr>
+        <a:xfrm>
+          <a:off x="0" y="0"/>
+          <a:ext cx="0" cy="0"/>
+          <a:chOff x="0" y="0"/>
+          <a:chExt cx="0" cy="0"/>
+        </a:xfrm>
+      </p:grpSpPr>
+      <p:sp>
+        <p:nvSpPr>
+          <p:cNvPr id="2" name="Titel 1"/>
+          <p:cNvSpPr>
+            <a:spLocks noGrp="1"/>
+          </p:cNvSpPr>
+          <p:nvPr>
+            <p:ph type="title"/>
+          </p:nvPr>
+        </p:nvSpPr>
+        <p:spPr/>
+        <p:txBody>
+          <a:bodyPr/>
+          <a:lstStyle/>
+          <a:p>
+            <a:r>
+              <a:rPr lang="de-CH" dirty="0" smtClean="0"/>
+              <a:t>Read </a:t>
+            </a:r>
+            <a:r>
+              <a:rPr lang="de-CH" dirty="0" err="1" smtClean="0"/>
+              <a:t>preference</a:t>
+            </a:r>
+            <a:endParaRPr lang="de-CH" dirty="0"/>
+          </a:p>
+        </p:txBody>
+      </p:sp>
+      <p:sp>
+        <p:nvSpPr>
+          <p:cNvPr id="3" name="Inhaltsplatzhalter 2"/>
+          <p:cNvSpPr>
+            <a:spLocks noGrp="1"/>
+          </p:cNvSpPr>
+          <p:nvPr>
+            <p:ph idx="1"/>
+          </p:nvPr>
+        </p:nvSpPr>
+        <p:spPr/>
+        <p:txBody>
+          <a:bodyPr/>
+          <a:lstStyle/>
+          <a:p>
+            <a:r>
+              <a:rPr lang="de-CH" dirty="0" smtClean="0"/>
+              <a:t>Different Preference </a:t>
+            </a:r>
+            <a:r>
+              <a:rPr lang="de-CH" dirty="0" err="1" smtClean="0"/>
+              <a:t>values</a:t>
+            </a:r>
+            <a:endParaRPr lang="de-CH" dirty="0"/>
+          </a:p>
+          <a:p>
+            <a:pPr lvl="1"/>
+            <a:r>
+              <a:rPr lang="de-CH" dirty="0" smtClean="0"/>
+              <a:t>Primary (</a:t>
+            </a:r>
+            <a:r>
+              <a:rPr lang="de-CH" dirty="0" err="1" smtClean="0"/>
+              <a:t>default</a:t>
+            </a:r>
+            <a:r>
+              <a:rPr lang="de-CH" dirty="0" smtClean="0"/>
+              <a:t>): </a:t>
+            </a:r>
+            <a:r>
+              <a:rPr lang="de-CH" dirty="0" err="1" smtClean="0"/>
+              <a:t>only</a:t>
+            </a:r>
+            <a:r>
+              <a:rPr lang="de-CH" dirty="0" smtClean="0"/>
+              <a:t> </a:t>
+            </a:r>
+            <a:r>
+              <a:rPr lang="de-CH" dirty="0" err="1" smtClean="0"/>
+              <a:t>from</a:t>
+            </a:r>
+            <a:r>
+              <a:rPr lang="de-CH" dirty="0" smtClean="0"/>
+              <a:t> </a:t>
+            </a:r>
+            <a:r>
+              <a:rPr lang="de-CH" dirty="0" err="1" smtClean="0"/>
+              <a:t>primary</a:t>
+            </a:r>
+            <a:r>
+              <a:rPr lang="de-CH" dirty="0" smtClean="0"/>
+              <a:t> </a:t>
+            </a:r>
+            <a:r>
+              <a:rPr lang="de-CH" dirty="0" err="1" smtClean="0"/>
+              <a:t>server</a:t>
+            </a:r>
+            <a:endParaRPr lang="de-CH" dirty="0" smtClean="0"/>
+          </a:p>
+          <a:p>
+            <a:pPr lvl="1"/>
+            <a:r>
+              <a:rPr lang="de-CH" dirty="0" err="1" smtClean="0"/>
+              <a:t>PrimaryPreferred</a:t>
+            </a:r>
+            <a:r>
+              <a:rPr lang="de-CH" dirty="0" smtClean="0"/>
+              <a:t>: </a:t>
+            </a:r>
+            <a:r>
+              <a:rPr lang="de-CH" dirty="0" err="1" smtClean="0"/>
+              <a:t>From</a:t>
+            </a:r>
+            <a:r>
+              <a:rPr lang="de-CH" dirty="0" smtClean="0"/>
+              <a:t> </a:t>
+            </a:r>
+            <a:r>
+              <a:rPr lang="de-CH" dirty="0" err="1" smtClean="0"/>
+              <a:t>primary</a:t>
+            </a:r>
+            <a:r>
+              <a:rPr lang="de-CH" dirty="0" smtClean="0"/>
+              <a:t> </a:t>
+            </a:r>
+            <a:r>
+              <a:rPr lang="de-CH" dirty="0" err="1" smtClean="0"/>
+              <a:t>if</a:t>
+            </a:r>
+            <a:r>
+              <a:rPr lang="de-CH" dirty="0" smtClean="0"/>
+              <a:t> </a:t>
+            </a:r>
+            <a:r>
+              <a:rPr lang="de-CH" dirty="0" err="1" smtClean="0"/>
+              <a:t>possible</a:t>
+            </a:r>
+            <a:r>
+              <a:rPr lang="de-CH" dirty="0" smtClean="0"/>
+              <a:t>, </a:t>
+            </a:r>
+            <a:r>
+              <a:rPr lang="de-CH" dirty="0" err="1" smtClean="0"/>
+              <a:t>otherwise</a:t>
+            </a:r>
+            <a:r>
+              <a:rPr lang="de-CH" dirty="0" smtClean="0"/>
+              <a:t> </a:t>
+            </a:r>
+            <a:r>
+              <a:rPr lang="de-CH" dirty="0" err="1" smtClean="0"/>
+              <a:t>from</a:t>
+            </a:r>
+            <a:r>
+              <a:rPr lang="de-CH" dirty="0" smtClean="0"/>
+              <a:t> </a:t>
+            </a:r>
+            <a:r>
+              <a:rPr lang="de-CH" dirty="0" err="1" smtClean="0"/>
+              <a:t>secondary</a:t>
+            </a:r>
+            <a:endParaRPr lang="de-CH" dirty="0" smtClean="0"/>
+          </a:p>
+          <a:p>
+            <a:pPr lvl="1"/>
+            <a:r>
+              <a:rPr lang="de-CH" dirty="0" err="1" smtClean="0"/>
+              <a:t>Secondary</a:t>
+            </a:r>
+            <a:r>
+              <a:rPr lang="de-CH" dirty="0" smtClean="0"/>
+              <a:t>: </a:t>
+            </a:r>
+            <a:r>
+              <a:rPr lang="de-CH" dirty="0" err="1" smtClean="0"/>
+              <a:t>only</a:t>
+            </a:r>
+            <a:r>
+              <a:rPr lang="de-CH" dirty="0" smtClean="0"/>
+              <a:t> </a:t>
+            </a:r>
+            <a:r>
+              <a:rPr lang="de-CH" dirty="0" err="1" smtClean="0"/>
+              <a:t>from</a:t>
+            </a:r>
+            <a:r>
+              <a:rPr lang="de-CH" dirty="0" smtClean="0"/>
+              <a:t> </a:t>
+            </a:r>
+            <a:r>
+              <a:rPr lang="de-CH" dirty="0" err="1" smtClean="0"/>
+              <a:t>Secondary</a:t>
+            </a:r>
+            <a:endParaRPr lang="de-CH" dirty="0" smtClean="0"/>
+          </a:p>
+          <a:p>
+            <a:pPr lvl="1"/>
+            <a:r>
+              <a:rPr lang="de-CH" dirty="0" err="1" smtClean="0"/>
+              <a:t>SecondaryPreferred</a:t>
+            </a:r>
+            <a:r>
+              <a:rPr lang="de-CH" dirty="0" smtClean="0"/>
+              <a:t>: </a:t>
+            </a:r>
+            <a:r>
+              <a:rPr lang="de-CH" dirty="0" err="1" smtClean="0"/>
+              <a:t>From</a:t>
+            </a:r>
+            <a:r>
+              <a:rPr lang="de-CH" dirty="0" smtClean="0"/>
+              <a:t> </a:t>
+            </a:r>
+            <a:r>
+              <a:rPr lang="de-CH" dirty="0" err="1" smtClean="0"/>
+              <a:t>secondary</a:t>
+            </a:r>
+            <a:r>
+              <a:rPr lang="de-CH" dirty="0" smtClean="0"/>
+              <a:t> </a:t>
+            </a:r>
+            <a:r>
+              <a:rPr lang="de-CH" dirty="0" err="1" smtClean="0"/>
+              <a:t>if</a:t>
+            </a:r>
+            <a:r>
+              <a:rPr lang="de-CH" dirty="0" smtClean="0"/>
+              <a:t> </a:t>
+            </a:r>
+            <a:r>
+              <a:rPr lang="de-CH" dirty="0" err="1" smtClean="0"/>
+              <a:t>possible</a:t>
+            </a:r>
+            <a:r>
+              <a:rPr lang="de-CH" dirty="0" smtClean="0"/>
+              <a:t>, </a:t>
+            </a:r>
+            <a:r>
+              <a:rPr lang="de-CH" dirty="0" err="1" smtClean="0"/>
+              <a:t>otherwise</a:t>
+            </a:r>
+            <a:r>
+              <a:rPr lang="de-CH" dirty="0" smtClean="0"/>
+              <a:t> </a:t>
+            </a:r>
+            <a:r>
+              <a:rPr lang="de-CH" dirty="0" err="1" smtClean="0"/>
+              <a:t>from</a:t>
+            </a:r>
+            <a:r>
+              <a:rPr lang="de-CH" dirty="0" smtClean="0"/>
+              <a:t> </a:t>
+            </a:r>
+            <a:r>
+              <a:rPr lang="de-CH" dirty="0" err="1" smtClean="0"/>
+              <a:t>primary</a:t>
+            </a:r>
+            <a:endParaRPr lang="de-CH" dirty="0" smtClean="0"/>
+          </a:p>
+          <a:p>
+            <a:pPr lvl="1"/>
+            <a:r>
+              <a:rPr lang="de-CH" dirty="0" err="1" smtClean="0"/>
+              <a:t>Nearest</a:t>
+            </a:r>
+            <a:r>
+              <a:rPr lang="de-CH" dirty="0" smtClean="0"/>
+              <a:t>: </a:t>
+            </a:r>
+            <a:r>
+              <a:rPr lang="de-CH" dirty="0" err="1" smtClean="0"/>
+              <a:t>closest</a:t>
+            </a:r>
+            <a:r>
+              <a:rPr lang="de-CH" dirty="0" smtClean="0"/>
+              <a:t> </a:t>
+            </a:r>
+            <a:r>
+              <a:rPr lang="de-CH" dirty="0" err="1" smtClean="0"/>
+              <a:t>depending</a:t>
+            </a:r>
+            <a:r>
+              <a:rPr lang="de-CH" dirty="0" smtClean="0"/>
+              <a:t> on ping time</a:t>
+            </a:r>
+            <a:endParaRPr lang="de-CH" dirty="0"/>
+          </a:p>
+        </p:txBody>
+      </p:sp>
+    </p:spTree>
+    <p:extLst>
+      <p:ext uri="{BB962C8B-B14F-4D97-AF65-F5344CB8AC3E}">
+        <p14:creationId xmlns:p14="http://schemas.microsoft.com/office/powerpoint/2010/main" val="4018705886"/>
+      </p:ext>
+    </p:extLst>
+  </p:cSld>
+  <p:clrMapOvr>
+    <a:masterClrMapping/>
+  </p:clrMapOvr>
+</p:sld>
+</file>
+
+<file path=ppt/slides/slide57.xml><?xml version="1.0" encoding="utf-8"?>
+<p:sld xmlns:a="http://schemas.openxmlformats.org/drawingml/2006/main" xmlns:r="http://schemas.openxmlformats.org/officeDocument/2006/relationships" xmlns:p="http://schemas.openxmlformats.org/presentationml/2006/main">
+  <p:cSld>
+    <p:spTree>
+      <p:nvGrpSpPr>
+        <p:cNvPr id="1" name=""/>
+        <p:cNvGrpSpPr/>
+        <p:nvPr/>
+      </p:nvGrpSpPr>
+      <p:grpSpPr>
+        <a:xfrm>
+          <a:off x="0" y="0"/>
+          <a:ext cx="0" cy="0"/>
+          <a:chOff x="0" y="0"/>
+          <a:chExt cx="0" cy="0"/>
+        </a:xfrm>
+      </p:grpSpPr>
+      <p:sp>
+        <p:nvSpPr>
+          <p:cNvPr id="2" name="Titel 1"/>
+          <p:cNvSpPr>
+            <a:spLocks noGrp="1"/>
+          </p:cNvSpPr>
+          <p:nvPr>
+            <p:ph type="title"/>
+          </p:nvPr>
+        </p:nvSpPr>
+        <p:spPr/>
+        <p:txBody>
+          <a:bodyPr/>
+          <a:lstStyle/>
+          <a:p>
+            <a:r>
+              <a:rPr lang="de-CH" dirty="0" err="1" smtClean="0"/>
+              <a:t>Sharding</a:t>
+            </a:r>
+            <a:r>
+              <a:rPr lang="de-CH" dirty="0" smtClean="0"/>
+              <a:t> (</a:t>
+            </a:r>
+            <a:r>
+              <a:rPr lang="de-CH" dirty="0" err="1" smtClean="0"/>
+              <a:t>scaling</a:t>
+            </a:r>
+            <a:r>
+              <a:rPr lang="de-CH" dirty="0" smtClean="0"/>
+              <a:t> out)</a:t>
+            </a:r>
+            <a:endParaRPr lang="de-CH" dirty="0"/>
+          </a:p>
+        </p:txBody>
+      </p:sp>
+      <p:sp>
+        <p:nvSpPr>
+          <p:cNvPr id="3" name="Inhaltsplatzhalter 2"/>
+          <p:cNvSpPr>
+            <a:spLocks noGrp="1"/>
+          </p:cNvSpPr>
+          <p:nvPr>
+            <p:ph idx="1"/>
+          </p:nvPr>
+        </p:nvSpPr>
+        <p:spPr/>
+        <p:txBody>
+          <a:bodyPr>
+            <a:normAutofit fontScale="85000" lnSpcReduction="20000"/>
+          </a:bodyPr>
+          <a:lstStyle/>
+          <a:p>
+            <a:r>
+              <a:rPr lang="de-CH" dirty="0" smtClean="0"/>
+              <a:t>Parts (</a:t>
+            </a:r>
+            <a:r>
+              <a:rPr lang="de-CH" dirty="0" err="1" smtClean="0"/>
+              <a:t>chunks</a:t>
+            </a:r>
+            <a:r>
+              <a:rPr lang="de-CH" dirty="0" smtClean="0"/>
+              <a:t>) </a:t>
+            </a:r>
+            <a:r>
+              <a:rPr lang="de-CH" dirty="0" err="1" smtClean="0"/>
+              <a:t>of</a:t>
+            </a:r>
+            <a:r>
+              <a:rPr lang="de-CH" dirty="0" smtClean="0"/>
+              <a:t> </a:t>
+            </a:r>
+            <a:r>
+              <a:rPr lang="de-CH" dirty="0" err="1" smtClean="0"/>
+              <a:t>the</a:t>
+            </a:r>
+            <a:r>
+              <a:rPr lang="de-CH" dirty="0" smtClean="0"/>
+              <a:t> DB </a:t>
+            </a:r>
+            <a:r>
+              <a:rPr lang="de-CH" dirty="0" err="1" smtClean="0"/>
+              <a:t>can</a:t>
+            </a:r>
+            <a:r>
+              <a:rPr lang="de-CH" dirty="0" smtClean="0"/>
+              <a:t> </a:t>
+            </a:r>
+            <a:r>
+              <a:rPr lang="de-CH" dirty="0" err="1" smtClean="0"/>
+              <a:t>be</a:t>
+            </a:r>
+            <a:r>
+              <a:rPr lang="de-CH" dirty="0" smtClean="0"/>
+              <a:t> </a:t>
+            </a:r>
+            <a:r>
+              <a:rPr lang="de-CH" dirty="0" err="1" smtClean="0"/>
+              <a:t>distributed</a:t>
+            </a:r>
+            <a:r>
+              <a:rPr lang="de-CH" dirty="0" smtClean="0"/>
+              <a:t> </a:t>
+            </a:r>
+            <a:r>
+              <a:rPr lang="de-CH" dirty="0" err="1" smtClean="0"/>
+              <a:t>onto</a:t>
+            </a:r>
+            <a:r>
+              <a:rPr lang="de-CH" dirty="0" smtClean="0"/>
+              <a:t> different </a:t>
+            </a:r>
+            <a:r>
+              <a:rPr lang="de-CH" dirty="0" err="1" smtClean="0"/>
+              <a:t>hosts</a:t>
+            </a:r>
+            <a:r>
+              <a:rPr lang="de-CH" dirty="0" smtClean="0"/>
+              <a:t>/</a:t>
+            </a:r>
+            <a:r>
+              <a:rPr lang="de-CH" dirty="0" err="1" smtClean="0"/>
+              <a:t>shards</a:t>
+            </a:r>
+            <a:r>
+              <a:rPr lang="de-CH" dirty="0" smtClean="0"/>
+              <a:t> (</a:t>
+            </a:r>
+            <a:r>
+              <a:rPr lang="de-CH" dirty="0" err="1" smtClean="0"/>
+              <a:t>similar</a:t>
+            </a:r>
+            <a:r>
+              <a:rPr lang="de-CH" dirty="0" smtClean="0"/>
+              <a:t> </a:t>
+            </a:r>
+            <a:r>
+              <a:rPr lang="de-CH" dirty="0" err="1" smtClean="0"/>
+              <a:t>to</a:t>
+            </a:r>
+            <a:r>
+              <a:rPr lang="de-CH" dirty="0" smtClean="0"/>
+              <a:t> </a:t>
+            </a:r>
+            <a:r>
+              <a:rPr lang="de-CH" dirty="0" err="1" smtClean="0"/>
+              <a:t>partitioning</a:t>
+            </a:r>
+            <a:r>
+              <a:rPr lang="de-CH" dirty="0" smtClean="0"/>
+              <a:t>)</a:t>
+            </a:r>
+          </a:p>
+          <a:p>
+            <a:r>
+              <a:rPr lang="de-CH" dirty="0" err="1" smtClean="0"/>
+              <a:t>Each</a:t>
+            </a:r>
+            <a:r>
+              <a:rPr lang="de-CH" dirty="0" smtClean="0"/>
+              <a:t> </a:t>
+            </a:r>
+            <a:r>
+              <a:rPr lang="de-CH" dirty="0" err="1" smtClean="0"/>
+              <a:t>shard</a:t>
+            </a:r>
+            <a:r>
+              <a:rPr lang="de-CH" dirty="0" smtClean="0"/>
+              <a:t> </a:t>
+            </a:r>
+            <a:r>
+              <a:rPr lang="de-CH" dirty="0" err="1" smtClean="0"/>
+              <a:t>can</a:t>
+            </a:r>
+            <a:r>
+              <a:rPr lang="de-CH" dirty="0" smtClean="0"/>
+              <a:t> </a:t>
+            </a:r>
+            <a:r>
+              <a:rPr lang="de-CH" dirty="0" err="1" smtClean="0"/>
+              <a:t>have</a:t>
+            </a:r>
+            <a:r>
+              <a:rPr lang="de-CH" dirty="0" smtClean="0"/>
+              <a:t> </a:t>
+            </a:r>
+            <a:r>
+              <a:rPr lang="de-CH" dirty="0" err="1" smtClean="0"/>
+              <a:t>its</a:t>
+            </a:r>
+            <a:r>
+              <a:rPr lang="de-CH" dirty="0" smtClean="0"/>
+              <a:t> </a:t>
+            </a:r>
+            <a:r>
+              <a:rPr lang="de-CH" dirty="0" err="1" smtClean="0"/>
+              <a:t>own</a:t>
+            </a:r>
+            <a:r>
+              <a:rPr lang="de-CH" dirty="0" smtClean="0"/>
+              <a:t> </a:t>
+            </a:r>
+            <a:r>
+              <a:rPr lang="de-CH" dirty="0" err="1" smtClean="0"/>
+              <a:t>replica</a:t>
+            </a:r>
+            <a:r>
+              <a:rPr lang="de-CH" dirty="0" smtClean="0"/>
+              <a:t> </a:t>
+            </a:r>
+            <a:r>
+              <a:rPr lang="de-CH" dirty="0" err="1" smtClean="0"/>
+              <a:t>sets</a:t>
+            </a:r>
+            <a:endParaRPr lang="de-CH" dirty="0" smtClean="0"/>
+          </a:p>
+          <a:p>
+            <a:r>
+              <a:rPr lang="de-CH" dirty="0" smtClean="0"/>
+              <a:t>Mongos (Router) will </a:t>
+            </a:r>
+            <a:r>
+              <a:rPr lang="de-CH" dirty="0" err="1" smtClean="0"/>
+              <a:t>distribute</a:t>
+            </a:r>
+            <a:r>
+              <a:rPr lang="de-CH" dirty="0" smtClean="0"/>
+              <a:t> </a:t>
+            </a:r>
+            <a:r>
+              <a:rPr lang="de-CH" dirty="0" err="1" smtClean="0"/>
+              <a:t>requests</a:t>
+            </a:r>
+            <a:r>
+              <a:rPr lang="de-CH" dirty="0" smtClean="0"/>
+              <a:t> </a:t>
+            </a:r>
+            <a:r>
+              <a:rPr lang="de-CH" dirty="0" err="1" smtClean="0"/>
+              <a:t>to</a:t>
+            </a:r>
+            <a:r>
+              <a:rPr lang="de-CH" dirty="0" smtClean="0"/>
+              <a:t> </a:t>
+            </a:r>
+            <a:r>
+              <a:rPr lang="de-CH" dirty="0" err="1" smtClean="0"/>
+              <a:t>shards</a:t>
+            </a:r>
+            <a:r>
+              <a:rPr lang="de-CH" dirty="0" smtClean="0"/>
+              <a:t> </a:t>
+            </a:r>
+            <a:r>
+              <a:rPr lang="de-CH" dirty="0" err="1" smtClean="0"/>
+              <a:t>based</a:t>
+            </a:r>
+            <a:r>
+              <a:rPr lang="de-CH" dirty="0" smtClean="0"/>
+              <a:t> on </a:t>
+            </a:r>
+            <a:r>
+              <a:rPr lang="de-CH" dirty="0" err="1" smtClean="0"/>
+              <a:t>shard</a:t>
+            </a:r>
+            <a:r>
+              <a:rPr lang="de-CH" dirty="0" smtClean="0"/>
+              <a:t> </a:t>
+            </a:r>
+            <a:r>
+              <a:rPr lang="de-CH" dirty="0" err="1" smtClean="0"/>
+              <a:t>key</a:t>
+            </a:r>
+            <a:endParaRPr lang="de-CH" dirty="0" smtClean="0"/>
+          </a:p>
+          <a:p>
+            <a:r>
+              <a:rPr lang="de-CH" dirty="0" err="1" smtClean="0"/>
+              <a:t>Shard</a:t>
+            </a:r>
+            <a:r>
+              <a:rPr lang="de-CH" dirty="0" smtClean="0"/>
+              <a:t> </a:t>
+            </a:r>
+            <a:r>
+              <a:rPr lang="de-CH" dirty="0" err="1" smtClean="0"/>
+              <a:t>key</a:t>
+            </a:r>
+            <a:r>
+              <a:rPr lang="de-CH" dirty="0" smtClean="0"/>
+              <a:t> (</a:t>
+            </a:r>
+            <a:r>
+              <a:rPr lang="de-CH" dirty="0" err="1" smtClean="0"/>
+              <a:t>key</a:t>
+            </a:r>
+            <a:r>
+              <a:rPr lang="de-CH" dirty="0" smtClean="0"/>
+              <a:t> </a:t>
+            </a:r>
+            <a:r>
+              <a:rPr lang="de-CH" dirty="0" err="1" smtClean="0"/>
+              <a:t>of</a:t>
+            </a:r>
+            <a:r>
+              <a:rPr lang="de-CH" dirty="0" smtClean="0"/>
+              <a:t> a </a:t>
+            </a:r>
+            <a:r>
+              <a:rPr lang="de-CH" dirty="0" err="1" smtClean="0"/>
+              <a:t>document</a:t>
+            </a:r>
+            <a:r>
+              <a:rPr lang="de-CH" dirty="0" smtClean="0"/>
+              <a:t>) </a:t>
+            </a:r>
+            <a:r>
+              <a:rPr lang="de-CH" dirty="0" err="1" smtClean="0"/>
+              <a:t>is</a:t>
+            </a:r>
+            <a:r>
+              <a:rPr lang="de-CH" dirty="0" smtClean="0"/>
+              <a:t> </a:t>
+            </a:r>
+            <a:r>
+              <a:rPr lang="de-CH" dirty="0" err="1" smtClean="0"/>
+              <a:t>used</a:t>
+            </a:r>
+            <a:r>
+              <a:rPr lang="de-CH" dirty="0" smtClean="0"/>
+              <a:t> </a:t>
+            </a:r>
+            <a:r>
+              <a:rPr lang="de-CH" dirty="0" err="1" smtClean="0"/>
+              <a:t>for</a:t>
+            </a:r>
+            <a:r>
+              <a:rPr lang="de-CH" dirty="0" smtClean="0"/>
+              <a:t> </a:t>
+            </a:r>
+            <a:r>
+              <a:rPr lang="de-CH" dirty="0" err="1" smtClean="0"/>
+              <a:t>mapping</a:t>
+            </a:r>
+            <a:r>
+              <a:rPr lang="de-CH" dirty="0" smtClean="0"/>
+              <a:t> a </a:t>
+            </a:r>
+            <a:r>
+              <a:rPr lang="de-CH" dirty="0" err="1" smtClean="0"/>
+              <a:t>document</a:t>
+            </a:r>
+            <a:r>
+              <a:rPr lang="de-CH" dirty="0" smtClean="0"/>
+              <a:t> </a:t>
+            </a:r>
+            <a:r>
+              <a:rPr lang="de-CH" dirty="0" err="1" smtClean="0"/>
+              <a:t>to</a:t>
+            </a:r>
+            <a:r>
+              <a:rPr lang="de-CH" dirty="0" smtClean="0"/>
+              <a:t> a </a:t>
+            </a:r>
+            <a:r>
+              <a:rPr lang="de-CH" dirty="0" err="1" smtClean="0"/>
+              <a:t>specific</a:t>
+            </a:r>
+            <a:r>
+              <a:rPr lang="de-CH" dirty="0" smtClean="0"/>
+              <a:t> </a:t>
+            </a:r>
+            <a:r>
+              <a:rPr lang="de-CH" dirty="0" err="1" smtClean="0"/>
+              <a:t>shard</a:t>
+            </a:r>
+            <a:r>
+              <a:rPr lang="de-CH" dirty="0" smtClean="0"/>
+              <a:t>. The </a:t>
+            </a:r>
+            <a:r>
+              <a:rPr lang="de-CH" dirty="0" err="1" smtClean="0"/>
+              <a:t>shard</a:t>
+            </a:r>
+            <a:r>
+              <a:rPr lang="de-CH" dirty="0" smtClean="0"/>
+              <a:t> </a:t>
+            </a:r>
+            <a:r>
+              <a:rPr lang="de-CH" dirty="0" err="1" smtClean="0"/>
+              <a:t>key</a:t>
+            </a:r>
+            <a:r>
+              <a:rPr lang="de-CH" dirty="0" smtClean="0"/>
+              <a:t> </a:t>
+            </a:r>
+            <a:r>
+              <a:rPr lang="de-CH" dirty="0" err="1" smtClean="0"/>
+              <a:t>is</a:t>
+            </a:r>
+            <a:r>
+              <a:rPr lang="de-CH" dirty="0" smtClean="0"/>
+              <a:t> </a:t>
+            </a:r>
+            <a:r>
+              <a:rPr lang="de-CH" dirty="0" err="1" smtClean="0"/>
+              <a:t>mandatory</a:t>
+            </a:r>
+            <a:r>
+              <a:rPr lang="de-CH" dirty="0" smtClean="0"/>
+              <a:t> </a:t>
+            </a:r>
+            <a:r>
+              <a:rPr lang="de-CH" dirty="0" err="1" smtClean="0"/>
+              <a:t>and</a:t>
+            </a:r>
+            <a:r>
+              <a:rPr lang="de-CH" dirty="0" smtClean="0"/>
+              <a:t> </a:t>
+            </a:r>
+            <a:r>
+              <a:rPr lang="de-CH" dirty="0" err="1" smtClean="0"/>
+              <a:t>immutable</a:t>
+            </a:r>
+            <a:r>
+              <a:rPr lang="de-CH" dirty="0" smtClean="0"/>
+              <a:t> </a:t>
+            </a:r>
+            <a:r>
+              <a:rPr lang="de-CH" dirty="0" err="1" smtClean="0"/>
+              <a:t>and</a:t>
+            </a:r>
+            <a:r>
+              <a:rPr lang="de-CH" dirty="0" smtClean="0"/>
+              <a:t> </a:t>
+            </a:r>
+            <a:r>
+              <a:rPr lang="de-CH" dirty="0" err="1" smtClean="0"/>
+              <a:t>requires</a:t>
+            </a:r>
+            <a:r>
+              <a:rPr lang="de-CH" dirty="0" smtClean="0"/>
+              <a:t> a (non-</a:t>
+            </a:r>
+            <a:r>
+              <a:rPr lang="de-CH" dirty="0" err="1" smtClean="0"/>
+              <a:t>multikey</a:t>
+            </a:r>
+            <a:r>
+              <a:rPr lang="de-CH" dirty="0" smtClean="0"/>
+              <a:t>) </a:t>
+            </a:r>
+            <a:r>
+              <a:rPr lang="de-CH" dirty="0" err="1" smtClean="0"/>
+              <a:t>index</a:t>
+            </a:r>
+            <a:r>
+              <a:rPr lang="de-CH" dirty="0" smtClean="0"/>
+              <a:t>.</a:t>
+            </a:r>
+          </a:p>
+          <a:p>
+            <a:pPr lvl="1"/>
+            <a:r>
+              <a:rPr lang="de-CH" dirty="0" err="1" smtClean="0"/>
+              <a:t>Shard</a:t>
+            </a:r>
+            <a:r>
+              <a:rPr lang="de-CH" dirty="0" smtClean="0"/>
+              <a:t> </a:t>
+            </a:r>
+            <a:r>
+              <a:rPr lang="de-CH" dirty="0" err="1" smtClean="0"/>
+              <a:t>key</a:t>
+            </a:r>
+            <a:r>
+              <a:rPr lang="de-CH" dirty="0" smtClean="0"/>
+              <a:t> </a:t>
+            </a:r>
+            <a:r>
+              <a:rPr lang="de-CH" dirty="0" err="1" smtClean="0"/>
+              <a:t>is</a:t>
+            </a:r>
+            <a:r>
+              <a:rPr lang="de-CH" dirty="0" smtClean="0"/>
+              <a:t> </a:t>
+            </a:r>
+            <a:r>
+              <a:rPr lang="de-CH" dirty="0" err="1" smtClean="0"/>
+              <a:t>required</a:t>
+            </a:r>
+            <a:r>
+              <a:rPr lang="de-CH" dirty="0" smtClean="0"/>
+              <a:t> </a:t>
+            </a:r>
+            <a:r>
+              <a:rPr lang="de-CH" dirty="0" err="1" smtClean="0"/>
+              <a:t>as</a:t>
+            </a:r>
+            <a:r>
+              <a:rPr lang="de-CH" dirty="0" smtClean="0"/>
+              <a:t> a </a:t>
+            </a:r>
+            <a:r>
+              <a:rPr lang="de-CH" dirty="0" err="1" smtClean="0"/>
+              <a:t>prefix</a:t>
+            </a:r>
+            <a:r>
+              <a:rPr lang="de-CH" dirty="0" smtClean="0"/>
+              <a:t> </a:t>
+            </a:r>
+            <a:r>
+              <a:rPr lang="de-CH" dirty="0" err="1" smtClean="0"/>
+              <a:t>for</a:t>
+            </a:r>
+            <a:r>
+              <a:rPr lang="de-CH" dirty="0" smtClean="0"/>
+              <a:t> </a:t>
+            </a:r>
+            <a:r>
+              <a:rPr lang="de-CH" dirty="0" err="1" smtClean="0"/>
+              <a:t>every</a:t>
+            </a:r>
+            <a:r>
+              <a:rPr lang="de-CH" dirty="0" smtClean="0"/>
+              <a:t> </a:t>
+            </a:r>
+            <a:r>
+              <a:rPr lang="de-CH" dirty="0" err="1" smtClean="0"/>
+              <a:t>unique</a:t>
+            </a:r>
+            <a:r>
+              <a:rPr lang="de-CH" dirty="0" smtClean="0"/>
+              <a:t> </a:t>
+            </a:r>
+            <a:r>
+              <a:rPr lang="de-CH" dirty="0" err="1" smtClean="0"/>
+              <a:t>index</a:t>
+            </a:r>
+            <a:r>
+              <a:rPr lang="de-CH" dirty="0" smtClean="0"/>
+              <a:t> in a </a:t>
+            </a:r>
+            <a:r>
+              <a:rPr lang="de-CH" dirty="0" err="1" smtClean="0"/>
+              <a:t>sharded</a:t>
+            </a:r>
+            <a:r>
+              <a:rPr lang="de-CH" dirty="0" smtClean="0"/>
+              <a:t> </a:t>
+            </a:r>
+            <a:r>
+              <a:rPr lang="de-CH" dirty="0" err="1" smtClean="0"/>
+              <a:t>collection</a:t>
+            </a:r>
+            <a:r>
+              <a:rPr lang="de-CH" smtClean="0"/>
+              <a:t>!</a:t>
+            </a:r>
+            <a:endParaRPr lang="de-CH" dirty="0" smtClean="0"/>
+          </a:p>
+          <a:p>
+            <a:r>
+              <a:rPr lang="de-CH" dirty="0" err="1" smtClean="0"/>
+              <a:t>Config</a:t>
+            </a:r>
+            <a:r>
+              <a:rPr lang="de-CH" dirty="0" smtClean="0"/>
+              <a:t> </a:t>
+            </a:r>
+            <a:r>
+              <a:rPr lang="de-CH" dirty="0" err="1" smtClean="0"/>
+              <a:t>servers</a:t>
+            </a:r>
+            <a:r>
+              <a:rPr lang="de-CH" dirty="0" smtClean="0"/>
+              <a:t> </a:t>
+            </a:r>
+            <a:r>
+              <a:rPr lang="de-CH" dirty="0" err="1" smtClean="0"/>
+              <a:t>are</a:t>
+            </a:r>
+            <a:r>
+              <a:rPr lang="de-CH" dirty="0" smtClean="0"/>
+              <a:t> </a:t>
+            </a:r>
+            <a:r>
+              <a:rPr lang="de-CH" dirty="0" err="1" smtClean="0"/>
+              <a:t>responsible</a:t>
+            </a:r>
+            <a:r>
+              <a:rPr lang="de-CH" dirty="0" smtClean="0"/>
+              <a:t> </a:t>
+            </a:r>
+            <a:r>
+              <a:rPr lang="de-CH" dirty="0" err="1" smtClean="0"/>
+              <a:t>for</a:t>
+            </a:r>
+            <a:r>
+              <a:rPr lang="de-CH" dirty="0" smtClean="0"/>
+              <a:t> </a:t>
+            </a:r>
+            <a:r>
+              <a:rPr lang="de-CH" dirty="0" err="1" smtClean="0"/>
+              <a:t>mapping</a:t>
+            </a:r>
+            <a:endParaRPr lang="de-CH" dirty="0" smtClean="0"/>
+          </a:p>
+          <a:p>
+            <a:pPr lvl="1"/>
+            <a:r>
+              <a:rPr lang="de-CH" dirty="0" smtClean="0"/>
+              <a:t>Range </a:t>
+            </a:r>
+            <a:r>
+              <a:rPr lang="de-CH" dirty="0" err="1" smtClean="0"/>
+              <a:t>based</a:t>
+            </a:r>
+            <a:r>
+              <a:rPr lang="de-CH" dirty="0" smtClean="0"/>
+              <a:t> </a:t>
+            </a:r>
+            <a:r>
+              <a:rPr lang="de-CH" dirty="0" err="1" smtClean="0"/>
+              <a:t>mapping</a:t>
+            </a:r>
+            <a:endParaRPr lang="de-CH" dirty="0" smtClean="0"/>
+          </a:p>
+          <a:p>
+            <a:pPr lvl="1"/>
+            <a:r>
+              <a:rPr lang="de-CH" dirty="0" smtClean="0"/>
+              <a:t>Hash </a:t>
+            </a:r>
+            <a:r>
+              <a:rPr lang="de-CH" dirty="0" err="1" smtClean="0"/>
+              <a:t>based</a:t>
+            </a:r>
+            <a:r>
+              <a:rPr lang="de-CH" dirty="0" smtClean="0"/>
+              <a:t> </a:t>
+            </a:r>
+            <a:r>
+              <a:rPr lang="de-CH" dirty="0" err="1" smtClean="0"/>
+              <a:t>mapping</a:t>
+            </a:r>
+            <a:endParaRPr lang="de-CH" dirty="0" smtClean="0"/>
+          </a:p>
+          <a:p>
+            <a:r>
+              <a:rPr lang="de-CH" dirty="0" err="1" smtClean="0"/>
+              <a:t>If</a:t>
+            </a:r>
+            <a:r>
+              <a:rPr lang="de-CH" dirty="0" smtClean="0"/>
+              <a:t> a find </a:t>
+            </a:r>
+            <a:r>
+              <a:rPr lang="de-CH" dirty="0" err="1" smtClean="0"/>
+              <a:t>query</a:t>
+            </a:r>
+            <a:r>
+              <a:rPr lang="de-CH" dirty="0" smtClean="0"/>
+              <a:t> </a:t>
+            </a:r>
+            <a:r>
+              <a:rPr lang="de-CH" dirty="0" err="1" smtClean="0"/>
+              <a:t>without</a:t>
+            </a:r>
+            <a:r>
+              <a:rPr lang="de-CH" dirty="0" smtClean="0"/>
+              <a:t> </a:t>
+            </a:r>
+            <a:r>
+              <a:rPr lang="de-CH" dirty="0" err="1" smtClean="0"/>
+              <a:t>the</a:t>
+            </a:r>
+            <a:r>
+              <a:rPr lang="de-CH" dirty="0" smtClean="0"/>
+              <a:t> </a:t>
+            </a:r>
+            <a:r>
+              <a:rPr lang="de-CH" dirty="0" err="1" smtClean="0"/>
+              <a:t>shard</a:t>
+            </a:r>
+            <a:r>
+              <a:rPr lang="de-CH" dirty="0" smtClean="0"/>
+              <a:t> </a:t>
+            </a:r>
+            <a:r>
+              <a:rPr lang="de-CH" dirty="0" err="1" smtClean="0"/>
+              <a:t>key</a:t>
+            </a:r>
+            <a:r>
+              <a:rPr lang="de-CH" dirty="0" smtClean="0"/>
+              <a:t> </a:t>
+            </a:r>
+            <a:r>
+              <a:rPr lang="de-CH" dirty="0" err="1" smtClean="0"/>
+              <a:t>is</a:t>
+            </a:r>
+            <a:r>
+              <a:rPr lang="de-CH" dirty="0" smtClean="0"/>
+              <a:t> </a:t>
+            </a:r>
+            <a:r>
+              <a:rPr lang="de-CH" dirty="0" err="1" smtClean="0"/>
+              <a:t>sent</a:t>
+            </a:r>
+            <a:r>
+              <a:rPr lang="de-CH" dirty="0" smtClean="0"/>
+              <a:t> </a:t>
+            </a:r>
+            <a:r>
+              <a:rPr lang="de-CH" dirty="0" err="1" smtClean="0"/>
+              <a:t>to</a:t>
+            </a:r>
+            <a:r>
+              <a:rPr lang="de-CH" dirty="0" smtClean="0"/>
+              <a:t> Mongos, </a:t>
+            </a:r>
+            <a:r>
+              <a:rPr lang="de-CH" dirty="0" err="1" smtClean="0"/>
+              <a:t>it</a:t>
+            </a:r>
+            <a:r>
+              <a:rPr lang="de-CH" dirty="0" smtClean="0"/>
+              <a:t> will </a:t>
+            </a:r>
+            <a:r>
+              <a:rPr lang="de-CH" dirty="0" err="1" smtClean="0"/>
+              <a:t>forward</a:t>
+            </a:r>
+            <a:r>
+              <a:rPr lang="de-CH" dirty="0" smtClean="0"/>
+              <a:t> </a:t>
+            </a:r>
+            <a:r>
+              <a:rPr lang="de-CH" dirty="0" err="1" smtClean="0"/>
+              <a:t>it</a:t>
+            </a:r>
+            <a:r>
+              <a:rPr lang="de-CH" dirty="0" smtClean="0"/>
+              <a:t> </a:t>
+            </a:r>
+            <a:r>
+              <a:rPr lang="de-CH" dirty="0" err="1" smtClean="0"/>
+              <a:t>to</a:t>
+            </a:r>
+            <a:r>
+              <a:rPr lang="de-CH" dirty="0" smtClean="0"/>
+              <a:t> all </a:t>
+            </a:r>
+            <a:r>
+              <a:rPr lang="de-CH" dirty="0" err="1" smtClean="0"/>
+              <a:t>shards</a:t>
+            </a:r>
+            <a:endParaRPr lang="de-CH" dirty="0"/>
+          </a:p>
+        </p:txBody>
+      </p:sp>
+    </p:spTree>
+    <p:extLst>
+      <p:ext uri="{BB962C8B-B14F-4D97-AF65-F5344CB8AC3E}">
+        <p14:creationId xmlns:p14="http://schemas.microsoft.com/office/powerpoint/2010/main" val="1367283483"/>
+      </p:ext>
+    </p:extLst>
+  </p:cSld>
+  <p:clrMapOvr>
+    <a:masterClrMapping/>
+  </p:clrMapOvr>
+</p:sld>
+</file>
+
+<file path=ppt/slides/slide58.xml><?xml version="1.0" encoding="utf-8"?>
+<p:sld xmlns:a="http://schemas.openxmlformats.org/drawingml/2006/main" xmlns:r="http://schemas.openxmlformats.org/officeDocument/2006/relationships" xmlns:p="http://schemas.openxmlformats.org/presentationml/2006/main">
+  <p:cSld>
+    <p:spTree>
+      <p:nvGrpSpPr>
+        <p:cNvPr id="1" name=""/>
+        <p:cNvGrpSpPr/>
+        <p:nvPr/>
+      </p:nvGrpSpPr>
+      <p:grpSpPr>
+        <a:xfrm>
+          <a:off x="0" y="0"/>
+          <a:ext cx="0" cy="0"/>
+          <a:chOff x="0" y="0"/>
+          <a:chExt cx="0" cy="0"/>
+        </a:xfrm>
+      </p:grpSpPr>
+      <p:sp>
+        <p:nvSpPr>
+          <p:cNvPr id="2" name="Titel 1"/>
+          <p:cNvSpPr>
+            <a:spLocks noGrp="1"/>
+          </p:cNvSpPr>
+          <p:nvPr>
+            <p:ph type="title"/>
+          </p:nvPr>
+        </p:nvSpPr>
+        <p:spPr/>
+        <p:txBody>
+          <a:bodyPr/>
+          <a:lstStyle/>
+          <a:p>
+            <a:r>
+              <a:rPr lang="de-CH" dirty="0" err="1" smtClean="0"/>
+              <a:t>Sharding</a:t>
+            </a:r>
+            <a:r>
+              <a:rPr lang="de-CH" dirty="0" smtClean="0"/>
+              <a:t> + Replication</a:t>
+            </a:r>
+            <a:endParaRPr lang="de-CH" dirty="0"/>
+          </a:p>
+        </p:txBody>
+      </p:sp>
+      <p:sp>
+        <p:nvSpPr>
+          <p:cNvPr id="3" name="Inhaltsplatzhalter 2"/>
+          <p:cNvSpPr>
+            <a:spLocks noGrp="1"/>
+          </p:cNvSpPr>
+          <p:nvPr>
+            <p:ph idx="1"/>
+          </p:nvPr>
+        </p:nvSpPr>
+        <p:spPr/>
+        <p:txBody>
+          <a:bodyPr/>
+          <a:lstStyle/>
+          <a:p>
+            <a:r>
+              <a:rPr lang="de-CH" dirty="0" smtClean="0"/>
+              <a:t>Grafik (z.B. </a:t>
+            </a:r>
+            <a:r>
+              <a:rPr lang="de-CH" dirty="0"/>
+              <a:t>von hier: </a:t>
+            </a:r>
+            <a:r>
+              <a:rPr lang="de-CH" dirty="0">
+                <a:hlinkClick r:id="rId2"/>
+              </a:rPr>
+              <a:t>https://university.mongodb.com/courses/MongoDB/M101J/2016_March/courseware/Week_6_Application_Engineering_/</a:t>
+            </a:r>
+            <a:r>
+              <a:rPr lang="de-CH" dirty="0" smtClean="0">
+                <a:hlinkClick r:id="rId2"/>
+              </a:rPr>
+              <a:t>52b37130e2d423678d3b9d97</a:t>
+            </a:r>
+            <a:r>
+              <a:rPr lang="de-CH" dirty="0" smtClean="0"/>
+              <a:t>) </a:t>
+            </a:r>
+            <a:r>
+              <a:rPr lang="de-CH" dirty="0" smtClean="0">
+                <a:sym typeface="Wingdings" panose="05000000000000000000" pitchFamily="2" charset="2"/>
+              </a:rPr>
+              <a:t> inkl. </a:t>
+            </a:r>
+            <a:r>
+              <a:rPr lang="de-CH" dirty="0" err="1" smtClean="0">
+                <a:sym typeface="Wingdings" panose="05000000000000000000" pitchFamily="2" charset="2"/>
+              </a:rPr>
+              <a:t>Config</a:t>
+            </a:r>
+            <a:r>
+              <a:rPr lang="de-CH" dirty="0" smtClean="0">
+                <a:sym typeface="Wingdings" panose="05000000000000000000" pitchFamily="2" charset="2"/>
+              </a:rPr>
+              <a:t>-Servers</a:t>
+            </a:r>
+            <a:endParaRPr lang="de-CH" dirty="0" smtClean="0"/>
+          </a:p>
+          <a:p>
+            <a:endParaRPr lang="de-CH" dirty="0"/>
+          </a:p>
+        </p:txBody>
+      </p:sp>
+    </p:spTree>
+    <p:extLst>
+      <p:ext uri="{BB962C8B-B14F-4D97-AF65-F5344CB8AC3E}">
+        <p14:creationId xmlns:p14="http://schemas.microsoft.com/office/powerpoint/2010/main" val="1798081699"/>
+      </p:ext>
+    </p:extLst>
+  </p:cSld>
+  <p:clrMapOvr>
+    <a:masterClrMapping/>
+  </p:clrMapOvr>
+</p:sld>
+</file>
+
+<file path=ppt/slides/slide59.xml><?xml version="1.0" encoding="utf-8"?>
+<p:sld xmlns:a="http://schemas.openxmlformats.org/drawingml/2006/main" xmlns:r="http://schemas.openxmlformats.org/officeDocument/2006/relationships" xmlns:p="http://schemas.openxmlformats.org/presentationml/2006/main">
+  <p:cSld>
+    <p:spTree>
+      <p:nvGrpSpPr>
+        <p:cNvPr id="1" name=""/>
+        <p:cNvGrpSpPr/>
+        <p:nvPr/>
+      </p:nvGrpSpPr>
+      <p:grpSpPr>
+        <a:xfrm>
+          <a:off x="0" y="0"/>
+          <a:ext cx="0" cy="0"/>
+          <a:chOff x="0" y="0"/>
+          <a:chExt cx="0" cy="0"/>
+        </a:xfrm>
+      </p:grpSpPr>
+      <p:sp>
+        <p:nvSpPr>
+          <p:cNvPr id="2" name="Titel 1"/>
+          <p:cNvSpPr>
+            <a:spLocks noGrp="1"/>
+          </p:cNvSpPr>
+          <p:nvPr>
+            <p:ph type="title"/>
+          </p:nvPr>
+        </p:nvSpPr>
+        <p:spPr/>
+        <p:txBody>
+          <a:bodyPr/>
+          <a:lstStyle/>
+          <a:p>
+            <a:r>
               <a:rPr lang="de-CH" dirty="0" err="1" smtClean="0"/>
               <a:t>Literature</a:t>
             </a:r>
